--- a/10.cloud/cloud.pptx
+++ b/10.cloud/cloud.pptx
@@ -6,8 +6,10 @@
   </p:sldMasterIdLst>
   <p:sldIdLst>
     <p:sldId id="257" r:id="rId3"/>
-    <p:sldId id="292" r:id="rId4"/>
-    <p:sldId id="291" r:id="rId5"/>
+    <p:sldId id="294" r:id="rId4"/>
+    <p:sldId id="293" r:id="rId5"/>
+    <p:sldId id="292" r:id="rId6"/>
+    <p:sldId id="291" r:id="rId7"/>
   </p:sldIdLst>
   <p:sldSz cx="12192000" cy="6858000"/>
   <p:notesSz cx="6858000" cy="9144000"/>
@@ -3686,7 +3688,7 @@
           <a:p>
             <a:r>
               <a:rPr lang="en-US" sz="8000" dirty="0"/>
-              <a:t>Machine learning</a:t>
+              <a:t>Cloud Computing</a:t>
             </a:r>
             <a:endParaRPr lang="en-US" sz="8000" dirty="0"/>
           </a:p>
@@ -3763,6 +3765,35 @@
           </a:fontRef>
         </p:style>
       </p:cxnSp>
+      <p:sp>
+        <p:nvSpPr>
+          <p:cNvPr id="3" name="Text Box 2"/>
+          <p:cNvSpPr txBox="1"/>
+          <p:nvPr/>
+        </p:nvSpPr>
+        <p:spPr>
+          <a:xfrm>
+            <a:off x="4967605" y="4831715"/>
+            <a:ext cx="7015480" cy="645160"/>
+          </a:xfrm>
+          <a:prstGeom prst="rect">
+            <a:avLst/>
+          </a:prstGeom>
+          <a:noFill/>
+        </p:spPr>
+        <p:txBody>
+          <a:bodyPr wrap="square" rtlCol="0" anchor="t">
+            <a:spAutoFit/>
+          </a:bodyPr>
+          <a:p>
+            <a:r>
+              <a:rPr lang="en-US" altLang="en-US"/>
+              <a:t>https://www.udemy.com/course/cloud-computing-for-beginners-course/learn/lecture/37788200#content</a:t>
+            </a:r>
+            <a:endParaRPr lang="en-US"/>
+          </a:p>
+        </p:txBody>
+      </p:sp>
     </p:spTree>
   </p:cSld>
   <p:clrMapOvr>
@@ -3772,6 +3803,5710 @@
 </file>
 
 <file path=ppt/slides/slide2.xml><?xml version="1.0" encoding="utf-8"?>
+<p:sld xmlns:a="http://schemas.openxmlformats.org/drawingml/2006/main" xmlns:r="http://schemas.openxmlformats.org/officeDocument/2006/relationships" xmlns:p="http://schemas.openxmlformats.org/presentationml/2006/main">
+  <p:cSld>
+    <p:spTree>
+      <p:nvGrpSpPr>
+        <p:cNvPr id="1" name=""/>
+        <p:cNvGrpSpPr/>
+        <p:nvPr/>
+      </p:nvGrpSpPr>
+      <p:grpSpPr/>
+      <p:sp>
+        <p:nvSpPr>
+          <p:cNvPr id="2" name="Text Box 1"/>
+          <p:cNvSpPr txBox="1"/>
+          <p:nvPr/>
+        </p:nvSpPr>
+        <p:spPr>
+          <a:xfrm>
+            <a:off x="93345" y="-12693650"/>
+            <a:ext cx="8486140" cy="22007195"/>
+          </a:xfrm>
+          <a:prstGeom prst="rect">
+            <a:avLst/>
+          </a:prstGeom>
+        </p:spPr>
+        <p:txBody>
+          <a:bodyPr wrap="square">
+            <a:spAutoFit/>
+          </a:bodyPr>
+          <a:p>
+            <a:pPr marL="0" indent="0">
+              <a:spcBef>
+                <a:spcPct val="0"/>
+              </a:spcBef>
+              <a:spcAft>
+                <a:spcPct val="0"/>
+              </a:spcAft>
+            </a:pPr>
+            <a:r>
+              <a:rPr sz="1600" b="0" i="0">
+                <a:solidFill>
+                  <a:srgbClr val="303141"/>
+                </a:solidFill>
+                <a:latin typeface="Arial" panose="020B0604020202020204" pitchFamily="34" charset="0"/>
+                <a:ea typeface="Udemy Sans"/>
+                <a:cs typeface="Arial" panose="020B0604020202020204" pitchFamily="34" charset="0"/>
+              </a:rPr>
+              <a:t>What You’ll Learn:</a:t>
+            </a:r>
+            <a:endParaRPr sz="1600" b="0" i="0">
+              <a:solidFill>
+                <a:srgbClr val="303141"/>
+              </a:solidFill>
+              <a:latin typeface="Arial" panose="020B0604020202020204" pitchFamily="34" charset="0"/>
+              <a:ea typeface="Udemy Sans"/>
+              <a:cs typeface="Arial" panose="020B0604020202020204" pitchFamily="34" charset="0"/>
+            </a:endParaRPr>
+          </a:p>
+          <a:p>
+            <a:pPr marL="0" indent="0">
+              <a:spcBef>
+                <a:spcPct val="0"/>
+              </a:spcBef>
+              <a:spcAft>
+                <a:spcPct val="0"/>
+              </a:spcAft>
+              <a:buFont typeface="Arial" panose="020B0604020202020204"/>
+              <a:buChar char="•"/>
+            </a:pPr>
+            <a:r>
+              <a:rPr sz="1600" b="0" i="0">
+                <a:solidFill>
+                  <a:srgbClr val="303141"/>
+                </a:solidFill>
+                <a:latin typeface="Arial" panose="020B0604020202020204" pitchFamily="34" charset="0"/>
+                <a:ea typeface="Udemy Sans"/>
+                <a:cs typeface="Arial" panose="020B0604020202020204" pitchFamily="34" charset="0"/>
+              </a:rPr>
+              <a:t>The core concepts of cloud computing without technical jargon.</a:t>
+            </a:r>
+            <a:endParaRPr sz="1600" b="0" i="0">
+              <a:solidFill>
+                <a:srgbClr val="303141"/>
+              </a:solidFill>
+              <a:latin typeface="Arial" panose="020B0604020202020204" pitchFamily="34" charset="0"/>
+              <a:ea typeface="Udemy Sans"/>
+              <a:cs typeface="Arial" panose="020B0604020202020204" pitchFamily="34" charset="0"/>
+            </a:endParaRPr>
+          </a:p>
+          <a:p>
+            <a:pPr marL="0" indent="0">
+              <a:spcBef>
+                <a:spcPct val="0"/>
+              </a:spcBef>
+              <a:spcAft>
+                <a:spcPct val="0"/>
+              </a:spcAft>
+              <a:buFont typeface="Arial" panose="020B0604020202020204"/>
+              <a:buChar char="•"/>
+            </a:pPr>
+            <a:r>
+              <a:rPr sz="1600" b="0" i="0">
+                <a:solidFill>
+                  <a:srgbClr val="303141"/>
+                </a:solidFill>
+                <a:latin typeface="Arial" panose="020B0604020202020204" pitchFamily="34" charset="0"/>
+                <a:ea typeface="Udemy Sans"/>
+                <a:cs typeface="Arial" panose="020B0604020202020204" pitchFamily="34" charset="0"/>
+              </a:rPr>
+              <a:t>How traditional IT systems are transforming through digital innovation.</a:t>
+            </a:r>
+            <a:endParaRPr sz="1600" b="0" i="0">
+              <a:solidFill>
+                <a:srgbClr val="303141"/>
+              </a:solidFill>
+              <a:latin typeface="Arial" panose="020B0604020202020204" pitchFamily="34" charset="0"/>
+              <a:ea typeface="Udemy Sans"/>
+              <a:cs typeface="Arial" panose="020B0604020202020204" pitchFamily="34" charset="0"/>
+            </a:endParaRPr>
+          </a:p>
+          <a:p>
+            <a:pPr marL="0" indent="0">
+              <a:spcBef>
+                <a:spcPct val="0"/>
+              </a:spcBef>
+              <a:spcAft>
+                <a:spcPct val="0"/>
+              </a:spcAft>
+              <a:buFont typeface="Arial" panose="020B0604020202020204"/>
+              <a:buChar char="•"/>
+            </a:pPr>
+            <a:r>
+              <a:rPr sz="1600" b="0" i="0">
+                <a:solidFill>
+                  <a:srgbClr val="303141"/>
+                </a:solidFill>
+                <a:latin typeface="Arial" panose="020B0604020202020204" pitchFamily="34" charset="0"/>
+                <a:ea typeface="Udemy Sans"/>
+                <a:cs typeface="Arial" panose="020B0604020202020204" pitchFamily="34" charset="0"/>
+              </a:rPr>
+              <a:t>A clear breakdown of cloud service models (IaaS, PaaS, SaaS, FaaS, BaaS,) and deployment models (Public, Private, Hybrid and Community).</a:t>
+            </a:r>
+            <a:endParaRPr sz="1600" b="0" i="0">
+              <a:solidFill>
+                <a:srgbClr val="303141"/>
+              </a:solidFill>
+              <a:latin typeface="Arial" panose="020B0604020202020204" pitchFamily="34" charset="0"/>
+              <a:ea typeface="Udemy Sans"/>
+              <a:cs typeface="Arial" panose="020B0604020202020204" pitchFamily="34" charset="0"/>
+            </a:endParaRPr>
+          </a:p>
+          <a:p>
+            <a:pPr marL="0" indent="0">
+              <a:spcBef>
+                <a:spcPct val="0"/>
+              </a:spcBef>
+              <a:spcAft>
+                <a:spcPct val="0"/>
+              </a:spcAft>
+              <a:buFont typeface="Arial" panose="020B0604020202020204"/>
+              <a:buChar char="•"/>
+            </a:pPr>
+            <a:r>
+              <a:rPr sz="1600" b="0" i="0">
+                <a:solidFill>
+                  <a:srgbClr val="303141"/>
+                </a:solidFill>
+                <a:latin typeface="Arial" panose="020B0604020202020204" pitchFamily="34" charset="0"/>
+                <a:ea typeface="Udemy Sans"/>
+                <a:cs typeface="Arial" panose="020B0604020202020204" pitchFamily="34" charset="0"/>
+              </a:rPr>
+              <a:t>Virtualization and containerization are explained in simple terms.</a:t>
+            </a:r>
+            <a:endParaRPr sz="1600" b="0" i="0">
+              <a:solidFill>
+                <a:srgbClr val="303141"/>
+              </a:solidFill>
+              <a:latin typeface="Arial" panose="020B0604020202020204" pitchFamily="34" charset="0"/>
+              <a:ea typeface="Udemy Sans"/>
+              <a:cs typeface="Arial" panose="020B0604020202020204" pitchFamily="34" charset="0"/>
+            </a:endParaRPr>
+          </a:p>
+          <a:p>
+            <a:pPr marL="0" indent="0">
+              <a:spcBef>
+                <a:spcPct val="0"/>
+              </a:spcBef>
+              <a:spcAft>
+                <a:spcPct val="0"/>
+              </a:spcAft>
+              <a:buFont typeface="Arial" panose="020B0604020202020204"/>
+              <a:buChar char="•"/>
+            </a:pPr>
+            <a:r>
+              <a:rPr sz="1600" b="0" i="0">
+                <a:solidFill>
+                  <a:srgbClr val="303141"/>
+                </a:solidFill>
+                <a:latin typeface="Arial" panose="020B0604020202020204" pitchFamily="34" charset="0"/>
+                <a:ea typeface="Udemy Sans"/>
+                <a:cs typeface="Arial" panose="020B0604020202020204" pitchFamily="34" charset="0"/>
+              </a:rPr>
+              <a:t>Essential cloud infrastructure elements: storage, networking, and security.</a:t>
+            </a:r>
+            <a:endParaRPr sz="1600" b="0" i="0">
+              <a:solidFill>
+                <a:srgbClr val="303141"/>
+              </a:solidFill>
+              <a:latin typeface="Arial" panose="020B0604020202020204" pitchFamily="34" charset="0"/>
+              <a:ea typeface="Udemy Sans"/>
+              <a:cs typeface="Arial" panose="020B0604020202020204" pitchFamily="34" charset="0"/>
+            </a:endParaRPr>
+          </a:p>
+          <a:p>
+            <a:pPr marL="0" indent="0">
+              <a:spcBef>
+                <a:spcPct val="0"/>
+              </a:spcBef>
+              <a:spcAft>
+                <a:spcPct val="0"/>
+              </a:spcAft>
+              <a:buFont typeface="Arial" panose="020B0604020202020204"/>
+              <a:buChar char="•"/>
+            </a:pPr>
+            <a:r>
+              <a:rPr sz="1600" b="0" i="0">
+                <a:solidFill>
+                  <a:srgbClr val="303141"/>
+                </a:solidFill>
+                <a:latin typeface="Arial" panose="020B0604020202020204" pitchFamily="34" charset="0"/>
+                <a:ea typeface="Udemy Sans"/>
+                <a:cs typeface="Arial" panose="020B0604020202020204" pitchFamily="34" charset="0"/>
+              </a:rPr>
+              <a:t>Modern architectures like Serverless Computing and Function-as-a-Service (FaaS).</a:t>
+            </a:r>
+            <a:endParaRPr sz="1600" b="0" i="0">
+              <a:solidFill>
+                <a:srgbClr val="303141"/>
+              </a:solidFill>
+              <a:latin typeface="Arial" panose="020B0604020202020204" pitchFamily="34" charset="0"/>
+              <a:ea typeface="Udemy Sans"/>
+              <a:cs typeface="Arial" panose="020B0604020202020204" pitchFamily="34" charset="0"/>
+            </a:endParaRPr>
+          </a:p>
+          <a:p>
+            <a:pPr marL="0" indent="0">
+              <a:spcBef>
+                <a:spcPct val="0"/>
+              </a:spcBef>
+              <a:spcAft>
+                <a:spcPct val="0"/>
+              </a:spcAft>
+              <a:buFont typeface="Arial" panose="020B0604020202020204"/>
+              <a:buChar char="•"/>
+            </a:pPr>
+            <a:r>
+              <a:rPr sz="1600" b="0" i="0">
+                <a:solidFill>
+                  <a:srgbClr val="303141"/>
+                </a:solidFill>
+                <a:latin typeface="Arial" panose="020B0604020202020204" pitchFamily="34" charset="0"/>
+                <a:ea typeface="Udemy Sans"/>
+                <a:cs typeface="Arial" panose="020B0604020202020204" pitchFamily="34" charset="0"/>
+              </a:rPr>
+              <a:t>Core Concept knowledge of Docker, Kubernetes, and other container technologies.</a:t>
+            </a:r>
+            <a:endParaRPr sz="1600" b="0" i="0">
+              <a:solidFill>
+                <a:srgbClr val="303141"/>
+              </a:solidFill>
+              <a:latin typeface="Arial" panose="020B0604020202020204" pitchFamily="34" charset="0"/>
+              <a:ea typeface="Udemy Sans"/>
+              <a:cs typeface="Arial" panose="020B0604020202020204" pitchFamily="34" charset="0"/>
+            </a:endParaRPr>
+          </a:p>
+          <a:p>
+            <a:pPr marL="0" indent="0">
+              <a:spcBef>
+                <a:spcPct val="0"/>
+              </a:spcBef>
+              <a:spcAft>
+                <a:spcPct val="0"/>
+              </a:spcAft>
+              <a:buFont typeface="Arial" panose="020B0604020202020204"/>
+              <a:buChar char="•"/>
+            </a:pPr>
+            <a:r>
+              <a:rPr sz="1600" b="0" i="0">
+                <a:solidFill>
+                  <a:srgbClr val="303141"/>
+                </a:solidFill>
+                <a:latin typeface="Arial" panose="020B0604020202020204" pitchFamily="34" charset="0"/>
+                <a:ea typeface="Udemy Sans"/>
+                <a:cs typeface="Arial" panose="020B0604020202020204" pitchFamily="34" charset="0"/>
+              </a:rPr>
+              <a:t>Understanding of cloud pricing models and how to optimize costs.</a:t>
+            </a:r>
+            <a:endParaRPr sz="1600" b="0" i="0">
+              <a:solidFill>
+                <a:srgbClr val="303141"/>
+              </a:solidFill>
+              <a:latin typeface="Arial" panose="020B0604020202020204" pitchFamily="34" charset="0"/>
+              <a:ea typeface="Udemy Sans"/>
+              <a:cs typeface="Arial" panose="020B0604020202020204" pitchFamily="34" charset="0"/>
+            </a:endParaRPr>
+          </a:p>
+          <a:p>
+            <a:pPr marL="0" indent="0">
+              <a:spcBef>
+                <a:spcPct val="0"/>
+              </a:spcBef>
+              <a:spcAft>
+                <a:spcPct val="0"/>
+              </a:spcAft>
+            </a:pPr>
+            <a:r>
+              <a:rPr sz="1600" b="0" i="0">
+                <a:solidFill>
+                  <a:srgbClr val="303141"/>
+                </a:solidFill>
+                <a:latin typeface="Arial" panose="020B0604020202020204" pitchFamily="34" charset="0"/>
+                <a:ea typeface="Udemy Sans"/>
+                <a:cs typeface="Arial" panose="020B0604020202020204" pitchFamily="34" charset="0"/>
+              </a:rPr>
+              <a:t>Why Enroll in This Course?</a:t>
+            </a:r>
+            <a:endParaRPr sz="1600" b="0" i="0">
+              <a:solidFill>
+                <a:srgbClr val="303141"/>
+              </a:solidFill>
+              <a:latin typeface="Arial" panose="020B0604020202020204" pitchFamily="34" charset="0"/>
+              <a:ea typeface="Udemy Sans"/>
+              <a:cs typeface="Arial" panose="020B0604020202020204" pitchFamily="34" charset="0"/>
+            </a:endParaRPr>
+          </a:p>
+          <a:p>
+            <a:pPr marL="0" indent="0">
+              <a:spcBef>
+                <a:spcPct val="0"/>
+              </a:spcBef>
+              <a:spcAft>
+                <a:spcPct val="0"/>
+              </a:spcAft>
+              <a:buFont typeface="Arial" panose="020B0604020202020204"/>
+              <a:buChar char="•"/>
+            </a:pPr>
+            <a:r>
+              <a:rPr sz="1600" b="0" i="0">
+                <a:solidFill>
+                  <a:srgbClr val="303141"/>
+                </a:solidFill>
+                <a:latin typeface="Arial" panose="020B0604020202020204" pitchFamily="34" charset="0"/>
+                <a:ea typeface="Udemy Sans"/>
+                <a:cs typeface="Arial" panose="020B0604020202020204" pitchFamily="34" charset="0"/>
+              </a:rPr>
+              <a:t>No complicated jargon—just simple explanations.</a:t>
+            </a:r>
+            <a:endParaRPr sz="1600" b="0" i="0">
+              <a:solidFill>
+                <a:srgbClr val="303141"/>
+              </a:solidFill>
+              <a:latin typeface="Arial" panose="020B0604020202020204" pitchFamily="34" charset="0"/>
+              <a:ea typeface="Udemy Sans"/>
+              <a:cs typeface="Arial" panose="020B0604020202020204" pitchFamily="34" charset="0"/>
+            </a:endParaRPr>
+          </a:p>
+          <a:p>
+            <a:pPr marL="0" indent="0">
+              <a:spcBef>
+                <a:spcPct val="0"/>
+              </a:spcBef>
+              <a:spcAft>
+                <a:spcPct val="0"/>
+              </a:spcAft>
+              <a:buFont typeface="Arial" panose="020B0604020202020204"/>
+              <a:buChar char="•"/>
+            </a:pPr>
+            <a:r>
+              <a:rPr sz="1600" b="0" i="0">
+                <a:solidFill>
+                  <a:srgbClr val="303141"/>
+                </a:solidFill>
+                <a:latin typeface="Arial" panose="020B0604020202020204" pitchFamily="34" charset="0"/>
+                <a:ea typeface="Udemy Sans"/>
+                <a:cs typeface="Arial" panose="020B0604020202020204" pitchFamily="34" charset="0"/>
+              </a:rPr>
+              <a:t>Real-world examples to make complex concepts fun and relatable.</a:t>
+            </a:r>
+            <a:endParaRPr sz="1600" b="0" i="0">
+              <a:solidFill>
+                <a:srgbClr val="303141"/>
+              </a:solidFill>
+              <a:latin typeface="Arial" panose="020B0604020202020204" pitchFamily="34" charset="0"/>
+              <a:ea typeface="Udemy Sans"/>
+              <a:cs typeface="Arial" panose="020B0604020202020204" pitchFamily="34" charset="0"/>
+            </a:endParaRPr>
+          </a:p>
+          <a:p>
+            <a:pPr marL="0" indent="0">
+              <a:spcBef>
+                <a:spcPct val="0"/>
+              </a:spcBef>
+              <a:spcAft>
+                <a:spcPct val="0"/>
+              </a:spcAft>
+              <a:buFont typeface="Arial" panose="020B0604020202020204"/>
+              <a:buChar char="•"/>
+            </a:pPr>
+            <a:r>
+              <a:rPr sz="1600" b="0" i="0">
+                <a:solidFill>
+                  <a:srgbClr val="303141"/>
+                </a:solidFill>
+                <a:latin typeface="Arial" panose="020B0604020202020204" pitchFamily="34" charset="0"/>
+                <a:ea typeface="Udemy Sans"/>
+                <a:cs typeface="Arial" panose="020B0604020202020204" pitchFamily="34" charset="0"/>
+              </a:rPr>
+              <a:t>Learn at your own pace with easy-to-follow modules.</a:t>
+            </a:r>
+            <a:endParaRPr sz="1600" b="0" i="0">
+              <a:solidFill>
+                <a:srgbClr val="303141"/>
+              </a:solidFill>
+              <a:latin typeface="Arial" panose="020B0604020202020204" pitchFamily="34" charset="0"/>
+              <a:ea typeface="Udemy Sans"/>
+              <a:cs typeface="Arial" panose="020B0604020202020204" pitchFamily="34" charset="0"/>
+            </a:endParaRPr>
+          </a:p>
+          <a:p>
+            <a:pPr marL="0" indent="0">
+              <a:spcBef>
+                <a:spcPct val="0"/>
+              </a:spcBef>
+              <a:spcAft>
+                <a:spcPct val="0"/>
+              </a:spcAft>
+              <a:buFont typeface="Arial" panose="020B0604020202020204"/>
+              <a:buChar char="•"/>
+            </a:pPr>
+            <a:r>
+              <a:rPr sz="1600" b="0" i="0">
+                <a:solidFill>
+                  <a:srgbClr val="303141"/>
+                </a:solidFill>
+                <a:latin typeface="Arial" panose="020B0604020202020204" pitchFamily="34" charset="0"/>
+                <a:ea typeface="Udemy Sans"/>
+                <a:cs typeface="Arial" panose="020B0604020202020204" pitchFamily="34" charset="0"/>
+              </a:rPr>
+              <a:t>Get a strong foundation to start a career in cloud computing or enhance your current role.</a:t>
+            </a:r>
+            <a:endParaRPr sz="1600" b="0" i="0">
+              <a:solidFill>
+                <a:srgbClr val="303141"/>
+              </a:solidFill>
+              <a:latin typeface="Arial" panose="020B0604020202020204" pitchFamily="34" charset="0"/>
+              <a:ea typeface="Udemy Sans"/>
+              <a:cs typeface="Arial" panose="020B0604020202020204" pitchFamily="34" charset="0"/>
+            </a:endParaRPr>
+          </a:p>
+          <a:p>
+            <a:pPr marL="0" indent="0">
+              <a:spcBef>
+                <a:spcPct val="0"/>
+              </a:spcBef>
+              <a:spcAft>
+                <a:spcPct val="0"/>
+              </a:spcAft>
+            </a:pPr>
+            <a:r>
+              <a:rPr sz="1600" b="0" i="0">
+                <a:solidFill>
+                  <a:srgbClr val="303141"/>
+                </a:solidFill>
+                <a:latin typeface="Arial" panose="020B0604020202020204" pitchFamily="34" charset="0"/>
+                <a:ea typeface="Udemy Sans"/>
+                <a:cs typeface="Arial" panose="020B0604020202020204" pitchFamily="34" charset="0"/>
+              </a:rPr>
+              <a:t>Course Topics Include:</a:t>
+            </a:r>
+            <a:endParaRPr sz="1600" b="0" i="0">
+              <a:solidFill>
+                <a:srgbClr val="303141"/>
+              </a:solidFill>
+              <a:latin typeface="Arial" panose="020B0604020202020204" pitchFamily="34" charset="0"/>
+              <a:ea typeface="Udemy Sans"/>
+              <a:cs typeface="Arial" panose="020B0604020202020204" pitchFamily="34" charset="0"/>
+            </a:endParaRPr>
+          </a:p>
+          <a:p>
+            <a:pPr marL="0" indent="0">
+              <a:spcBef>
+                <a:spcPct val="0"/>
+              </a:spcBef>
+              <a:spcAft>
+                <a:spcPct val="0"/>
+              </a:spcAft>
+              <a:buFont typeface="Arial" panose="020B0604020202020204"/>
+              <a:buChar char="•"/>
+            </a:pPr>
+            <a:r>
+              <a:rPr sz="1600" b="0" i="0">
+                <a:solidFill>
+                  <a:srgbClr val="303141"/>
+                </a:solidFill>
+                <a:latin typeface="Arial" panose="020B0604020202020204" pitchFamily="34" charset="0"/>
+                <a:ea typeface="Udemy Sans"/>
+                <a:cs typeface="Arial" panose="020B0604020202020204" pitchFamily="34" charset="0"/>
+              </a:rPr>
+              <a:t>Key Cloud Terminologies</a:t>
+            </a:r>
+            <a:endParaRPr sz="1600" b="0" i="0">
+              <a:solidFill>
+                <a:srgbClr val="303141"/>
+              </a:solidFill>
+              <a:latin typeface="Arial" panose="020B0604020202020204" pitchFamily="34" charset="0"/>
+              <a:ea typeface="Udemy Sans"/>
+              <a:cs typeface="Arial" panose="020B0604020202020204" pitchFamily="34" charset="0"/>
+            </a:endParaRPr>
+          </a:p>
+          <a:p>
+            <a:pPr marL="0" indent="0">
+              <a:spcBef>
+                <a:spcPct val="0"/>
+              </a:spcBef>
+              <a:spcAft>
+                <a:spcPct val="0"/>
+              </a:spcAft>
+              <a:buFont typeface="Arial" panose="020B0604020202020204"/>
+              <a:buChar char="•"/>
+            </a:pPr>
+            <a:r>
+              <a:rPr sz="1600" b="0" i="0">
+                <a:solidFill>
+                  <a:srgbClr val="303141"/>
+                </a:solidFill>
+                <a:latin typeface="Arial" panose="020B0604020202020204" pitchFamily="34" charset="0"/>
+                <a:ea typeface="Udemy Sans"/>
+                <a:cs typeface="Arial" panose="020B0604020202020204" pitchFamily="34" charset="0"/>
+              </a:rPr>
+              <a:t>Cloud Service &amp; Deployment Models</a:t>
+            </a:r>
+            <a:endParaRPr sz="1600" b="0" i="0">
+              <a:solidFill>
+                <a:srgbClr val="303141"/>
+              </a:solidFill>
+              <a:latin typeface="Arial" panose="020B0604020202020204" pitchFamily="34" charset="0"/>
+              <a:ea typeface="Udemy Sans"/>
+              <a:cs typeface="Arial" panose="020B0604020202020204" pitchFamily="34" charset="0"/>
+            </a:endParaRPr>
+          </a:p>
+          <a:p>
+            <a:pPr marL="0" indent="0">
+              <a:spcBef>
+                <a:spcPct val="0"/>
+              </a:spcBef>
+              <a:spcAft>
+                <a:spcPct val="0"/>
+              </a:spcAft>
+              <a:buFont typeface="Arial" panose="020B0604020202020204"/>
+              <a:buChar char="•"/>
+            </a:pPr>
+            <a:r>
+              <a:rPr sz="1600" b="0" i="0">
+                <a:solidFill>
+                  <a:srgbClr val="303141"/>
+                </a:solidFill>
+                <a:latin typeface="Arial" panose="020B0604020202020204" pitchFamily="34" charset="0"/>
+                <a:ea typeface="Udemy Sans"/>
+                <a:cs typeface="Arial" panose="020B0604020202020204" pitchFamily="34" charset="0"/>
+              </a:rPr>
+              <a:t>Infrastructure &amp; Virtualization</a:t>
+            </a:r>
+            <a:endParaRPr sz="1600" b="0" i="0">
+              <a:solidFill>
+                <a:srgbClr val="303141"/>
+              </a:solidFill>
+              <a:latin typeface="Arial" panose="020B0604020202020204" pitchFamily="34" charset="0"/>
+              <a:ea typeface="Udemy Sans"/>
+              <a:cs typeface="Arial" panose="020B0604020202020204" pitchFamily="34" charset="0"/>
+            </a:endParaRPr>
+          </a:p>
+          <a:p>
+            <a:pPr marL="0" indent="0">
+              <a:spcBef>
+                <a:spcPct val="0"/>
+              </a:spcBef>
+              <a:spcAft>
+                <a:spcPct val="0"/>
+              </a:spcAft>
+              <a:buFont typeface="Arial" panose="020B0604020202020204"/>
+              <a:buChar char="•"/>
+            </a:pPr>
+            <a:r>
+              <a:rPr sz="1600" b="0" i="0">
+                <a:solidFill>
+                  <a:srgbClr val="303141"/>
+                </a:solidFill>
+                <a:latin typeface="Arial" panose="020B0604020202020204" pitchFamily="34" charset="0"/>
+                <a:ea typeface="Udemy Sans"/>
+                <a:cs typeface="Arial" panose="020B0604020202020204" pitchFamily="34" charset="0"/>
+              </a:rPr>
+              <a:t>Cloud Management Tools</a:t>
+            </a:r>
+            <a:endParaRPr sz="1600" b="0" i="0">
+              <a:solidFill>
+                <a:srgbClr val="303141"/>
+              </a:solidFill>
+              <a:latin typeface="Arial" panose="020B0604020202020204" pitchFamily="34" charset="0"/>
+              <a:ea typeface="Udemy Sans"/>
+              <a:cs typeface="Arial" panose="020B0604020202020204" pitchFamily="34" charset="0"/>
+            </a:endParaRPr>
+          </a:p>
+          <a:p>
+            <a:pPr marL="0" indent="0">
+              <a:spcBef>
+                <a:spcPct val="0"/>
+              </a:spcBef>
+              <a:spcAft>
+                <a:spcPct val="0"/>
+              </a:spcAft>
+              <a:buFont typeface="Arial" panose="020B0604020202020204"/>
+              <a:buChar char="•"/>
+            </a:pPr>
+            <a:r>
+              <a:rPr sz="1600" b="0" i="0">
+                <a:solidFill>
+                  <a:srgbClr val="303141"/>
+                </a:solidFill>
+                <a:latin typeface="Arial" panose="020B0604020202020204" pitchFamily="34" charset="0"/>
+                <a:ea typeface="Udemy Sans"/>
+                <a:cs typeface="Arial" panose="020B0604020202020204" pitchFamily="34" charset="0"/>
+              </a:rPr>
+              <a:t>Security Essentials</a:t>
+            </a:r>
+            <a:endParaRPr sz="1600" b="0" i="0">
+              <a:solidFill>
+                <a:srgbClr val="303141"/>
+              </a:solidFill>
+              <a:latin typeface="Arial" panose="020B0604020202020204" pitchFamily="34" charset="0"/>
+              <a:ea typeface="Udemy Sans"/>
+              <a:cs typeface="Arial" panose="020B0604020202020204" pitchFamily="34" charset="0"/>
+            </a:endParaRPr>
+          </a:p>
+          <a:p>
+            <a:pPr marL="0" indent="0">
+              <a:spcBef>
+                <a:spcPct val="0"/>
+              </a:spcBef>
+              <a:spcAft>
+                <a:spcPct val="0"/>
+              </a:spcAft>
+              <a:buFont typeface="Arial" panose="020B0604020202020204"/>
+              <a:buChar char="•"/>
+            </a:pPr>
+            <a:r>
+              <a:rPr sz="1600" b="0" i="0">
+                <a:solidFill>
+                  <a:srgbClr val="303141"/>
+                </a:solidFill>
+                <a:latin typeface="Arial" panose="020B0604020202020204" pitchFamily="34" charset="0"/>
+                <a:ea typeface="Udemy Sans"/>
+                <a:cs typeface="Arial" panose="020B0604020202020204" pitchFamily="34" charset="0"/>
+              </a:rPr>
+              <a:t>Practical Applications &amp; Real-World Scenarios</a:t>
+            </a:r>
+            <a:endParaRPr sz="1600" b="0" i="0">
+              <a:solidFill>
+                <a:srgbClr val="303141"/>
+              </a:solidFill>
+              <a:latin typeface="Arial" panose="020B0604020202020204" pitchFamily="34" charset="0"/>
+              <a:ea typeface="Udemy Sans"/>
+              <a:cs typeface="Arial" panose="020B0604020202020204" pitchFamily="34" charset="0"/>
+            </a:endParaRPr>
+          </a:p>
+          <a:p>
+            <a:pPr marL="0" indent="0">
+              <a:spcBef>
+                <a:spcPct val="0"/>
+              </a:spcBef>
+              <a:spcAft>
+                <a:spcPct val="0"/>
+              </a:spcAft>
+            </a:pPr>
+            <a:r>
+              <a:rPr sz="1600" b="0" i="0">
+                <a:solidFill>
+                  <a:srgbClr val="303141"/>
+                </a:solidFill>
+                <a:latin typeface="Arial" panose="020B0604020202020204" pitchFamily="34" charset="0"/>
+                <a:ea typeface="Udemy Sans"/>
+                <a:cs typeface="Arial" panose="020B0604020202020204" pitchFamily="34" charset="0"/>
+              </a:rPr>
+              <a:t>In this course, you will learn about the Cloud Computing Core Concepts like:</a:t>
+            </a:r>
+            <a:endParaRPr sz="1600" b="0" i="0">
+              <a:solidFill>
+                <a:srgbClr val="303141"/>
+              </a:solidFill>
+              <a:latin typeface="Arial" panose="020B0604020202020204" pitchFamily="34" charset="0"/>
+              <a:ea typeface="Udemy Sans"/>
+              <a:cs typeface="Arial" panose="020B0604020202020204" pitchFamily="34" charset="0"/>
+            </a:endParaRPr>
+          </a:p>
+          <a:p>
+            <a:pPr marL="0" indent="0">
+              <a:spcBef>
+                <a:spcPct val="0"/>
+              </a:spcBef>
+              <a:spcAft>
+                <a:spcPct val="0"/>
+              </a:spcAft>
+              <a:buFont typeface="Arial" panose="020B0604020202020204"/>
+              <a:buChar char="•"/>
+            </a:pPr>
+            <a:r>
+              <a:rPr sz="1600" b="0" i="0">
+                <a:solidFill>
+                  <a:srgbClr val="303141"/>
+                </a:solidFill>
+                <a:latin typeface="Arial" panose="020B0604020202020204" pitchFamily="34" charset="0"/>
+                <a:ea typeface="Udemy Sans"/>
+                <a:cs typeface="Arial" panose="020B0604020202020204" pitchFamily="34" charset="0"/>
+              </a:rPr>
+              <a:t>Terminology Of Cloud Computing</a:t>
+            </a:r>
+            <a:endParaRPr sz="1600" b="0" i="0">
+              <a:solidFill>
+                <a:srgbClr val="303141"/>
+              </a:solidFill>
+              <a:latin typeface="Arial" panose="020B0604020202020204" pitchFamily="34" charset="0"/>
+              <a:ea typeface="Udemy Sans"/>
+              <a:cs typeface="Arial" panose="020B0604020202020204" pitchFamily="34" charset="0"/>
+            </a:endParaRPr>
+          </a:p>
+          <a:p>
+            <a:pPr marL="0" indent="0">
+              <a:spcBef>
+                <a:spcPct val="0"/>
+              </a:spcBef>
+              <a:spcAft>
+                <a:spcPct val="0"/>
+              </a:spcAft>
+              <a:buFont typeface="Arial" panose="020B0604020202020204"/>
+              <a:buChar char="•"/>
+            </a:pPr>
+            <a:r>
+              <a:rPr sz="1600" b="0" i="0">
+                <a:solidFill>
+                  <a:srgbClr val="303141"/>
+                </a:solidFill>
+                <a:latin typeface="Arial" panose="020B0604020202020204" pitchFamily="34" charset="0"/>
+                <a:ea typeface="Udemy Sans"/>
+                <a:cs typeface="Arial" panose="020B0604020202020204" pitchFamily="34" charset="0"/>
+              </a:rPr>
+              <a:t>Digital Transformation Journey of Traditional IT Landscape.</a:t>
+            </a:r>
+            <a:endParaRPr sz="1600" b="0" i="0">
+              <a:solidFill>
+                <a:srgbClr val="303141"/>
+              </a:solidFill>
+              <a:latin typeface="Arial" panose="020B0604020202020204" pitchFamily="34" charset="0"/>
+              <a:ea typeface="Udemy Sans"/>
+              <a:cs typeface="Arial" panose="020B0604020202020204" pitchFamily="34" charset="0"/>
+            </a:endParaRPr>
+          </a:p>
+          <a:p>
+            <a:pPr marL="0" indent="0">
+              <a:spcBef>
+                <a:spcPct val="0"/>
+              </a:spcBef>
+              <a:spcAft>
+                <a:spcPct val="0"/>
+              </a:spcAft>
+              <a:buFont typeface="Arial" panose="020B0604020202020204"/>
+              <a:buChar char="•"/>
+            </a:pPr>
+            <a:r>
+              <a:rPr sz="1600" b="0" i="0">
+                <a:solidFill>
+                  <a:srgbClr val="303141"/>
+                </a:solidFill>
+                <a:latin typeface="Arial" panose="020B0604020202020204" pitchFamily="34" charset="0"/>
+                <a:ea typeface="Udemy Sans"/>
+                <a:cs typeface="Arial" panose="020B0604020202020204" pitchFamily="34" charset="0"/>
+              </a:rPr>
+              <a:t>Cloud Service Models</a:t>
+            </a:r>
+            <a:endParaRPr sz="1600" b="0" i="0">
+              <a:solidFill>
+                <a:srgbClr val="303141"/>
+              </a:solidFill>
+              <a:latin typeface="Arial" panose="020B0604020202020204" pitchFamily="34" charset="0"/>
+              <a:ea typeface="Udemy Sans"/>
+              <a:cs typeface="Arial" panose="020B0604020202020204" pitchFamily="34" charset="0"/>
+            </a:endParaRPr>
+          </a:p>
+          <a:p>
+            <a:pPr marL="0" indent="0">
+              <a:spcBef>
+                <a:spcPct val="0"/>
+              </a:spcBef>
+              <a:spcAft>
+                <a:spcPct val="0"/>
+              </a:spcAft>
+              <a:buFont typeface="Arial" panose="020B0604020202020204"/>
+              <a:buChar char="•"/>
+            </a:pPr>
+            <a:r>
+              <a:rPr sz="1600" b="0" i="0">
+                <a:solidFill>
+                  <a:srgbClr val="303141"/>
+                </a:solidFill>
+                <a:latin typeface="Arial" panose="020B0604020202020204" pitchFamily="34" charset="0"/>
+                <a:ea typeface="Udemy Sans"/>
+                <a:cs typeface="Arial" panose="020B0604020202020204" pitchFamily="34" charset="0"/>
+              </a:rPr>
+              <a:t>Cloud Deployment Models</a:t>
+            </a:r>
+            <a:endParaRPr sz="1600" b="0" i="0">
+              <a:solidFill>
+                <a:srgbClr val="303141"/>
+              </a:solidFill>
+              <a:latin typeface="Arial" panose="020B0604020202020204" pitchFamily="34" charset="0"/>
+              <a:ea typeface="Udemy Sans"/>
+              <a:cs typeface="Arial" panose="020B0604020202020204" pitchFamily="34" charset="0"/>
+            </a:endParaRPr>
+          </a:p>
+          <a:p>
+            <a:pPr marL="0" indent="0">
+              <a:spcBef>
+                <a:spcPct val="0"/>
+              </a:spcBef>
+              <a:spcAft>
+                <a:spcPct val="0"/>
+              </a:spcAft>
+              <a:buFont typeface="Arial" panose="020B0604020202020204"/>
+              <a:buChar char="•"/>
+            </a:pPr>
+            <a:r>
+              <a:rPr sz="1600" b="0" i="0">
+                <a:solidFill>
+                  <a:srgbClr val="303141"/>
+                </a:solidFill>
+                <a:latin typeface="Arial" panose="020B0604020202020204" pitchFamily="34" charset="0"/>
+                <a:ea typeface="Udemy Sans"/>
+                <a:cs typeface="Arial" panose="020B0604020202020204" pitchFamily="34" charset="0"/>
+              </a:rPr>
+              <a:t>Virtualization and Containerization</a:t>
+            </a:r>
+            <a:endParaRPr sz="1600" b="0" i="0">
+              <a:solidFill>
+                <a:srgbClr val="303141"/>
+              </a:solidFill>
+              <a:latin typeface="Arial" panose="020B0604020202020204" pitchFamily="34" charset="0"/>
+              <a:ea typeface="Udemy Sans"/>
+              <a:cs typeface="Arial" panose="020B0604020202020204" pitchFamily="34" charset="0"/>
+            </a:endParaRPr>
+          </a:p>
+          <a:p>
+            <a:pPr marL="0" indent="0">
+              <a:spcBef>
+                <a:spcPct val="0"/>
+              </a:spcBef>
+              <a:spcAft>
+                <a:spcPct val="0"/>
+              </a:spcAft>
+              <a:buFont typeface="Arial" panose="020B0604020202020204"/>
+              <a:buChar char="•"/>
+            </a:pPr>
+            <a:r>
+              <a:rPr sz="1600" b="0" i="0">
+                <a:solidFill>
+                  <a:srgbClr val="303141"/>
+                </a:solidFill>
+                <a:latin typeface="Arial" panose="020B0604020202020204" pitchFamily="34" charset="0"/>
+                <a:ea typeface="Udemy Sans"/>
+                <a:cs typeface="Arial" panose="020B0604020202020204" pitchFamily="34" charset="0"/>
+              </a:rPr>
+              <a:t>IT Infrastructure Models</a:t>
+            </a:r>
+            <a:endParaRPr sz="1600" b="0" i="0">
+              <a:solidFill>
+                <a:srgbClr val="303141"/>
+              </a:solidFill>
+              <a:latin typeface="Arial" panose="020B0604020202020204" pitchFamily="34" charset="0"/>
+              <a:ea typeface="Udemy Sans"/>
+              <a:cs typeface="Arial" panose="020B0604020202020204" pitchFamily="34" charset="0"/>
+            </a:endParaRPr>
+          </a:p>
+          <a:p>
+            <a:pPr marL="0" indent="0">
+              <a:spcBef>
+                <a:spcPct val="0"/>
+              </a:spcBef>
+              <a:spcAft>
+                <a:spcPct val="0"/>
+              </a:spcAft>
+              <a:buFont typeface="Arial" panose="020B0604020202020204"/>
+              <a:buChar char="•"/>
+            </a:pPr>
+            <a:r>
+              <a:rPr sz="1600" b="0" i="0">
+                <a:solidFill>
+                  <a:srgbClr val="303141"/>
+                </a:solidFill>
+                <a:latin typeface="Arial" panose="020B0604020202020204" pitchFamily="34" charset="0"/>
+                <a:ea typeface="Udemy Sans"/>
+                <a:cs typeface="Arial" panose="020B0604020202020204" pitchFamily="34" charset="0"/>
+              </a:rPr>
+              <a:t>Cloud Infrastructure</a:t>
+            </a:r>
+            <a:endParaRPr sz="1600" b="0" i="0">
+              <a:solidFill>
+                <a:srgbClr val="303141"/>
+              </a:solidFill>
+              <a:latin typeface="Arial" panose="020B0604020202020204" pitchFamily="34" charset="0"/>
+              <a:ea typeface="Udemy Sans"/>
+              <a:cs typeface="Arial" panose="020B0604020202020204" pitchFamily="34" charset="0"/>
+            </a:endParaRPr>
+          </a:p>
+          <a:p>
+            <a:pPr marL="0" indent="0">
+              <a:spcBef>
+                <a:spcPct val="0"/>
+              </a:spcBef>
+              <a:spcAft>
+                <a:spcPct val="0"/>
+              </a:spcAft>
+              <a:buFont typeface="Arial" panose="020B0604020202020204"/>
+              <a:buChar char="•"/>
+            </a:pPr>
+            <a:r>
+              <a:rPr sz="1600" b="0" i="0">
+                <a:solidFill>
+                  <a:srgbClr val="303141"/>
+                </a:solidFill>
+                <a:latin typeface="Arial" panose="020B0604020202020204" pitchFamily="34" charset="0"/>
+                <a:ea typeface="Udemy Sans"/>
+                <a:cs typeface="Arial" panose="020B0604020202020204" pitchFamily="34" charset="0"/>
+              </a:rPr>
+              <a:t>Cloud Storage</a:t>
+            </a:r>
+            <a:endParaRPr sz="1600" b="0" i="0">
+              <a:solidFill>
+                <a:srgbClr val="303141"/>
+              </a:solidFill>
+              <a:latin typeface="Arial" panose="020B0604020202020204" pitchFamily="34" charset="0"/>
+              <a:ea typeface="Udemy Sans"/>
+              <a:cs typeface="Arial" panose="020B0604020202020204" pitchFamily="34" charset="0"/>
+            </a:endParaRPr>
+          </a:p>
+          <a:p>
+            <a:pPr marL="0" indent="0">
+              <a:spcBef>
+                <a:spcPct val="0"/>
+              </a:spcBef>
+              <a:spcAft>
+                <a:spcPct val="0"/>
+              </a:spcAft>
+              <a:buFont typeface="Arial" panose="020B0604020202020204"/>
+              <a:buChar char="•"/>
+            </a:pPr>
+            <a:r>
+              <a:rPr sz="1600" b="0" i="0">
+                <a:solidFill>
+                  <a:srgbClr val="303141"/>
+                </a:solidFill>
+                <a:latin typeface="Arial" panose="020B0604020202020204" pitchFamily="34" charset="0"/>
+                <a:ea typeface="Udemy Sans"/>
+                <a:cs typeface="Arial" panose="020B0604020202020204" pitchFamily="34" charset="0"/>
+              </a:rPr>
+              <a:t>Cloud Networking</a:t>
+            </a:r>
+            <a:endParaRPr sz="1600" b="0" i="0">
+              <a:solidFill>
+                <a:srgbClr val="303141"/>
+              </a:solidFill>
+              <a:latin typeface="Arial" panose="020B0604020202020204" pitchFamily="34" charset="0"/>
+              <a:ea typeface="Udemy Sans"/>
+              <a:cs typeface="Arial" panose="020B0604020202020204" pitchFamily="34" charset="0"/>
+            </a:endParaRPr>
+          </a:p>
+          <a:p>
+            <a:pPr marL="0" indent="0">
+              <a:spcBef>
+                <a:spcPct val="0"/>
+              </a:spcBef>
+              <a:spcAft>
+                <a:spcPct val="0"/>
+              </a:spcAft>
+              <a:buFont typeface="Arial" panose="020B0604020202020204"/>
+              <a:buChar char="•"/>
+            </a:pPr>
+            <a:r>
+              <a:rPr sz="1600" b="0" i="0">
+                <a:solidFill>
+                  <a:srgbClr val="303141"/>
+                </a:solidFill>
+                <a:latin typeface="Arial" panose="020B0604020202020204" pitchFamily="34" charset="0"/>
+                <a:ea typeface="Udemy Sans"/>
+                <a:cs typeface="Arial" panose="020B0604020202020204" pitchFamily="34" charset="0"/>
+              </a:rPr>
+              <a:t>Serverless Architecture</a:t>
+            </a:r>
+            <a:endParaRPr sz="1600" b="0" i="0">
+              <a:solidFill>
+                <a:srgbClr val="303141"/>
+              </a:solidFill>
+              <a:latin typeface="Arial" panose="020B0604020202020204" pitchFamily="34" charset="0"/>
+              <a:ea typeface="Udemy Sans"/>
+              <a:cs typeface="Arial" panose="020B0604020202020204" pitchFamily="34" charset="0"/>
+            </a:endParaRPr>
+          </a:p>
+          <a:p>
+            <a:pPr marL="0" indent="0">
+              <a:spcBef>
+                <a:spcPct val="0"/>
+              </a:spcBef>
+              <a:spcAft>
+                <a:spcPct val="0"/>
+              </a:spcAft>
+              <a:buFont typeface="Arial" panose="020B0604020202020204"/>
+              <a:buChar char="•"/>
+            </a:pPr>
+            <a:r>
+              <a:rPr sz="1600" b="0" i="0">
+                <a:solidFill>
+                  <a:srgbClr val="303141"/>
+                </a:solidFill>
+                <a:latin typeface="Arial" panose="020B0604020202020204" pitchFamily="34" charset="0"/>
+                <a:ea typeface="Udemy Sans"/>
+                <a:cs typeface="Arial" panose="020B0604020202020204" pitchFamily="34" charset="0"/>
+              </a:rPr>
+              <a:t>Cloud Management Tools</a:t>
+            </a:r>
+            <a:endParaRPr sz="1600" b="0" i="0">
+              <a:solidFill>
+                <a:srgbClr val="303141"/>
+              </a:solidFill>
+              <a:latin typeface="Arial" panose="020B0604020202020204" pitchFamily="34" charset="0"/>
+              <a:ea typeface="Udemy Sans"/>
+              <a:cs typeface="Arial" panose="020B0604020202020204" pitchFamily="34" charset="0"/>
+            </a:endParaRPr>
+          </a:p>
+          <a:p>
+            <a:pPr marL="0" indent="0">
+              <a:spcBef>
+                <a:spcPct val="0"/>
+              </a:spcBef>
+              <a:spcAft>
+                <a:spcPct val="0"/>
+              </a:spcAft>
+              <a:buFont typeface="Arial" panose="020B0604020202020204"/>
+              <a:buChar char="•"/>
+            </a:pPr>
+            <a:r>
+              <a:rPr sz="1600" b="0" i="0">
+                <a:solidFill>
+                  <a:srgbClr val="303141"/>
+                </a:solidFill>
+                <a:latin typeface="Arial" panose="020B0604020202020204" pitchFamily="34" charset="0"/>
+                <a:ea typeface="Udemy Sans"/>
+                <a:cs typeface="Arial" panose="020B0604020202020204" pitchFamily="34" charset="0"/>
+              </a:rPr>
+              <a:t>Cloud Security</a:t>
+            </a:r>
+            <a:endParaRPr sz="1600" b="0" i="0">
+              <a:solidFill>
+                <a:srgbClr val="303141"/>
+              </a:solidFill>
+              <a:latin typeface="Arial" panose="020B0604020202020204" pitchFamily="34" charset="0"/>
+              <a:ea typeface="Udemy Sans"/>
+              <a:cs typeface="Arial" panose="020B0604020202020204" pitchFamily="34" charset="0"/>
+            </a:endParaRPr>
+          </a:p>
+          <a:p>
+            <a:pPr marL="0" indent="0">
+              <a:spcBef>
+                <a:spcPct val="0"/>
+              </a:spcBef>
+              <a:spcAft>
+                <a:spcPct val="0"/>
+              </a:spcAft>
+              <a:buFont typeface="Arial" panose="020B0604020202020204"/>
+              <a:buChar char="•"/>
+            </a:pPr>
+            <a:r>
+              <a:rPr sz="1600" b="0" i="0">
+                <a:solidFill>
+                  <a:srgbClr val="303141"/>
+                </a:solidFill>
+                <a:latin typeface="Arial" panose="020B0604020202020204" pitchFamily="34" charset="0"/>
+                <a:ea typeface="Udemy Sans"/>
+                <a:cs typeface="Arial" panose="020B0604020202020204" pitchFamily="34" charset="0"/>
+              </a:rPr>
+              <a:t>Cloud Data Center &amp; Regions</a:t>
+            </a:r>
+            <a:endParaRPr sz="1600" b="0" i="0">
+              <a:solidFill>
+                <a:srgbClr val="303141"/>
+              </a:solidFill>
+              <a:latin typeface="Arial" panose="020B0604020202020204" pitchFamily="34" charset="0"/>
+              <a:ea typeface="Udemy Sans"/>
+              <a:cs typeface="Arial" panose="020B0604020202020204" pitchFamily="34" charset="0"/>
+            </a:endParaRPr>
+          </a:p>
+          <a:p>
+            <a:pPr marL="0" indent="0">
+              <a:spcBef>
+                <a:spcPct val="0"/>
+              </a:spcBef>
+              <a:spcAft>
+                <a:spcPct val="0"/>
+              </a:spcAft>
+              <a:buFont typeface="Arial" panose="020B0604020202020204"/>
+              <a:buChar char="•"/>
+            </a:pPr>
+            <a:r>
+              <a:rPr sz="1600" b="0" i="0">
+                <a:solidFill>
+                  <a:srgbClr val="303141"/>
+                </a:solidFill>
+                <a:latin typeface="Arial" panose="020B0604020202020204" pitchFamily="34" charset="0"/>
+                <a:ea typeface="Udemy Sans"/>
+                <a:cs typeface="Arial" panose="020B0604020202020204" pitchFamily="34" charset="0"/>
+              </a:rPr>
+              <a:t>Cloud Pricing Models</a:t>
+            </a:r>
+            <a:endParaRPr sz="1600" b="0" i="0">
+              <a:solidFill>
+                <a:srgbClr val="303141"/>
+              </a:solidFill>
+              <a:latin typeface="Arial" panose="020B0604020202020204" pitchFamily="34" charset="0"/>
+              <a:ea typeface="Udemy Sans"/>
+              <a:cs typeface="Arial" panose="020B0604020202020204" pitchFamily="34" charset="0"/>
+            </a:endParaRPr>
+          </a:p>
+          <a:p>
+            <a:pPr marL="0" indent="0">
+              <a:spcBef>
+                <a:spcPct val="0"/>
+              </a:spcBef>
+              <a:spcAft>
+                <a:spcPct val="0"/>
+              </a:spcAft>
+              <a:buFont typeface="Arial" panose="020B0604020202020204"/>
+              <a:buChar char="•"/>
+            </a:pPr>
+            <a:r>
+              <a:rPr sz="1600" b="0" i="0">
+                <a:solidFill>
+                  <a:srgbClr val="303141"/>
+                </a:solidFill>
+                <a:latin typeface="Arial" panose="020B0604020202020204" pitchFamily="34" charset="0"/>
+                <a:ea typeface="Udemy Sans"/>
+                <a:cs typeface="Arial" panose="020B0604020202020204" pitchFamily="34" charset="0"/>
+              </a:rPr>
+              <a:t>Practical Applications of Cloud Computing</a:t>
+            </a:r>
+            <a:endParaRPr sz="1600" b="0" i="0">
+              <a:solidFill>
+                <a:srgbClr val="303141"/>
+              </a:solidFill>
+              <a:latin typeface="Arial" panose="020B0604020202020204" pitchFamily="34" charset="0"/>
+              <a:ea typeface="Udemy Sans"/>
+              <a:cs typeface="Arial" panose="020B0604020202020204" pitchFamily="34" charset="0"/>
+            </a:endParaRPr>
+          </a:p>
+          <a:p>
+            <a:pPr marL="0" indent="0">
+              <a:spcBef>
+                <a:spcPct val="0"/>
+              </a:spcBef>
+              <a:spcAft>
+                <a:spcPct val="0"/>
+              </a:spcAft>
+            </a:pPr>
+            <a:r>
+              <a:rPr sz="1600" b="0" i="0">
+                <a:solidFill>
+                  <a:srgbClr val="303141"/>
+                </a:solidFill>
+                <a:latin typeface="Arial" panose="020B0604020202020204" pitchFamily="34" charset="0"/>
+                <a:ea typeface="Udemy Sans"/>
+                <a:cs typeface="Arial" panose="020B0604020202020204" pitchFamily="34" charset="0"/>
+              </a:rPr>
+              <a:t>You will also learn the Concepts like:</a:t>
+            </a:r>
+            <a:endParaRPr sz="1600" b="0" i="0">
+              <a:solidFill>
+                <a:srgbClr val="303141"/>
+              </a:solidFill>
+              <a:latin typeface="Arial" panose="020B0604020202020204" pitchFamily="34" charset="0"/>
+              <a:ea typeface="Udemy Sans"/>
+              <a:cs typeface="Arial" panose="020B0604020202020204" pitchFamily="34" charset="0"/>
+            </a:endParaRPr>
+          </a:p>
+          <a:p>
+            <a:pPr marL="0" indent="0">
+              <a:spcBef>
+                <a:spcPct val="0"/>
+              </a:spcBef>
+              <a:spcAft>
+                <a:spcPct val="0"/>
+              </a:spcAft>
+              <a:buFont typeface="Arial" panose="020B0604020202020204"/>
+              <a:buChar char="•"/>
+            </a:pPr>
+            <a:r>
+              <a:rPr sz="1600" b="0" i="0">
+                <a:solidFill>
+                  <a:srgbClr val="303141"/>
+                </a:solidFill>
+                <a:latin typeface="Arial" panose="020B0604020202020204" pitchFamily="34" charset="0"/>
+                <a:ea typeface="Udemy Sans"/>
+                <a:cs typeface="Arial" panose="020B0604020202020204" pitchFamily="34" charset="0"/>
+              </a:rPr>
+              <a:t>Runtime</a:t>
+            </a:r>
+            <a:endParaRPr sz="1600" b="0" i="0">
+              <a:solidFill>
+                <a:srgbClr val="303141"/>
+              </a:solidFill>
+              <a:latin typeface="Arial" panose="020B0604020202020204" pitchFamily="34" charset="0"/>
+              <a:ea typeface="Udemy Sans"/>
+              <a:cs typeface="Arial" panose="020B0604020202020204" pitchFamily="34" charset="0"/>
+            </a:endParaRPr>
+          </a:p>
+          <a:p>
+            <a:pPr marL="0" indent="0">
+              <a:spcBef>
+                <a:spcPct val="0"/>
+              </a:spcBef>
+              <a:spcAft>
+                <a:spcPct val="0"/>
+              </a:spcAft>
+              <a:buFont typeface="Arial" panose="020B0604020202020204"/>
+              <a:buChar char="•"/>
+            </a:pPr>
+            <a:r>
+              <a:rPr sz="1600" b="0" i="0">
+                <a:solidFill>
+                  <a:srgbClr val="303141"/>
+                </a:solidFill>
+                <a:latin typeface="Arial" panose="020B0604020202020204" pitchFamily="34" charset="0"/>
+                <a:ea typeface="Udemy Sans"/>
+                <a:cs typeface="Arial" panose="020B0604020202020204" pitchFamily="34" charset="0"/>
+              </a:rPr>
+              <a:t>Platforms</a:t>
+            </a:r>
+            <a:endParaRPr sz="1600" b="0" i="0">
+              <a:solidFill>
+                <a:srgbClr val="303141"/>
+              </a:solidFill>
+              <a:latin typeface="Arial" panose="020B0604020202020204" pitchFamily="34" charset="0"/>
+              <a:ea typeface="Udemy Sans"/>
+              <a:cs typeface="Arial" panose="020B0604020202020204" pitchFamily="34" charset="0"/>
+            </a:endParaRPr>
+          </a:p>
+          <a:p>
+            <a:pPr marL="0" indent="0">
+              <a:spcBef>
+                <a:spcPct val="0"/>
+              </a:spcBef>
+              <a:spcAft>
+                <a:spcPct val="0"/>
+              </a:spcAft>
+              <a:buFont typeface="Arial" panose="020B0604020202020204"/>
+              <a:buChar char="•"/>
+            </a:pPr>
+            <a:r>
+              <a:rPr sz="1600" b="0" i="0">
+                <a:solidFill>
+                  <a:srgbClr val="303141"/>
+                </a:solidFill>
+                <a:latin typeface="Arial" panose="020B0604020202020204" pitchFamily="34" charset="0"/>
+                <a:ea typeface="Udemy Sans"/>
+                <a:cs typeface="Arial" panose="020B0604020202020204" pitchFamily="34" charset="0"/>
+              </a:rPr>
+              <a:t>Virtualizations</a:t>
+            </a:r>
+            <a:endParaRPr sz="1600" b="0" i="0">
+              <a:solidFill>
+                <a:srgbClr val="303141"/>
+              </a:solidFill>
+              <a:latin typeface="Arial" panose="020B0604020202020204" pitchFamily="34" charset="0"/>
+              <a:ea typeface="Udemy Sans"/>
+              <a:cs typeface="Arial" panose="020B0604020202020204" pitchFamily="34" charset="0"/>
+            </a:endParaRPr>
+          </a:p>
+          <a:p>
+            <a:pPr marL="0" indent="0">
+              <a:spcBef>
+                <a:spcPct val="0"/>
+              </a:spcBef>
+              <a:spcAft>
+                <a:spcPct val="0"/>
+              </a:spcAft>
+              <a:buFont typeface="Arial" panose="020B0604020202020204"/>
+              <a:buChar char="•"/>
+            </a:pPr>
+            <a:r>
+              <a:rPr sz="1600" b="0" i="0">
+                <a:solidFill>
+                  <a:srgbClr val="303141"/>
+                </a:solidFill>
+                <a:latin typeface="Arial" panose="020B0604020202020204" pitchFamily="34" charset="0"/>
+                <a:ea typeface="Udemy Sans"/>
+                <a:cs typeface="Arial" panose="020B0604020202020204" pitchFamily="34" charset="0"/>
+              </a:rPr>
+              <a:t>Containerization</a:t>
+            </a:r>
+            <a:endParaRPr sz="1600" b="0" i="0">
+              <a:solidFill>
+                <a:srgbClr val="303141"/>
+              </a:solidFill>
+              <a:latin typeface="Arial" panose="020B0604020202020204" pitchFamily="34" charset="0"/>
+              <a:ea typeface="Udemy Sans"/>
+              <a:cs typeface="Arial" panose="020B0604020202020204" pitchFamily="34" charset="0"/>
+            </a:endParaRPr>
+          </a:p>
+          <a:p>
+            <a:pPr marL="0" indent="0">
+              <a:spcBef>
+                <a:spcPct val="0"/>
+              </a:spcBef>
+              <a:spcAft>
+                <a:spcPct val="0"/>
+              </a:spcAft>
+              <a:buFont typeface="Arial" panose="020B0604020202020204"/>
+              <a:buChar char="•"/>
+            </a:pPr>
+            <a:r>
+              <a:rPr sz="1600" b="0" i="0">
+                <a:solidFill>
+                  <a:srgbClr val="303141"/>
+                </a:solidFill>
+                <a:latin typeface="Arial" panose="020B0604020202020204" pitchFamily="34" charset="0"/>
+                <a:ea typeface="Udemy Sans"/>
+                <a:cs typeface="Arial" panose="020B0604020202020204" pitchFamily="34" charset="0"/>
+              </a:rPr>
+              <a:t>Virtual Machines</a:t>
+            </a:r>
+            <a:endParaRPr sz="1600" b="0" i="0">
+              <a:solidFill>
+                <a:srgbClr val="303141"/>
+              </a:solidFill>
+              <a:latin typeface="Arial" panose="020B0604020202020204" pitchFamily="34" charset="0"/>
+              <a:ea typeface="Udemy Sans"/>
+              <a:cs typeface="Arial" panose="020B0604020202020204" pitchFamily="34" charset="0"/>
+            </a:endParaRPr>
+          </a:p>
+          <a:p>
+            <a:pPr marL="0" indent="0">
+              <a:spcBef>
+                <a:spcPct val="0"/>
+              </a:spcBef>
+              <a:spcAft>
+                <a:spcPct val="0"/>
+              </a:spcAft>
+              <a:buFont typeface="Arial" panose="020B0604020202020204"/>
+              <a:buChar char="•"/>
+            </a:pPr>
+            <a:r>
+              <a:rPr sz="1600" b="0" i="0">
+                <a:solidFill>
+                  <a:srgbClr val="303141"/>
+                </a:solidFill>
+                <a:latin typeface="Arial" panose="020B0604020202020204" pitchFamily="34" charset="0"/>
+                <a:ea typeface="Udemy Sans"/>
+                <a:cs typeface="Arial" panose="020B0604020202020204" pitchFamily="34" charset="0"/>
+              </a:rPr>
+              <a:t>Containers</a:t>
+            </a:r>
+            <a:endParaRPr sz="1600" b="0" i="0">
+              <a:solidFill>
+                <a:srgbClr val="303141"/>
+              </a:solidFill>
+              <a:latin typeface="Arial" panose="020B0604020202020204" pitchFamily="34" charset="0"/>
+              <a:ea typeface="Udemy Sans"/>
+              <a:cs typeface="Arial" panose="020B0604020202020204" pitchFamily="34" charset="0"/>
+            </a:endParaRPr>
+          </a:p>
+          <a:p>
+            <a:pPr marL="0" indent="0">
+              <a:spcBef>
+                <a:spcPct val="0"/>
+              </a:spcBef>
+              <a:spcAft>
+                <a:spcPct val="0"/>
+              </a:spcAft>
+              <a:buFont typeface="Arial" panose="020B0604020202020204"/>
+              <a:buChar char="•"/>
+            </a:pPr>
+            <a:r>
+              <a:rPr sz="1600" b="0" i="0">
+                <a:solidFill>
+                  <a:srgbClr val="303141"/>
+                </a:solidFill>
+                <a:latin typeface="Arial" panose="020B0604020202020204" pitchFamily="34" charset="0"/>
+                <a:ea typeface="Udemy Sans"/>
+                <a:cs typeface="Arial" panose="020B0604020202020204" pitchFamily="34" charset="0"/>
+              </a:rPr>
+              <a:t>Dockers</a:t>
+            </a:r>
+            <a:endParaRPr sz="1600" b="0" i="0">
+              <a:solidFill>
+                <a:srgbClr val="303141"/>
+              </a:solidFill>
+              <a:latin typeface="Arial" panose="020B0604020202020204" pitchFamily="34" charset="0"/>
+              <a:ea typeface="Udemy Sans"/>
+              <a:cs typeface="Arial" panose="020B0604020202020204" pitchFamily="34" charset="0"/>
+            </a:endParaRPr>
+          </a:p>
+          <a:p>
+            <a:pPr marL="0" indent="0">
+              <a:spcBef>
+                <a:spcPct val="0"/>
+              </a:spcBef>
+              <a:spcAft>
+                <a:spcPct val="0"/>
+              </a:spcAft>
+              <a:buFont typeface="Arial" panose="020B0604020202020204"/>
+              <a:buChar char="•"/>
+            </a:pPr>
+            <a:r>
+              <a:rPr sz="1600" b="0" i="0">
+                <a:solidFill>
+                  <a:srgbClr val="303141"/>
+                </a:solidFill>
+                <a:latin typeface="Arial" panose="020B0604020202020204" pitchFamily="34" charset="0"/>
+                <a:ea typeface="Udemy Sans"/>
+                <a:cs typeface="Arial" panose="020B0604020202020204" pitchFamily="34" charset="0"/>
+              </a:rPr>
+              <a:t>Kubernetes</a:t>
+            </a:r>
+            <a:endParaRPr sz="1600" b="0" i="0">
+              <a:solidFill>
+                <a:srgbClr val="303141"/>
+              </a:solidFill>
+              <a:latin typeface="Arial" panose="020B0604020202020204" pitchFamily="34" charset="0"/>
+              <a:ea typeface="Udemy Sans"/>
+              <a:cs typeface="Arial" panose="020B0604020202020204" pitchFamily="34" charset="0"/>
+            </a:endParaRPr>
+          </a:p>
+          <a:p>
+            <a:pPr marL="0" indent="0">
+              <a:spcBef>
+                <a:spcPct val="0"/>
+              </a:spcBef>
+              <a:spcAft>
+                <a:spcPct val="0"/>
+              </a:spcAft>
+              <a:buFont typeface="Arial" panose="020B0604020202020204"/>
+              <a:buChar char="•"/>
+            </a:pPr>
+            <a:r>
+              <a:rPr sz="1600" b="0" i="0">
+                <a:solidFill>
+                  <a:srgbClr val="303141"/>
+                </a:solidFill>
+                <a:latin typeface="Arial" panose="020B0604020202020204" pitchFamily="34" charset="0"/>
+                <a:ea typeface="Udemy Sans"/>
+                <a:cs typeface="Arial" panose="020B0604020202020204" pitchFamily="34" charset="0"/>
+              </a:rPr>
+              <a:t>Serverless Architecture - Function As A Service (FaaS)</a:t>
+            </a:r>
+            <a:endParaRPr sz="1600" b="0" i="0">
+              <a:solidFill>
+                <a:srgbClr val="303141"/>
+              </a:solidFill>
+              <a:latin typeface="Arial" panose="020B0604020202020204" pitchFamily="34" charset="0"/>
+              <a:ea typeface="Udemy Sans"/>
+              <a:cs typeface="Arial" panose="020B0604020202020204" pitchFamily="34" charset="0"/>
+            </a:endParaRPr>
+          </a:p>
+          <a:p>
+            <a:pPr marL="0" indent="0">
+              <a:spcBef>
+                <a:spcPct val="0"/>
+              </a:spcBef>
+              <a:spcAft>
+                <a:spcPct val="0"/>
+              </a:spcAft>
+              <a:buFont typeface="Arial" panose="020B0604020202020204"/>
+              <a:buChar char="•"/>
+            </a:pPr>
+            <a:r>
+              <a:rPr sz="1600" b="0" i="0">
+                <a:solidFill>
+                  <a:srgbClr val="303141"/>
+                </a:solidFill>
+                <a:latin typeface="Arial" panose="020B0604020202020204" pitchFamily="34" charset="0"/>
+                <a:ea typeface="Udemy Sans"/>
+                <a:cs typeface="Arial" panose="020B0604020202020204" pitchFamily="34" charset="0"/>
+              </a:rPr>
+              <a:t>Backend As A Service (BaaS)</a:t>
+            </a:r>
+            <a:endParaRPr sz="1600" b="0" i="0">
+              <a:solidFill>
+                <a:srgbClr val="303141"/>
+              </a:solidFill>
+              <a:latin typeface="Arial" panose="020B0604020202020204" pitchFamily="34" charset="0"/>
+              <a:ea typeface="Udemy Sans"/>
+              <a:cs typeface="Arial" panose="020B0604020202020204" pitchFamily="34" charset="0"/>
+            </a:endParaRPr>
+          </a:p>
+          <a:p>
+            <a:pPr marL="0" indent="0">
+              <a:spcBef>
+                <a:spcPct val="0"/>
+              </a:spcBef>
+              <a:spcAft>
+                <a:spcPct val="0"/>
+              </a:spcAft>
+              <a:buFont typeface="Arial" panose="020B0604020202020204"/>
+              <a:buChar char="•"/>
+            </a:pPr>
+            <a:r>
+              <a:rPr sz="1600" b="0" i="0">
+                <a:solidFill>
+                  <a:srgbClr val="303141"/>
+                </a:solidFill>
+                <a:latin typeface="Arial" panose="020B0604020202020204" pitchFamily="34" charset="0"/>
+                <a:ea typeface="Udemy Sans"/>
+                <a:cs typeface="Arial" panose="020B0604020202020204" pitchFamily="34" charset="0"/>
+              </a:rPr>
+              <a:t>Storage - Files, Block, Object</a:t>
+            </a:r>
+            <a:endParaRPr sz="1600" b="0" i="0">
+              <a:solidFill>
+                <a:srgbClr val="303141"/>
+              </a:solidFill>
+              <a:latin typeface="Arial" panose="020B0604020202020204" pitchFamily="34" charset="0"/>
+              <a:ea typeface="Udemy Sans"/>
+              <a:cs typeface="Arial" panose="020B0604020202020204" pitchFamily="34" charset="0"/>
+            </a:endParaRPr>
+          </a:p>
+          <a:p>
+            <a:pPr marL="0" indent="0">
+              <a:spcBef>
+                <a:spcPct val="0"/>
+              </a:spcBef>
+              <a:spcAft>
+                <a:spcPct val="0"/>
+              </a:spcAft>
+              <a:buFont typeface="Arial" panose="020B0604020202020204"/>
+              <a:buChar char="•"/>
+            </a:pPr>
+            <a:r>
+              <a:rPr sz="1600" b="0" i="0">
+                <a:solidFill>
+                  <a:srgbClr val="303141"/>
+                </a:solidFill>
+                <a:latin typeface="Arial" panose="020B0604020202020204" pitchFamily="34" charset="0"/>
+                <a:ea typeface="Udemy Sans"/>
+                <a:cs typeface="Arial" panose="020B0604020202020204" pitchFamily="34" charset="0"/>
+              </a:rPr>
+              <a:t>Cloud Networking - Firewall, Load Balancing, HA</a:t>
+            </a:r>
+            <a:endParaRPr sz="1600" b="0" i="0">
+              <a:solidFill>
+                <a:srgbClr val="303141"/>
+              </a:solidFill>
+              <a:latin typeface="Arial" panose="020B0604020202020204" pitchFamily="34" charset="0"/>
+              <a:ea typeface="Udemy Sans"/>
+              <a:cs typeface="Arial" panose="020B0604020202020204" pitchFamily="34" charset="0"/>
+            </a:endParaRPr>
+          </a:p>
+          <a:p>
+            <a:pPr marL="0" indent="0">
+              <a:spcBef>
+                <a:spcPct val="0"/>
+              </a:spcBef>
+              <a:spcAft>
+                <a:spcPct val="0"/>
+              </a:spcAft>
+              <a:buFont typeface="Arial" panose="020B0604020202020204"/>
+              <a:buChar char="•"/>
+            </a:pPr>
+            <a:r>
+              <a:rPr sz="1600" b="0" i="0">
+                <a:solidFill>
+                  <a:srgbClr val="303141"/>
+                </a:solidFill>
+                <a:latin typeface="Arial" panose="020B0604020202020204" pitchFamily="34" charset="0"/>
+                <a:ea typeface="Udemy Sans"/>
+                <a:cs typeface="Arial" panose="020B0604020202020204" pitchFamily="34" charset="0"/>
+              </a:rPr>
+              <a:t>Cloud Management Platforms Tools (CMPS)</a:t>
+            </a:r>
+            <a:endParaRPr sz="1600" b="0" i="0">
+              <a:solidFill>
+                <a:srgbClr val="303141"/>
+              </a:solidFill>
+              <a:latin typeface="Arial" panose="020B0604020202020204" pitchFamily="34" charset="0"/>
+              <a:ea typeface="Udemy Sans"/>
+              <a:cs typeface="Arial" panose="020B0604020202020204" pitchFamily="34" charset="0"/>
+            </a:endParaRPr>
+          </a:p>
+          <a:p>
+            <a:pPr marL="0" indent="0">
+              <a:spcBef>
+                <a:spcPct val="0"/>
+              </a:spcBef>
+              <a:spcAft>
+                <a:spcPct val="0"/>
+              </a:spcAft>
+              <a:buFont typeface="Arial" panose="020B0604020202020204"/>
+              <a:buChar char="•"/>
+            </a:pPr>
+            <a:r>
+              <a:rPr sz="1600" b="0" i="0">
+                <a:solidFill>
+                  <a:srgbClr val="303141"/>
+                </a:solidFill>
+                <a:latin typeface="Arial" panose="020B0604020202020204" pitchFamily="34" charset="0"/>
+                <a:ea typeface="Udemy Sans"/>
+                <a:cs typeface="Arial" panose="020B0604020202020204" pitchFamily="34" charset="0"/>
+              </a:rPr>
+              <a:t>Cloud Security - Shared Responsibility Model, IAM, Compliance, Encryption etc.</a:t>
+            </a:r>
+            <a:endParaRPr sz="1600" b="0" i="0">
+              <a:solidFill>
+                <a:srgbClr val="303141"/>
+              </a:solidFill>
+              <a:latin typeface="Arial" panose="020B0604020202020204" pitchFamily="34" charset="0"/>
+              <a:ea typeface="Udemy Sans"/>
+              <a:cs typeface="Arial" panose="020B0604020202020204" pitchFamily="34" charset="0"/>
+            </a:endParaRPr>
+          </a:p>
+          <a:p>
+            <a:pPr marL="0" indent="0">
+              <a:spcBef>
+                <a:spcPct val="0"/>
+              </a:spcBef>
+              <a:spcAft>
+                <a:spcPct val="0"/>
+              </a:spcAft>
+              <a:buFont typeface="Arial" panose="020B0604020202020204"/>
+              <a:buChar char="•"/>
+            </a:pPr>
+            <a:r>
+              <a:rPr sz="1600" b="0" i="0">
+                <a:solidFill>
+                  <a:srgbClr val="303141"/>
+                </a:solidFill>
+                <a:latin typeface="Arial" panose="020B0604020202020204" pitchFamily="34" charset="0"/>
+                <a:ea typeface="Udemy Sans"/>
+                <a:cs typeface="Arial" panose="020B0604020202020204" pitchFamily="34" charset="0"/>
+              </a:rPr>
+              <a:t>And many more concepts.</a:t>
+            </a:r>
+            <a:endParaRPr sz="1600" b="0" i="0">
+              <a:solidFill>
+                <a:srgbClr val="303141"/>
+              </a:solidFill>
+              <a:latin typeface="Arial" panose="020B0604020202020204" pitchFamily="34" charset="0"/>
+              <a:ea typeface="Udemy Sans"/>
+              <a:cs typeface="Arial" panose="020B0604020202020204" pitchFamily="34" charset="0"/>
+            </a:endParaRPr>
+          </a:p>
+          <a:p>
+            <a:pPr marL="0" indent="0">
+              <a:spcBef>
+                <a:spcPct val="0"/>
+              </a:spcBef>
+              <a:spcAft>
+                <a:spcPct val="0"/>
+              </a:spcAft>
+            </a:pPr>
+            <a:r>
+              <a:rPr sz="1600" b="0" i="0">
+                <a:solidFill>
+                  <a:srgbClr val="303141"/>
+                </a:solidFill>
+                <a:latin typeface="Arial" panose="020B0604020202020204" pitchFamily="34" charset="0"/>
+                <a:ea typeface="Udemy Sans"/>
+                <a:cs typeface="Arial" panose="020B0604020202020204" pitchFamily="34" charset="0"/>
+              </a:rPr>
+              <a:t>By the end of this course, you’ll confidently understand how the cloud works and how to leverage its power for your business or career.</a:t>
+            </a:r>
+            <a:endParaRPr sz="1600" b="0" i="0">
+              <a:solidFill>
+                <a:srgbClr val="303141"/>
+              </a:solidFill>
+              <a:latin typeface="Arial" panose="020B0604020202020204" pitchFamily="34" charset="0"/>
+              <a:ea typeface="Udemy Sans"/>
+              <a:cs typeface="Arial" panose="020B0604020202020204" pitchFamily="34" charset="0"/>
+            </a:endParaRPr>
+          </a:p>
+          <a:p>
+            <a:pPr marL="0" indent="0">
+              <a:spcBef>
+                <a:spcPct val="0"/>
+              </a:spcBef>
+              <a:spcAft>
+                <a:spcPct val="0"/>
+              </a:spcAft>
+            </a:pPr>
+            <a:r>
+              <a:rPr sz="1600" b="0" i="0">
+                <a:solidFill>
+                  <a:srgbClr val="303141"/>
+                </a:solidFill>
+                <a:latin typeface="Arial" panose="020B0604020202020204" pitchFamily="34" charset="0"/>
+                <a:ea typeface="Udemy Sans"/>
+                <a:cs typeface="Arial" panose="020B0604020202020204" pitchFamily="34" charset="0"/>
+              </a:rPr>
+              <a:t>Ready to start your cloud journey?</a:t>
+            </a:r>
+            <a:endParaRPr sz="1600" b="0" i="0">
+              <a:solidFill>
+                <a:srgbClr val="303141"/>
+              </a:solidFill>
+              <a:latin typeface="Arial" panose="020B0604020202020204" pitchFamily="34" charset="0"/>
+              <a:ea typeface="Udemy Sans"/>
+              <a:cs typeface="Arial" panose="020B0604020202020204" pitchFamily="34" charset="0"/>
+            </a:endParaRPr>
+          </a:p>
+          <a:p>
+            <a:pPr marL="0" indent="0">
+              <a:spcBef>
+                <a:spcPct val="0"/>
+              </a:spcBef>
+              <a:spcAft>
+                <a:spcPct val="0"/>
+              </a:spcAft>
+            </a:pPr>
+            <a:r>
+              <a:rPr sz="1600" b="0" i="0">
+                <a:solidFill>
+                  <a:srgbClr val="303141"/>
+                </a:solidFill>
+                <a:latin typeface="Arial" panose="020B0604020202020204" pitchFamily="34" charset="0"/>
+                <a:ea typeface="Udemy Sans"/>
+                <a:cs typeface="Arial" panose="020B0604020202020204" pitchFamily="34" charset="0"/>
+              </a:rPr>
+              <a:t>Enroll now and take the first step toward becoming a cloud computing expert!</a:t>
+            </a:r>
+            <a:endParaRPr sz="1600" b="0" i="0">
+              <a:solidFill>
+                <a:srgbClr val="303141"/>
+              </a:solidFill>
+              <a:latin typeface="Arial" panose="020B0604020202020204" pitchFamily="34" charset="0"/>
+              <a:ea typeface="Udemy Sans"/>
+              <a:cs typeface="Arial" panose="020B0604020202020204" pitchFamily="34" charset="0"/>
+            </a:endParaRPr>
+          </a:p>
+          <a:p>
+            <a:pPr marL="0" indent="0">
+              <a:spcBef>
+                <a:spcPct val="0"/>
+              </a:spcBef>
+              <a:spcAft>
+                <a:spcPct val="60000"/>
+              </a:spcAft>
+            </a:pPr>
+            <a:r>
+              <a:rPr sz="1600" b="1" i="0">
+                <a:solidFill>
+                  <a:srgbClr val="303141"/>
+                </a:solidFill>
+                <a:latin typeface="Arial" panose="020B0604020202020204" pitchFamily="34" charset="0"/>
+                <a:ea typeface="var(--font-stack-heading)"/>
+                <a:cs typeface="Arial" panose="020B0604020202020204" pitchFamily="34" charset="0"/>
+              </a:rPr>
+              <a:t>What you’ll learn</a:t>
+            </a:r>
+            <a:endParaRPr sz="1600" b="1" i="0">
+              <a:solidFill>
+                <a:srgbClr val="303141"/>
+              </a:solidFill>
+              <a:latin typeface="Arial" panose="020B0604020202020204" pitchFamily="34" charset="0"/>
+              <a:ea typeface="var(--font-stack-heading)"/>
+              <a:cs typeface="Arial" panose="020B0604020202020204" pitchFamily="34" charset="0"/>
+            </a:endParaRPr>
+          </a:p>
+          <a:p>
+            <a:pPr marL="0" indent="0">
+              <a:spcBef>
+                <a:spcPct val="0"/>
+              </a:spcBef>
+              <a:spcAft>
+                <a:spcPct val="0"/>
+              </a:spcAft>
+              <a:buFont typeface="Arial" panose="020B0604020202020204"/>
+              <a:buChar char="•"/>
+            </a:pPr>
+            <a:r>
+              <a:rPr sz="1600" b="0" i="0">
+                <a:solidFill>
+                  <a:srgbClr val="303141"/>
+                </a:solidFill>
+                <a:latin typeface="Arial" panose="020B0604020202020204" pitchFamily="34" charset="0"/>
+                <a:ea typeface="Udemy Sans"/>
+                <a:cs typeface="Arial" panose="020B0604020202020204" pitchFamily="34" charset="0"/>
+              </a:rPr>
+              <a:t>Understand the Terminology used in Cloud Computing Topics.</a:t>
+            </a:r>
+            <a:endParaRPr sz="1600" b="0" i="0">
+              <a:solidFill>
+                <a:srgbClr val="303141"/>
+              </a:solidFill>
+              <a:latin typeface="Arial" panose="020B0604020202020204" pitchFamily="34" charset="0"/>
+              <a:ea typeface="Udemy Sans"/>
+              <a:cs typeface="Arial" panose="020B0604020202020204" pitchFamily="34" charset="0"/>
+            </a:endParaRPr>
+          </a:p>
+          <a:p>
+            <a:pPr marL="0" indent="0">
+              <a:spcBef>
+                <a:spcPct val="0"/>
+              </a:spcBef>
+              <a:spcAft>
+                <a:spcPct val="0"/>
+              </a:spcAft>
+              <a:buFont typeface="Arial" panose="020B0604020202020204"/>
+              <a:buChar char="•"/>
+            </a:pPr>
+            <a:r>
+              <a:rPr sz="1600" b="0" i="0">
+                <a:solidFill>
+                  <a:srgbClr val="303141"/>
+                </a:solidFill>
+                <a:latin typeface="Arial" panose="020B0604020202020204" pitchFamily="34" charset="0"/>
+                <a:ea typeface="Udemy Sans"/>
+                <a:cs typeface="Arial" panose="020B0604020202020204" pitchFamily="34" charset="0"/>
+              </a:rPr>
+              <a:t>Complete Understanding Of What Cloud Computing means.</a:t>
+            </a:r>
+            <a:endParaRPr sz="1600" b="0" i="0">
+              <a:solidFill>
+                <a:srgbClr val="303141"/>
+              </a:solidFill>
+              <a:latin typeface="Arial" panose="020B0604020202020204" pitchFamily="34" charset="0"/>
+              <a:ea typeface="Udemy Sans"/>
+              <a:cs typeface="Arial" panose="020B0604020202020204" pitchFamily="34" charset="0"/>
+            </a:endParaRPr>
+          </a:p>
+          <a:p>
+            <a:pPr marL="0" indent="0">
+              <a:spcBef>
+                <a:spcPct val="0"/>
+              </a:spcBef>
+              <a:spcAft>
+                <a:spcPct val="0"/>
+              </a:spcAft>
+              <a:buFont typeface="Arial" panose="020B0604020202020204"/>
+              <a:buChar char="•"/>
+            </a:pPr>
+            <a:r>
+              <a:rPr sz="1600" b="0" i="0">
+                <a:solidFill>
+                  <a:srgbClr val="303141"/>
+                </a:solidFill>
+                <a:latin typeface="Arial" panose="020B0604020202020204" pitchFamily="34" charset="0"/>
+                <a:ea typeface="Udemy Sans"/>
+                <a:cs typeface="Arial" panose="020B0604020202020204" pitchFamily="34" charset="0"/>
+              </a:rPr>
+              <a:t>Understand the Business Challenges and How they need to adopt Cloud Computing.</a:t>
+            </a:r>
+            <a:endParaRPr sz="1600" b="0" i="0">
+              <a:solidFill>
+                <a:srgbClr val="303141"/>
+              </a:solidFill>
+              <a:latin typeface="Arial" panose="020B0604020202020204" pitchFamily="34" charset="0"/>
+              <a:ea typeface="Udemy Sans"/>
+              <a:cs typeface="Arial" panose="020B0604020202020204" pitchFamily="34" charset="0"/>
+            </a:endParaRPr>
+          </a:p>
+          <a:p>
+            <a:pPr marL="0" indent="0">
+              <a:spcBef>
+                <a:spcPct val="0"/>
+              </a:spcBef>
+              <a:spcAft>
+                <a:spcPct val="0"/>
+              </a:spcAft>
+              <a:buFont typeface="Arial" panose="020B0604020202020204"/>
+              <a:buChar char="•"/>
+            </a:pPr>
+            <a:r>
+              <a:rPr sz="1600" b="0" i="0">
+                <a:solidFill>
+                  <a:srgbClr val="303141"/>
+                </a:solidFill>
+                <a:latin typeface="Arial" panose="020B0604020202020204" pitchFamily="34" charset="0"/>
+                <a:ea typeface="Udemy Sans"/>
+                <a:cs typeface="Arial" panose="020B0604020202020204" pitchFamily="34" charset="0"/>
+              </a:rPr>
+              <a:t>Understand Different Types of Cloud Service Models.</a:t>
+            </a:r>
+            <a:endParaRPr sz="1600" b="0" i="0">
+              <a:solidFill>
+                <a:srgbClr val="303141"/>
+              </a:solidFill>
+              <a:latin typeface="Arial" panose="020B0604020202020204" pitchFamily="34" charset="0"/>
+              <a:ea typeface="Udemy Sans"/>
+              <a:cs typeface="Arial" panose="020B0604020202020204" pitchFamily="34" charset="0"/>
+            </a:endParaRPr>
+          </a:p>
+          <a:p>
+            <a:pPr marL="0" indent="0">
+              <a:spcBef>
+                <a:spcPct val="0"/>
+              </a:spcBef>
+              <a:spcAft>
+                <a:spcPct val="0"/>
+              </a:spcAft>
+              <a:buFont typeface="Arial" panose="020B0604020202020204"/>
+              <a:buChar char="•"/>
+            </a:pPr>
+            <a:r>
+              <a:rPr sz="1600" b="0" i="0">
+                <a:solidFill>
+                  <a:srgbClr val="303141"/>
+                </a:solidFill>
+                <a:latin typeface="Arial" panose="020B0604020202020204" pitchFamily="34" charset="0"/>
+                <a:ea typeface="Udemy Sans"/>
+                <a:cs typeface="Arial" panose="020B0604020202020204" pitchFamily="34" charset="0"/>
+              </a:rPr>
+              <a:t>Learn about Different Types of Cloud Deployment Options.</a:t>
+            </a:r>
+            <a:endParaRPr sz="1600" b="0" i="0">
+              <a:solidFill>
+                <a:srgbClr val="303141"/>
+              </a:solidFill>
+              <a:latin typeface="Arial" panose="020B0604020202020204" pitchFamily="34" charset="0"/>
+              <a:ea typeface="Udemy Sans"/>
+              <a:cs typeface="Arial" panose="020B0604020202020204" pitchFamily="34" charset="0"/>
+            </a:endParaRPr>
+          </a:p>
+          <a:p>
+            <a:pPr marL="0" indent="0">
+              <a:spcBef>
+                <a:spcPct val="0"/>
+              </a:spcBef>
+              <a:spcAft>
+                <a:spcPct val="0"/>
+              </a:spcAft>
+              <a:buFont typeface="Arial" panose="020B0604020202020204"/>
+              <a:buChar char="•"/>
+            </a:pPr>
+            <a:r>
+              <a:rPr sz="1600" b="0" i="0">
+                <a:solidFill>
+                  <a:srgbClr val="303141"/>
+                </a:solidFill>
+                <a:latin typeface="Arial" panose="020B0604020202020204" pitchFamily="34" charset="0"/>
+                <a:ea typeface="Udemy Sans"/>
+                <a:cs typeface="Arial" panose="020B0604020202020204" pitchFamily="34" charset="0"/>
+              </a:rPr>
+              <a:t>Detailed Understanding Of Virtualization and Containerization Concepts with Examples.</a:t>
+            </a:r>
+            <a:endParaRPr sz="1600" b="0" i="0">
+              <a:solidFill>
+                <a:srgbClr val="303141"/>
+              </a:solidFill>
+              <a:latin typeface="Arial" panose="020B0604020202020204" pitchFamily="34" charset="0"/>
+              <a:ea typeface="Udemy Sans"/>
+              <a:cs typeface="Arial" panose="020B0604020202020204" pitchFamily="34" charset="0"/>
+            </a:endParaRPr>
+          </a:p>
+          <a:p>
+            <a:pPr marL="0" indent="0">
+              <a:spcBef>
+                <a:spcPct val="0"/>
+              </a:spcBef>
+              <a:spcAft>
+                <a:spcPct val="0"/>
+              </a:spcAft>
+              <a:buFont typeface="Arial" panose="020B0604020202020204"/>
+              <a:buChar char="•"/>
+            </a:pPr>
+            <a:r>
+              <a:rPr sz="1600" b="0" i="0">
+                <a:solidFill>
+                  <a:srgbClr val="303141"/>
+                </a:solidFill>
+                <a:latin typeface="Arial" panose="020B0604020202020204" pitchFamily="34" charset="0"/>
+                <a:ea typeface="Udemy Sans"/>
+                <a:cs typeface="Arial" panose="020B0604020202020204" pitchFamily="34" charset="0"/>
+              </a:rPr>
+              <a:t>Understand Cloud Runtimes &amp; Platform. (Kubernetes &amp; Docker).</a:t>
+            </a:r>
+            <a:endParaRPr sz="1600" b="0" i="0">
+              <a:solidFill>
+                <a:srgbClr val="303141"/>
+              </a:solidFill>
+              <a:latin typeface="Arial" panose="020B0604020202020204" pitchFamily="34" charset="0"/>
+              <a:ea typeface="Udemy Sans"/>
+              <a:cs typeface="Arial" panose="020B0604020202020204" pitchFamily="34" charset="0"/>
+            </a:endParaRPr>
+          </a:p>
+          <a:p>
+            <a:pPr marL="0" indent="0">
+              <a:spcBef>
+                <a:spcPct val="0"/>
+              </a:spcBef>
+              <a:spcAft>
+                <a:spcPct val="0"/>
+              </a:spcAft>
+              <a:buFont typeface="Arial" panose="020B0604020202020204"/>
+              <a:buChar char="•"/>
+            </a:pPr>
+            <a:r>
+              <a:rPr sz="1600" b="0" i="0">
+                <a:solidFill>
+                  <a:srgbClr val="303141"/>
+                </a:solidFill>
+                <a:latin typeface="Arial" panose="020B0604020202020204" pitchFamily="34" charset="0"/>
+                <a:ea typeface="Udemy Sans"/>
+                <a:cs typeface="Arial" panose="020B0604020202020204" pitchFamily="34" charset="0"/>
+              </a:rPr>
+              <a:t>Learn about Different Cloud Providers - AWS, Azure &amp; Google</a:t>
+            </a:r>
+            <a:endParaRPr sz="1600" b="0" i="0">
+              <a:solidFill>
+                <a:srgbClr val="303141"/>
+              </a:solidFill>
+              <a:latin typeface="Arial" panose="020B0604020202020204" pitchFamily="34" charset="0"/>
+              <a:ea typeface="Udemy Sans"/>
+              <a:cs typeface="Arial" panose="020B0604020202020204" pitchFamily="34" charset="0"/>
+            </a:endParaRPr>
+          </a:p>
+          <a:p>
+            <a:pPr marL="0" indent="0">
+              <a:spcBef>
+                <a:spcPct val="0"/>
+              </a:spcBef>
+              <a:spcAft>
+                <a:spcPct val="0"/>
+              </a:spcAft>
+              <a:buFont typeface="Arial" panose="020B0604020202020204"/>
+              <a:buChar char="•"/>
+            </a:pPr>
+            <a:r>
+              <a:rPr sz="1600" b="0" i="0">
+                <a:solidFill>
+                  <a:srgbClr val="303141"/>
+                </a:solidFill>
+                <a:latin typeface="Arial" panose="020B0604020202020204" pitchFamily="34" charset="0"/>
+                <a:ea typeface="Udemy Sans"/>
+                <a:cs typeface="Arial" panose="020B0604020202020204" pitchFamily="34" charset="0"/>
+              </a:rPr>
+              <a:t>Understanding of Cloud Security, Cloud Management Tools, Data Regions and Pricing Models.</a:t>
+            </a:r>
+            <a:endParaRPr sz="1600" b="0" i="0">
+              <a:solidFill>
+                <a:srgbClr val="303141"/>
+              </a:solidFill>
+              <a:latin typeface="Arial" panose="020B0604020202020204" pitchFamily="34" charset="0"/>
+              <a:ea typeface="Udemy Sans"/>
+              <a:cs typeface="Arial" panose="020B0604020202020204" pitchFamily="34" charset="0"/>
+            </a:endParaRPr>
+          </a:p>
+          <a:p>
+            <a:pPr marL="0" indent="0">
+              <a:spcBef>
+                <a:spcPct val="0"/>
+              </a:spcBef>
+              <a:spcAft>
+                <a:spcPct val="0"/>
+              </a:spcAft>
+              <a:buFont typeface="Arial" panose="020B0604020202020204"/>
+              <a:buChar char="•"/>
+            </a:pPr>
+            <a:r>
+              <a:rPr sz="1600" b="0" i="0">
+                <a:solidFill>
+                  <a:srgbClr val="303141"/>
+                </a:solidFill>
+                <a:latin typeface="Arial" panose="020B0604020202020204" pitchFamily="34" charset="0"/>
+                <a:ea typeface="Udemy Sans"/>
+                <a:cs typeface="Arial" panose="020B0604020202020204" pitchFamily="34" charset="0"/>
+              </a:rPr>
+              <a:t>What are the Advantages of Cloud Computing for Business Growth.</a:t>
+            </a:r>
+            <a:endParaRPr sz="1600" b="0" i="0">
+              <a:solidFill>
+                <a:srgbClr val="303141"/>
+              </a:solidFill>
+              <a:latin typeface="Arial" panose="020B0604020202020204" pitchFamily="34" charset="0"/>
+              <a:ea typeface="Udemy Sans"/>
+              <a:cs typeface="Arial" panose="020B0604020202020204" pitchFamily="34" charset="0"/>
+            </a:endParaRPr>
+          </a:p>
+          <a:p>
+            <a:pPr marL="0" indent="0">
+              <a:spcBef>
+                <a:spcPct val="0"/>
+              </a:spcBef>
+              <a:spcAft>
+                <a:spcPct val="0"/>
+              </a:spcAft>
+              <a:buFont typeface="Arial" panose="020B0604020202020204"/>
+              <a:buChar char="•"/>
+            </a:pPr>
+            <a:r>
+              <a:rPr sz="1600" b="0" i="0">
+                <a:solidFill>
+                  <a:srgbClr val="303141"/>
+                </a:solidFill>
+                <a:latin typeface="Arial" panose="020B0604020202020204" pitchFamily="34" charset="0"/>
+                <a:ea typeface="Udemy Sans"/>
+                <a:cs typeface="Arial" panose="020B0604020202020204" pitchFamily="34" charset="0"/>
+              </a:rPr>
+              <a:t>What Challenges of Cloud Computing that everyone need to deal with.</a:t>
+            </a:r>
+            <a:endParaRPr sz="1600" b="0" i="0">
+              <a:solidFill>
+                <a:srgbClr val="303141"/>
+              </a:solidFill>
+              <a:latin typeface="Arial" panose="020B0604020202020204" pitchFamily="34" charset="0"/>
+              <a:ea typeface="Udemy Sans"/>
+              <a:cs typeface="Arial" panose="020B0604020202020204" pitchFamily="34" charset="0"/>
+            </a:endParaRPr>
+          </a:p>
+          <a:p>
+            <a:pPr marL="0" indent="0">
+              <a:spcBef>
+                <a:spcPct val="0"/>
+              </a:spcBef>
+              <a:spcAft>
+                <a:spcPct val="0"/>
+              </a:spcAft>
+              <a:buFont typeface="Arial" panose="020B0604020202020204"/>
+              <a:buChar char="•"/>
+            </a:pPr>
+            <a:r>
+              <a:rPr sz="1600" b="0" i="0">
+                <a:solidFill>
+                  <a:srgbClr val="303141"/>
+                </a:solidFill>
+                <a:latin typeface="Arial" panose="020B0604020202020204" pitchFamily="34" charset="0"/>
+                <a:ea typeface="Udemy Sans"/>
+                <a:cs typeface="Arial" panose="020B0604020202020204" pitchFamily="34" charset="0"/>
+              </a:rPr>
+              <a:t>Learn Different Type Cloud Architecture (Eg. Serverless Architecture).</a:t>
+            </a:r>
+            <a:endParaRPr sz="1600" b="0" i="0">
+              <a:solidFill>
+                <a:srgbClr val="303141"/>
+              </a:solidFill>
+              <a:latin typeface="Arial" panose="020B0604020202020204" pitchFamily="34" charset="0"/>
+              <a:ea typeface="Udemy Sans"/>
+              <a:cs typeface="Arial" panose="020B0604020202020204" pitchFamily="34" charset="0"/>
+            </a:endParaRPr>
+          </a:p>
+          <a:p>
+            <a:pPr marL="0" indent="0">
+              <a:spcBef>
+                <a:spcPct val="0"/>
+              </a:spcBef>
+              <a:spcAft>
+                <a:spcPct val="0"/>
+              </a:spcAft>
+              <a:buFont typeface="Arial" panose="020B0604020202020204"/>
+              <a:buChar char="•"/>
+            </a:pPr>
+            <a:r>
+              <a:rPr sz="1600" b="0" i="0">
+                <a:solidFill>
+                  <a:srgbClr val="303141"/>
+                </a:solidFill>
+                <a:latin typeface="Arial" panose="020B0604020202020204" pitchFamily="34" charset="0"/>
+                <a:ea typeface="Udemy Sans"/>
+                <a:cs typeface="Arial" panose="020B0604020202020204" pitchFamily="34" charset="0"/>
+              </a:rPr>
+              <a:t>How Companies are setting up the IT Landscape on Cloud.</a:t>
+            </a:r>
+            <a:endParaRPr sz="1600" b="0" i="0">
+              <a:solidFill>
+                <a:srgbClr val="303141"/>
+              </a:solidFill>
+              <a:latin typeface="Arial" panose="020B0604020202020204" pitchFamily="34" charset="0"/>
+              <a:ea typeface="Udemy Sans"/>
+              <a:cs typeface="Arial" panose="020B0604020202020204" pitchFamily="34" charset="0"/>
+            </a:endParaRPr>
+          </a:p>
+          <a:p>
+            <a:pPr marL="0" indent="0">
+              <a:spcBef>
+                <a:spcPct val="0"/>
+              </a:spcBef>
+              <a:spcAft>
+                <a:spcPct val="0"/>
+              </a:spcAft>
+              <a:buFont typeface="Arial" panose="020B0604020202020204"/>
+              <a:buChar char="•"/>
+            </a:pPr>
+            <a:r>
+              <a:rPr sz="1600" b="0" i="0">
+                <a:solidFill>
+                  <a:srgbClr val="303141"/>
+                </a:solidFill>
+                <a:latin typeface="Arial" panose="020B0604020202020204" pitchFamily="34" charset="0"/>
+                <a:ea typeface="Udemy Sans"/>
+                <a:cs typeface="Arial" panose="020B0604020202020204" pitchFamily="34" charset="0"/>
+              </a:rPr>
+              <a:t>Understand Company Digital Transformation Journey.</a:t>
+            </a:r>
+            <a:endParaRPr sz="1600" b="0" i="0">
+              <a:solidFill>
+                <a:srgbClr val="303141"/>
+              </a:solidFill>
+              <a:latin typeface="Arial" panose="020B0604020202020204" pitchFamily="34" charset="0"/>
+              <a:ea typeface="Udemy Sans"/>
+              <a:cs typeface="Arial" panose="020B0604020202020204" pitchFamily="34" charset="0"/>
+            </a:endParaRPr>
+          </a:p>
+          <a:p>
+            <a:pPr marL="0" indent="0">
+              <a:spcBef>
+                <a:spcPct val="0"/>
+              </a:spcBef>
+              <a:spcAft>
+                <a:spcPct val="0"/>
+              </a:spcAft>
+              <a:buFont typeface="Arial" panose="020B0604020202020204"/>
+              <a:buChar char="•"/>
+            </a:pPr>
+            <a:r>
+              <a:rPr sz="1600" b="0" i="0">
+                <a:solidFill>
+                  <a:srgbClr val="303141"/>
+                </a:solidFill>
+                <a:latin typeface="Arial" panose="020B0604020202020204" pitchFamily="34" charset="0"/>
+                <a:ea typeface="Udemy Sans"/>
+                <a:cs typeface="Arial" panose="020B0604020202020204" pitchFamily="34" charset="0"/>
+              </a:rPr>
+              <a:t>Practical Applications of Cloud Computing</a:t>
+            </a:r>
+            <a:endParaRPr sz="1600" b="0" i="0">
+              <a:solidFill>
+                <a:srgbClr val="303141"/>
+              </a:solidFill>
+              <a:latin typeface="Arial" panose="020B0604020202020204" pitchFamily="34" charset="0"/>
+              <a:ea typeface="Udemy Sans"/>
+              <a:cs typeface="Arial" panose="020B0604020202020204" pitchFamily="34" charset="0"/>
+            </a:endParaRPr>
+          </a:p>
+          <a:p>
+            <a:pPr marL="0" indent="0">
+              <a:spcBef>
+                <a:spcPct val="0"/>
+              </a:spcBef>
+              <a:spcAft>
+                <a:spcPct val="60000"/>
+              </a:spcAft>
+            </a:pPr>
+            <a:r>
+              <a:rPr sz="1600" b="1" i="0">
+                <a:solidFill>
+                  <a:srgbClr val="303141"/>
+                </a:solidFill>
+                <a:latin typeface="Arial" panose="020B0604020202020204" pitchFamily="34" charset="0"/>
+                <a:ea typeface="var(--font-stack-heading)"/>
+                <a:cs typeface="Arial" panose="020B0604020202020204" pitchFamily="34" charset="0"/>
+              </a:rPr>
+              <a:t>Are there any course requirements or prerequisites?</a:t>
+            </a:r>
+            <a:endParaRPr sz="1600" b="1" i="0">
+              <a:solidFill>
+                <a:srgbClr val="303141"/>
+              </a:solidFill>
+              <a:latin typeface="Arial" panose="020B0604020202020204" pitchFamily="34" charset="0"/>
+              <a:ea typeface="var(--font-stack-heading)"/>
+              <a:cs typeface="Arial" panose="020B0604020202020204" pitchFamily="34" charset="0"/>
+            </a:endParaRPr>
+          </a:p>
+          <a:p>
+            <a:pPr marL="0" indent="0">
+              <a:spcBef>
+                <a:spcPct val="0"/>
+              </a:spcBef>
+              <a:spcAft>
+                <a:spcPct val="0"/>
+              </a:spcAft>
+              <a:buFont typeface="Arial" panose="020B0604020202020204"/>
+              <a:buChar char="•"/>
+            </a:pPr>
+            <a:r>
+              <a:rPr sz="1600" b="0" i="0">
+                <a:solidFill>
+                  <a:srgbClr val="303141"/>
+                </a:solidFill>
+                <a:latin typeface="Arial" panose="020B0604020202020204" pitchFamily="34" charset="0"/>
+                <a:ea typeface="Udemy Sans"/>
+                <a:cs typeface="Arial" panose="020B0604020202020204" pitchFamily="34" charset="0"/>
+              </a:rPr>
+              <a:t>This Course is for Absolute Beginners without any Programming Background.</a:t>
+            </a:r>
+            <a:endParaRPr sz="1600" b="0" i="0">
+              <a:solidFill>
+                <a:srgbClr val="303141"/>
+              </a:solidFill>
+              <a:latin typeface="Arial" panose="020B0604020202020204" pitchFamily="34" charset="0"/>
+              <a:ea typeface="Udemy Sans"/>
+              <a:cs typeface="Arial" panose="020B0604020202020204" pitchFamily="34" charset="0"/>
+            </a:endParaRPr>
+          </a:p>
+          <a:p>
+            <a:pPr marL="0" indent="0">
+              <a:spcBef>
+                <a:spcPct val="0"/>
+              </a:spcBef>
+              <a:spcAft>
+                <a:spcPct val="0"/>
+              </a:spcAft>
+              <a:buFont typeface="Arial" panose="020B0604020202020204"/>
+              <a:buChar char="•"/>
+            </a:pPr>
+            <a:r>
+              <a:rPr sz="1600" b="0" i="0">
+                <a:solidFill>
+                  <a:srgbClr val="303141"/>
+                </a:solidFill>
+                <a:latin typeface="Arial" panose="020B0604020202020204" pitchFamily="34" charset="0"/>
+                <a:ea typeface="Udemy Sans"/>
+                <a:cs typeface="Arial" panose="020B0604020202020204" pitchFamily="34" charset="0"/>
+              </a:rPr>
+              <a:t>No Programming Experience Required.</a:t>
+            </a:r>
+            <a:endParaRPr sz="1600" b="0" i="0">
+              <a:solidFill>
+                <a:srgbClr val="303141"/>
+              </a:solidFill>
+              <a:latin typeface="Arial" panose="020B0604020202020204" pitchFamily="34" charset="0"/>
+              <a:ea typeface="Udemy Sans"/>
+              <a:cs typeface="Arial" panose="020B0604020202020204" pitchFamily="34" charset="0"/>
+            </a:endParaRPr>
+          </a:p>
+          <a:p>
+            <a:pPr marL="0" indent="0">
+              <a:spcBef>
+                <a:spcPct val="0"/>
+              </a:spcBef>
+              <a:spcAft>
+                <a:spcPct val="0"/>
+              </a:spcAft>
+              <a:buFont typeface="Arial" panose="020B0604020202020204"/>
+              <a:buChar char="•"/>
+            </a:pPr>
+            <a:r>
+              <a:rPr sz="1600" b="0" i="0">
+                <a:solidFill>
+                  <a:srgbClr val="303141"/>
+                </a:solidFill>
+                <a:latin typeface="Arial" panose="020B0604020202020204" pitchFamily="34" charset="0"/>
+                <a:ea typeface="Udemy Sans"/>
+                <a:cs typeface="Arial" panose="020B0604020202020204" pitchFamily="34" charset="0"/>
+              </a:rPr>
+              <a:t>Access to Internet to access various Cloud Computing Options.</a:t>
+            </a:r>
+            <a:endParaRPr sz="1600" b="0" i="0">
+              <a:solidFill>
+                <a:srgbClr val="303141"/>
+              </a:solidFill>
+              <a:latin typeface="Arial" panose="020B0604020202020204" pitchFamily="34" charset="0"/>
+              <a:ea typeface="Udemy Sans"/>
+              <a:cs typeface="Arial" panose="020B0604020202020204" pitchFamily="34" charset="0"/>
+            </a:endParaRPr>
+          </a:p>
+          <a:p>
+            <a:pPr marL="0" indent="0">
+              <a:spcBef>
+                <a:spcPct val="0"/>
+              </a:spcBef>
+              <a:spcAft>
+                <a:spcPct val="0"/>
+              </a:spcAft>
+              <a:buFont typeface="Arial" panose="020B0604020202020204"/>
+              <a:buChar char="•"/>
+            </a:pPr>
+            <a:r>
+              <a:rPr sz="1600" b="0" i="0">
+                <a:solidFill>
+                  <a:srgbClr val="303141"/>
+                </a:solidFill>
+                <a:latin typeface="Arial" panose="020B0604020202020204" pitchFamily="34" charset="0"/>
+                <a:ea typeface="Udemy Sans"/>
+                <a:cs typeface="Arial" panose="020B0604020202020204" pitchFamily="34" charset="0"/>
+              </a:rPr>
+              <a:t>Course is in English.</a:t>
+            </a:r>
+            <a:endParaRPr sz="1600" b="0" i="0">
+              <a:solidFill>
+                <a:srgbClr val="303141"/>
+              </a:solidFill>
+              <a:latin typeface="Arial" panose="020B0604020202020204" pitchFamily="34" charset="0"/>
+              <a:ea typeface="Udemy Sans"/>
+              <a:cs typeface="Arial" panose="020B0604020202020204" pitchFamily="34" charset="0"/>
+            </a:endParaRPr>
+          </a:p>
+          <a:p>
+            <a:pPr marL="0" indent="0">
+              <a:spcBef>
+                <a:spcPct val="0"/>
+              </a:spcBef>
+              <a:spcAft>
+                <a:spcPct val="60000"/>
+              </a:spcAft>
+            </a:pPr>
+            <a:r>
+              <a:rPr sz="1600" b="1" i="0">
+                <a:solidFill>
+                  <a:srgbClr val="303141"/>
+                </a:solidFill>
+                <a:latin typeface="Arial" panose="020B0604020202020204" pitchFamily="34" charset="0"/>
+                <a:ea typeface="var(--font-stack-heading)"/>
+                <a:cs typeface="Arial" panose="020B0604020202020204" pitchFamily="34" charset="0"/>
+              </a:rPr>
+              <a:t>Who this course is for:</a:t>
+            </a:r>
+            <a:endParaRPr sz="1600" b="1" i="0">
+              <a:solidFill>
+                <a:srgbClr val="303141"/>
+              </a:solidFill>
+              <a:latin typeface="Arial" panose="020B0604020202020204" pitchFamily="34" charset="0"/>
+              <a:ea typeface="var(--font-stack-heading)"/>
+              <a:cs typeface="Arial" panose="020B0604020202020204" pitchFamily="34" charset="0"/>
+            </a:endParaRPr>
+          </a:p>
+          <a:p>
+            <a:pPr marL="0" indent="0">
+              <a:spcBef>
+                <a:spcPct val="0"/>
+              </a:spcBef>
+              <a:spcAft>
+                <a:spcPct val="0"/>
+              </a:spcAft>
+              <a:buFont typeface="Arial" panose="020B0604020202020204"/>
+              <a:buChar char="•"/>
+            </a:pPr>
+            <a:r>
+              <a:rPr sz="1600" b="0" i="0">
+                <a:solidFill>
+                  <a:srgbClr val="303141"/>
+                </a:solidFill>
+                <a:latin typeface="Arial" panose="020B0604020202020204" pitchFamily="34" charset="0"/>
+                <a:ea typeface="Udemy Sans"/>
+                <a:cs typeface="Arial" panose="020B0604020202020204" pitchFamily="34" charset="0"/>
+              </a:rPr>
+              <a:t>Anyone who wants to Learn the Basics of Cloud Computing.</a:t>
+            </a:r>
+            <a:endParaRPr sz="1600" b="0" i="0">
+              <a:solidFill>
+                <a:srgbClr val="303141"/>
+              </a:solidFill>
+              <a:latin typeface="Arial" panose="020B0604020202020204" pitchFamily="34" charset="0"/>
+              <a:ea typeface="Udemy Sans"/>
+              <a:cs typeface="Arial" panose="020B0604020202020204" pitchFamily="34" charset="0"/>
+            </a:endParaRPr>
+          </a:p>
+          <a:p>
+            <a:pPr marL="0" indent="0">
+              <a:spcBef>
+                <a:spcPct val="0"/>
+              </a:spcBef>
+              <a:spcAft>
+                <a:spcPct val="0"/>
+              </a:spcAft>
+              <a:buFont typeface="Arial" panose="020B0604020202020204"/>
+              <a:buChar char="•"/>
+            </a:pPr>
+            <a:r>
+              <a:rPr sz="1600" b="0" i="0">
+                <a:solidFill>
+                  <a:srgbClr val="303141"/>
+                </a:solidFill>
+                <a:latin typeface="Arial" panose="020B0604020202020204" pitchFamily="34" charset="0"/>
+                <a:ea typeface="Udemy Sans"/>
+                <a:cs typeface="Arial" panose="020B0604020202020204" pitchFamily="34" charset="0"/>
+              </a:rPr>
+              <a:t>Understand the Tools and Services From Cloud Providers on Cloud Computing.</a:t>
+            </a:r>
+            <a:endParaRPr sz="1600" b="0" i="0">
+              <a:solidFill>
+                <a:srgbClr val="303141"/>
+              </a:solidFill>
+              <a:latin typeface="Arial" panose="020B0604020202020204" pitchFamily="34" charset="0"/>
+              <a:ea typeface="Udemy Sans"/>
+              <a:cs typeface="Arial" panose="020B0604020202020204" pitchFamily="34" charset="0"/>
+            </a:endParaRPr>
+          </a:p>
+          <a:p>
+            <a:pPr marL="0" indent="0">
+              <a:spcBef>
+                <a:spcPct val="0"/>
+              </a:spcBef>
+              <a:spcAft>
+                <a:spcPct val="0"/>
+              </a:spcAft>
+              <a:buFont typeface="Arial" panose="020B0604020202020204"/>
+              <a:buChar char="•"/>
+            </a:pPr>
+            <a:r>
+              <a:rPr sz="1600" b="0" i="0">
+                <a:solidFill>
+                  <a:srgbClr val="303141"/>
+                </a:solidFill>
+                <a:latin typeface="Arial" panose="020B0604020202020204" pitchFamily="34" charset="0"/>
+                <a:ea typeface="Udemy Sans"/>
+                <a:cs typeface="Arial" panose="020B0604020202020204" pitchFamily="34" charset="0"/>
+              </a:rPr>
+              <a:t>For Every Developer, Consultant, Team Leader, Manager and Architect.</a:t>
+            </a:r>
+            <a:endParaRPr sz="1600" b="0" i="0">
+              <a:solidFill>
+                <a:srgbClr val="303141"/>
+              </a:solidFill>
+              <a:latin typeface="Arial" panose="020B0604020202020204" pitchFamily="34" charset="0"/>
+              <a:ea typeface="Udemy Sans"/>
+              <a:cs typeface="Arial" panose="020B0604020202020204" pitchFamily="34" charset="0"/>
+            </a:endParaRPr>
+          </a:p>
+          <a:p>
+            <a:pPr marL="0" indent="0">
+              <a:spcBef>
+                <a:spcPct val="0"/>
+              </a:spcBef>
+              <a:spcAft>
+                <a:spcPct val="0"/>
+              </a:spcAft>
+              <a:buFont typeface="Arial" panose="020B0604020202020204"/>
+              <a:buChar char="•"/>
+            </a:pPr>
+            <a:r>
+              <a:rPr sz="1600" b="0" i="0">
+                <a:solidFill>
+                  <a:srgbClr val="303141"/>
+                </a:solidFill>
+                <a:latin typeface="Arial" panose="020B0604020202020204" pitchFamily="34" charset="0"/>
+                <a:ea typeface="Udemy Sans"/>
+                <a:cs typeface="Arial" panose="020B0604020202020204" pitchFamily="34" charset="0"/>
+              </a:rPr>
+              <a:t>This Course is for Students who wants to Learn the Fundamentals of Cloud Computing.</a:t>
+            </a:r>
+            <a:endParaRPr sz="1600" b="0" i="0">
+              <a:solidFill>
+                <a:srgbClr val="303141"/>
+              </a:solidFill>
+              <a:latin typeface="Arial" panose="020B0604020202020204" pitchFamily="34" charset="0"/>
+              <a:ea typeface="Udemy Sans"/>
+              <a:cs typeface="Arial" panose="020B0604020202020204" pitchFamily="34" charset="0"/>
+            </a:endParaRPr>
+          </a:p>
+          <a:p>
+            <a:pPr marL="0" indent="0">
+              <a:spcBef>
+                <a:spcPct val="0"/>
+              </a:spcBef>
+              <a:spcAft>
+                <a:spcPct val="0"/>
+              </a:spcAft>
+              <a:buFont typeface="Arial" panose="020B0604020202020204"/>
+              <a:buChar char="•"/>
+            </a:pPr>
+            <a:r>
+              <a:rPr sz="1600" b="0" i="0">
+                <a:solidFill>
+                  <a:srgbClr val="303141"/>
+                </a:solidFill>
+                <a:latin typeface="Arial" panose="020B0604020202020204" pitchFamily="34" charset="0"/>
+                <a:ea typeface="Udemy Sans"/>
+                <a:cs typeface="Arial" panose="020B0604020202020204" pitchFamily="34" charset="0"/>
+              </a:rPr>
+              <a:t>If you want to understand why companies are moving towards Cloud.</a:t>
+            </a:r>
+            <a:endParaRPr sz="1600" b="0" i="0">
+              <a:solidFill>
+                <a:srgbClr val="303141"/>
+              </a:solidFill>
+              <a:latin typeface="Arial" panose="020B0604020202020204" pitchFamily="34" charset="0"/>
+              <a:ea typeface="Udemy Sans"/>
+              <a:cs typeface="Arial" panose="020B0604020202020204" pitchFamily="34" charset="0"/>
+            </a:endParaRPr>
+          </a:p>
+          <a:p>
+            <a:pPr marL="0" indent="0">
+              <a:spcBef>
+                <a:spcPct val="0"/>
+              </a:spcBef>
+              <a:spcAft>
+                <a:spcPct val="0"/>
+              </a:spcAft>
+              <a:buFont typeface="Arial" panose="020B0604020202020204"/>
+              <a:buChar char="•"/>
+            </a:pPr>
+            <a:r>
+              <a:rPr sz="1600" b="0" i="0">
+                <a:solidFill>
+                  <a:srgbClr val="303141"/>
+                </a:solidFill>
+                <a:latin typeface="Arial" panose="020B0604020202020204" pitchFamily="34" charset="0"/>
+                <a:ea typeface="Udemy Sans"/>
+                <a:cs typeface="Arial" panose="020B0604020202020204" pitchFamily="34" charset="0"/>
+              </a:rPr>
+              <a:t>How Companies are Setting up the IT Landscape on Cloud Computing.</a:t>
+            </a:r>
+            <a:endParaRPr sz="1600" b="0" i="0">
+              <a:solidFill>
+                <a:srgbClr val="303141"/>
+              </a:solidFill>
+              <a:latin typeface="Arial" panose="020B0604020202020204" pitchFamily="34" charset="0"/>
+              <a:ea typeface="Udemy Sans"/>
+              <a:cs typeface="Arial" panose="020B0604020202020204" pitchFamily="34" charset="0"/>
+            </a:endParaRPr>
+          </a:p>
+        </p:txBody>
+      </p:sp>
+    </p:spTree>
+  </p:cSld>
+  <p:clrMapOvr>
+    <a:masterClrMapping/>
+  </p:clrMapOvr>
+</p:sld>
+</file>
+
+<file path=ppt/slides/slide3.xml><?xml version="1.0" encoding="utf-8"?>
+<p:sld xmlns:a="http://schemas.openxmlformats.org/drawingml/2006/main" xmlns:r="http://schemas.openxmlformats.org/officeDocument/2006/relationships" xmlns:p="http://schemas.openxmlformats.org/presentationml/2006/main">
+  <p:cSld>
+    <p:spTree>
+      <p:nvGrpSpPr>
+        <p:cNvPr id="1" name=""/>
+        <p:cNvGrpSpPr/>
+        <p:nvPr/>
+      </p:nvGrpSpPr>
+      <p:grpSpPr/>
+      <p:sp>
+        <p:nvSpPr>
+          <p:cNvPr id="2" name="Text Box 1"/>
+          <p:cNvSpPr txBox="1"/>
+          <p:nvPr/>
+        </p:nvSpPr>
+        <p:spPr>
+          <a:xfrm>
+            <a:off x="429895" y="93028"/>
+            <a:ext cx="5080000" cy="583565"/>
+          </a:xfrm>
+          <a:prstGeom prst="rect">
+            <a:avLst/>
+          </a:prstGeom>
+        </p:spPr>
+        <p:txBody>
+          <a:bodyPr>
+            <a:spAutoFit/>
+          </a:bodyPr>
+          <a:p>
+            <a:pPr marL="0" indent="0" algn="l"/>
+            <a:r>
+              <a:rPr sz="1600" b="0" i="0">
+                <a:solidFill>
+                  <a:srgbClr val="22191B"/>
+                </a:solidFill>
+                <a:latin typeface="monospace"/>
+                <a:ea typeface="monospace"/>
+              </a:rPr>
+              <a:t>Section 1: Welcome To The Course</a:t>
+            </a:r>
+            <a:endParaRPr sz="1600" b="0" i="0">
+              <a:solidFill>
+                <a:srgbClr val="22191B"/>
+              </a:solidFill>
+              <a:latin typeface="monospace"/>
+              <a:ea typeface="monospace"/>
+            </a:endParaRPr>
+          </a:p>
+          <a:p>
+            <a:pPr marL="0" indent="0" algn="l"/>
+            <a:endParaRPr sz="1600" b="0" i="0">
+              <a:solidFill>
+                <a:srgbClr val="22191B"/>
+              </a:solidFill>
+              <a:latin typeface="monospace"/>
+              <a:ea typeface="monospace"/>
+            </a:endParaRPr>
+          </a:p>
+        </p:txBody>
+      </p:sp>
+      <p:sp>
+        <p:nvSpPr>
+          <p:cNvPr id="3" name="Text Box 2"/>
+          <p:cNvSpPr txBox="1"/>
+          <p:nvPr/>
+        </p:nvSpPr>
+        <p:spPr>
+          <a:xfrm>
+            <a:off x="554990" y="352425"/>
+            <a:ext cx="3156585" cy="11171555"/>
+          </a:xfrm>
+          <a:prstGeom prst="rect">
+            <a:avLst/>
+          </a:prstGeom>
+        </p:spPr>
+        <p:txBody>
+          <a:bodyPr wrap="square">
+            <a:spAutoFit/>
+          </a:bodyPr>
+          <a:p>
+            <a:pPr marL="0" indent="0">
+              <a:spcBef>
+                <a:spcPct val="0"/>
+              </a:spcBef>
+              <a:spcAft>
+                <a:spcPct val="0"/>
+              </a:spcAft>
+            </a:pPr>
+            <a:r>
+              <a:rPr sz="1600" b="0" i="0">
+                <a:solidFill>
+                  <a:srgbClr val="303141"/>
+                </a:solidFill>
+                <a:latin typeface="var(--font-stack-text)"/>
+                <a:ea typeface="var(--font-stack-text)"/>
+              </a:rPr>
+              <a:t>2. What You'll Learn In This Section</a:t>
+            </a:r>
+            <a:endParaRPr sz="1600" b="0" i="0">
+              <a:solidFill>
+                <a:srgbClr val="303141"/>
+              </a:solidFill>
+              <a:latin typeface="var(--font-stack-text)"/>
+              <a:ea typeface="var(--font-stack-text)"/>
+            </a:endParaRPr>
+          </a:p>
+          <a:p>
+            <a:pPr marL="0" indent="0">
+              <a:spcBef>
+                <a:spcPct val="0"/>
+              </a:spcBef>
+              <a:spcAft>
+                <a:spcPct val="0"/>
+              </a:spcAft>
+            </a:pPr>
+            <a:r>
+              <a:rPr sz="1600" b="0" i="0">
+                <a:solidFill>
+                  <a:srgbClr val="303141"/>
+                </a:solidFill>
+                <a:latin typeface="var(--font-stack-text)"/>
+                <a:ea typeface="var(--font-stack-text)"/>
+              </a:rPr>
+              <a:t>3. What is Cloud?</a:t>
+            </a:r>
+            <a:endParaRPr sz="1600" b="0" i="0">
+              <a:solidFill>
+                <a:srgbClr val="303141"/>
+              </a:solidFill>
+              <a:latin typeface="var(--font-stack-text)"/>
+              <a:ea typeface="var(--font-stack-text)"/>
+            </a:endParaRPr>
+          </a:p>
+          <a:p>
+            <a:pPr marL="0" indent="0">
+              <a:spcBef>
+                <a:spcPct val="0"/>
+              </a:spcBef>
+              <a:spcAft>
+                <a:spcPct val="0"/>
+              </a:spcAft>
+            </a:pPr>
+            <a:r>
+              <a:rPr sz="1600" b="0" i="0">
+                <a:solidFill>
+                  <a:srgbClr val="303141"/>
+                </a:solidFill>
+                <a:latin typeface="var(--font-stack-text)"/>
+                <a:ea typeface="var(--font-stack-text)"/>
+              </a:rPr>
+              <a:t>4. What is Computing?</a:t>
+            </a:r>
+            <a:endParaRPr sz="1600" b="0" i="0">
+              <a:solidFill>
+                <a:srgbClr val="303141"/>
+              </a:solidFill>
+              <a:latin typeface="var(--font-stack-text)"/>
+              <a:ea typeface="var(--font-stack-text)"/>
+            </a:endParaRPr>
+          </a:p>
+          <a:p>
+            <a:pPr marL="0" indent="0">
+              <a:spcBef>
+                <a:spcPct val="0"/>
+              </a:spcBef>
+              <a:spcAft>
+                <a:spcPct val="0"/>
+              </a:spcAft>
+            </a:pPr>
+            <a:r>
+              <a:rPr sz="1600" b="0" i="0">
+                <a:solidFill>
+                  <a:srgbClr val="303141"/>
+                </a:solidFill>
+                <a:latin typeface="var(--font-stack-text)"/>
+                <a:ea typeface="var(--font-stack-text)"/>
+              </a:rPr>
+              <a:t>5. What is Cloud Computing?</a:t>
+            </a:r>
+            <a:endParaRPr sz="1600" b="0" i="0">
+              <a:solidFill>
+                <a:srgbClr val="303141"/>
+              </a:solidFill>
+              <a:latin typeface="var(--font-stack-text)"/>
+              <a:ea typeface="var(--font-stack-text)"/>
+            </a:endParaRPr>
+          </a:p>
+          <a:p>
+            <a:pPr marL="0" indent="0">
+              <a:spcBef>
+                <a:spcPct val="0"/>
+              </a:spcBef>
+              <a:spcAft>
+                <a:spcPct val="0"/>
+              </a:spcAft>
+            </a:pPr>
+            <a:r>
+              <a:rPr sz="1600" b="0" i="0">
+                <a:solidFill>
+                  <a:srgbClr val="303141"/>
+                </a:solidFill>
+                <a:latin typeface="var(--font-stack-text)"/>
+                <a:ea typeface="var(--font-stack-text)"/>
+              </a:rPr>
+              <a:t>6. What are Cloud Computing Services?</a:t>
+            </a:r>
+            <a:endParaRPr sz="1600" b="0" i="0">
+              <a:solidFill>
+                <a:srgbClr val="303141"/>
+              </a:solidFill>
+              <a:latin typeface="var(--font-stack-text)"/>
+              <a:ea typeface="var(--font-stack-text)"/>
+            </a:endParaRPr>
+          </a:p>
+          <a:p>
+            <a:pPr marL="0" indent="0">
+              <a:spcBef>
+                <a:spcPct val="0"/>
+              </a:spcBef>
+              <a:spcAft>
+                <a:spcPct val="0"/>
+              </a:spcAft>
+            </a:pPr>
+            <a:r>
+              <a:rPr sz="1600" b="0" i="0">
+                <a:solidFill>
+                  <a:srgbClr val="303141"/>
+                </a:solidFill>
+                <a:latin typeface="var(--font-stack-text)"/>
+                <a:ea typeface="var(--font-stack-text)"/>
+              </a:rPr>
+              <a:t>7. Uses Of Cloud Computing</a:t>
+            </a:r>
+            <a:endParaRPr sz="1600" b="0" i="0">
+              <a:solidFill>
+                <a:srgbClr val="303141"/>
+              </a:solidFill>
+              <a:latin typeface="var(--font-stack-text)"/>
+              <a:ea typeface="var(--font-stack-text)"/>
+            </a:endParaRPr>
+          </a:p>
+          <a:p>
+            <a:pPr marL="0" indent="0">
+              <a:spcBef>
+                <a:spcPct val="0"/>
+              </a:spcBef>
+              <a:spcAft>
+                <a:spcPct val="0"/>
+              </a:spcAft>
+            </a:pPr>
+            <a:r>
+              <a:rPr sz="1600" b="0" i="0">
+                <a:solidFill>
+                  <a:srgbClr val="303141"/>
+                </a:solidFill>
+                <a:latin typeface="var(--font-stack-text)"/>
+                <a:ea typeface="var(--font-stack-text)"/>
+              </a:rPr>
+              <a:t>8. Benefits Of Cloud Computing</a:t>
+            </a:r>
+            <a:endParaRPr sz="1600" b="0" i="0">
+              <a:solidFill>
+                <a:srgbClr val="303141"/>
+              </a:solidFill>
+              <a:latin typeface="var(--font-stack-text)"/>
+              <a:ea typeface="var(--font-stack-text)"/>
+            </a:endParaRPr>
+          </a:p>
+          <a:p>
+            <a:pPr marL="0" indent="0">
+              <a:spcBef>
+                <a:spcPct val="0"/>
+              </a:spcBef>
+              <a:spcAft>
+                <a:spcPct val="0"/>
+              </a:spcAft>
+            </a:pPr>
+            <a:r>
+              <a:rPr sz="1600" b="0" i="0">
+                <a:solidFill>
+                  <a:srgbClr val="303141"/>
+                </a:solidFill>
+                <a:latin typeface="var(--font-stack-text)"/>
+                <a:ea typeface="var(--font-stack-text)"/>
+              </a:rPr>
+              <a:t>9. What You Learned In This Section</a:t>
+            </a:r>
+            <a:endParaRPr sz="1600" b="0" i="0">
+              <a:solidFill>
+                <a:srgbClr val="303141"/>
+              </a:solidFill>
+              <a:latin typeface="var(--font-stack-text)"/>
+              <a:ea typeface="var(--font-stack-text)"/>
+            </a:endParaRPr>
+          </a:p>
+          <a:p>
+            <a:pPr marL="0" indent="0" algn="l" fontAlgn="base">
+              <a:spcBef>
+                <a:spcPct val="0"/>
+              </a:spcBef>
+              <a:spcAft>
+                <a:spcPct val="0"/>
+              </a:spcAft>
+            </a:pPr>
+            <a:endParaRPr sz="1600" b="0" i="0">
+              <a:solidFill>
+                <a:srgbClr val="303141"/>
+              </a:solidFill>
+              <a:latin typeface="var(--font-stack-heading)"/>
+              <a:ea typeface="var(--font-stack-heading)"/>
+            </a:endParaRPr>
+          </a:p>
+          <a:p>
+            <a:pPr marL="0" indent="0" algn="l" fontAlgn="base">
+              <a:spcBef>
+                <a:spcPct val="0"/>
+              </a:spcBef>
+              <a:spcAft>
+                <a:spcPct val="0"/>
+              </a:spcAft>
+            </a:pPr>
+            <a:r>
+              <a:rPr sz="1600" b="0" i="0">
+                <a:solidFill>
+                  <a:srgbClr val="303141"/>
+                </a:solidFill>
+                <a:latin typeface="var(--font-stack-heading)"/>
+                <a:ea typeface="var(--font-stack-heading)"/>
+              </a:rPr>
+              <a:t>Section 3: Understanding the Cloud </a:t>
+            </a:r>
+            <a:r>
+              <a:rPr lang="en-US" altLang="en-US" sz="1600" b="0" i="0">
+                <a:solidFill>
+                  <a:srgbClr val="303141"/>
+                </a:solidFill>
+                <a:latin typeface="var(--font-stack-heading)"/>
+                <a:ea typeface="var(--font-stack-heading)"/>
+              </a:rPr>
+              <a:t>10. What 10. You'll Learn In This Section</a:t>
+            </a:r>
+            <a:endParaRPr lang="en-US" altLang="en-US" sz="1600" b="0" i="0">
+              <a:solidFill>
+                <a:srgbClr val="303141"/>
+              </a:solidFill>
+              <a:latin typeface="var(--font-stack-heading)"/>
+              <a:ea typeface="var(--font-stack-heading)"/>
+            </a:endParaRPr>
+          </a:p>
+          <a:p>
+            <a:pPr marL="0" indent="0" algn="l" fontAlgn="base">
+              <a:spcBef>
+                <a:spcPct val="0"/>
+              </a:spcBef>
+              <a:spcAft>
+                <a:spcPct val="0"/>
+              </a:spcAft>
+            </a:pPr>
+            <a:r>
+              <a:rPr lang="en-US" altLang="en-US" sz="1600" b="0" i="0">
+                <a:solidFill>
+                  <a:srgbClr val="303141"/>
+                </a:solidFill>
+                <a:latin typeface="var(--font-stack-heading)"/>
+                <a:ea typeface="var(--font-stack-heading)"/>
+              </a:rPr>
+              <a:t>11. What is Cloud Terminology?</a:t>
+            </a:r>
+            <a:endParaRPr lang="en-US" altLang="en-US" sz="1600" b="0" i="0">
+              <a:solidFill>
+                <a:srgbClr val="303141"/>
+              </a:solidFill>
+              <a:latin typeface="var(--font-stack-heading)"/>
+              <a:ea typeface="var(--font-stack-heading)"/>
+            </a:endParaRPr>
+          </a:p>
+          <a:p>
+            <a:pPr marL="0" indent="0" algn="l" fontAlgn="base">
+              <a:spcBef>
+                <a:spcPct val="0"/>
+              </a:spcBef>
+              <a:spcAft>
+                <a:spcPct val="0"/>
+              </a:spcAft>
+            </a:pPr>
+            <a:r>
+              <a:rPr lang="en-US" altLang="en-US" sz="1600" b="0" i="0">
+                <a:solidFill>
+                  <a:srgbClr val="303141"/>
+                </a:solidFill>
+                <a:latin typeface="var(--font-stack-heading)"/>
+                <a:ea typeface="var(--font-stack-heading)"/>
+              </a:rPr>
+              <a:t>12. What is Cloud Native?</a:t>
+            </a:r>
+            <a:endParaRPr lang="en-US" altLang="en-US" sz="1600" b="0" i="0">
+              <a:solidFill>
+                <a:srgbClr val="303141"/>
+              </a:solidFill>
+              <a:latin typeface="var(--font-stack-heading)"/>
+              <a:ea typeface="var(--font-stack-heading)"/>
+            </a:endParaRPr>
+          </a:p>
+          <a:p>
+            <a:pPr marL="0" indent="0" algn="l" fontAlgn="base">
+              <a:spcBef>
+                <a:spcPct val="0"/>
+              </a:spcBef>
+              <a:spcAft>
+                <a:spcPct val="0"/>
+              </a:spcAft>
+            </a:pPr>
+            <a:r>
+              <a:rPr lang="en-US" altLang="en-US" sz="1600" b="0" i="0">
+                <a:solidFill>
+                  <a:srgbClr val="303141"/>
+                </a:solidFill>
+                <a:latin typeface="var(--font-stack-heading)"/>
+                <a:ea typeface="var(--font-stack-heading)"/>
+              </a:rPr>
+              <a:t>13. What is Cloud Providers?</a:t>
+            </a:r>
+            <a:endParaRPr lang="en-US" altLang="en-US" sz="1600" b="0" i="0">
+              <a:solidFill>
+                <a:srgbClr val="303141"/>
+              </a:solidFill>
+              <a:latin typeface="var(--font-stack-heading)"/>
+              <a:ea typeface="var(--font-stack-heading)"/>
+            </a:endParaRPr>
+          </a:p>
+          <a:p>
+            <a:pPr marL="0" indent="0" algn="l" fontAlgn="base">
+              <a:spcBef>
+                <a:spcPct val="0"/>
+              </a:spcBef>
+              <a:spcAft>
+                <a:spcPct val="0"/>
+              </a:spcAft>
+            </a:pPr>
+            <a:r>
+              <a:rPr lang="en-US" altLang="en-US" sz="1600" b="0" i="0">
+                <a:solidFill>
+                  <a:srgbClr val="303141"/>
+                </a:solidFill>
+                <a:latin typeface="var(--font-stack-heading)"/>
+                <a:ea typeface="var(--font-stack-heading)"/>
+              </a:rPr>
+              <a:t>14. What is Cloud Consumers?</a:t>
+            </a:r>
+            <a:endParaRPr lang="en-US" altLang="en-US" sz="1600" b="0" i="0">
+              <a:solidFill>
+                <a:srgbClr val="303141"/>
+              </a:solidFill>
+              <a:latin typeface="var(--font-stack-heading)"/>
+              <a:ea typeface="var(--font-stack-heading)"/>
+            </a:endParaRPr>
+          </a:p>
+          <a:p>
+            <a:pPr marL="0" indent="0" algn="l" fontAlgn="base">
+              <a:spcBef>
+                <a:spcPct val="0"/>
+              </a:spcBef>
+              <a:spcAft>
+                <a:spcPct val="0"/>
+              </a:spcAft>
+            </a:pPr>
+            <a:r>
+              <a:rPr lang="en-US" altLang="en-US" sz="1600" b="0" i="0">
+                <a:solidFill>
+                  <a:srgbClr val="303141"/>
+                </a:solidFill>
+                <a:latin typeface="var(--font-stack-heading)"/>
+                <a:ea typeface="var(--font-stack-heading)"/>
+              </a:rPr>
+              <a:t>15. On-Premise vs Cloud</a:t>
+            </a:r>
+            <a:endParaRPr lang="en-US" altLang="en-US" sz="1600" b="0" i="0">
+              <a:solidFill>
+                <a:srgbClr val="303141"/>
+              </a:solidFill>
+              <a:latin typeface="var(--font-stack-heading)"/>
+              <a:ea typeface="var(--font-stack-heading)"/>
+            </a:endParaRPr>
+          </a:p>
+          <a:p>
+            <a:pPr marL="0" indent="0" algn="l" fontAlgn="base">
+              <a:spcBef>
+                <a:spcPct val="0"/>
+              </a:spcBef>
+              <a:spcAft>
+                <a:spcPct val="0"/>
+              </a:spcAft>
+            </a:pPr>
+            <a:r>
+              <a:rPr lang="en-US" altLang="en-US" sz="1600" b="0" i="0">
+                <a:solidFill>
+                  <a:srgbClr val="303141"/>
+                </a:solidFill>
+                <a:latin typeface="var(--font-stack-heading)"/>
+                <a:ea typeface="var(--font-stack-heading)"/>
+              </a:rPr>
+              <a:t>16. What is Business Means?</a:t>
+            </a:r>
+            <a:endParaRPr lang="en-US" altLang="en-US" sz="1600" b="0" i="0">
+              <a:solidFill>
+                <a:srgbClr val="303141"/>
+              </a:solidFill>
+              <a:latin typeface="var(--font-stack-heading)"/>
+              <a:ea typeface="var(--font-stack-heading)"/>
+            </a:endParaRPr>
+          </a:p>
+          <a:p>
+            <a:pPr marL="0" indent="0" algn="l" fontAlgn="base">
+              <a:spcBef>
+                <a:spcPct val="0"/>
+              </a:spcBef>
+              <a:spcAft>
+                <a:spcPct val="0"/>
+              </a:spcAft>
+            </a:pPr>
+            <a:r>
+              <a:rPr lang="en-US" altLang="en-US" sz="1600" b="0" i="0">
+                <a:solidFill>
+                  <a:srgbClr val="303141"/>
+                </a:solidFill>
+                <a:latin typeface="var(--font-stack-heading)"/>
+                <a:ea typeface="var(--font-stack-heading)"/>
+              </a:rPr>
+              <a:t>17. What is Technology Means?</a:t>
+            </a:r>
+            <a:endParaRPr lang="en-US" altLang="en-US" sz="1600" b="0" i="0">
+              <a:solidFill>
+                <a:srgbClr val="303141"/>
+              </a:solidFill>
+              <a:latin typeface="var(--font-stack-heading)"/>
+              <a:ea typeface="var(--font-stack-heading)"/>
+            </a:endParaRPr>
+          </a:p>
+          <a:p>
+            <a:pPr marL="0" indent="0" algn="l" fontAlgn="base">
+              <a:spcBef>
+                <a:spcPct val="0"/>
+              </a:spcBef>
+              <a:spcAft>
+                <a:spcPct val="0"/>
+              </a:spcAft>
+            </a:pPr>
+            <a:r>
+              <a:rPr lang="en-US" altLang="en-US" sz="1600" b="0" i="0">
+                <a:solidFill>
+                  <a:srgbClr val="303141"/>
+                </a:solidFill>
+                <a:latin typeface="var(--font-stack-heading)"/>
+                <a:ea typeface="var(--font-stack-heading)"/>
+              </a:rPr>
+              <a:t>18. What is Platform Means?</a:t>
+            </a:r>
+            <a:endParaRPr lang="en-US" altLang="en-US" sz="1600" b="0" i="0">
+              <a:solidFill>
+                <a:srgbClr val="303141"/>
+              </a:solidFill>
+              <a:latin typeface="var(--font-stack-heading)"/>
+              <a:ea typeface="var(--font-stack-heading)"/>
+            </a:endParaRPr>
+          </a:p>
+          <a:p>
+            <a:pPr marL="0" indent="0" algn="l" fontAlgn="base">
+              <a:spcBef>
+                <a:spcPct val="0"/>
+              </a:spcBef>
+              <a:spcAft>
+                <a:spcPct val="0"/>
+              </a:spcAft>
+            </a:pPr>
+            <a:r>
+              <a:rPr lang="en-US" altLang="en-US" sz="1600" b="0" i="0">
+                <a:solidFill>
+                  <a:srgbClr val="303141"/>
+                </a:solidFill>
+                <a:latin typeface="var(--font-stack-heading)"/>
+                <a:ea typeface="var(--font-stack-heading)"/>
+              </a:rPr>
+              <a:t>19. What is Technology Platform Means?</a:t>
+            </a:r>
+            <a:endParaRPr lang="en-US" altLang="en-US" sz="1600" b="0" i="0">
+              <a:solidFill>
+                <a:srgbClr val="303141"/>
+              </a:solidFill>
+              <a:latin typeface="var(--font-stack-heading)"/>
+              <a:ea typeface="var(--font-stack-heading)"/>
+            </a:endParaRPr>
+          </a:p>
+          <a:p>
+            <a:pPr marL="0" indent="0" algn="l" fontAlgn="base">
+              <a:spcBef>
+                <a:spcPct val="0"/>
+              </a:spcBef>
+              <a:spcAft>
+                <a:spcPct val="0"/>
+              </a:spcAft>
+            </a:pPr>
+            <a:r>
+              <a:rPr lang="en-US" altLang="en-US" sz="1600" b="0" i="0">
+                <a:solidFill>
+                  <a:srgbClr val="303141"/>
+                </a:solidFill>
+                <a:latin typeface="var(--font-stack-heading)"/>
+                <a:ea typeface="var(--font-stack-heading)"/>
+              </a:rPr>
+              <a:t>20. What is Business Domain Means?</a:t>
+            </a:r>
+            <a:endParaRPr lang="en-US" altLang="en-US" sz="1600" b="0" i="0">
+              <a:solidFill>
+                <a:srgbClr val="303141"/>
+              </a:solidFill>
+              <a:latin typeface="var(--font-stack-heading)"/>
+              <a:ea typeface="var(--font-stack-heading)"/>
+            </a:endParaRPr>
+          </a:p>
+          <a:p>
+            <a:pPr marL="0" indent="0" algn="l" fontAlgn="base">
+              <a:spcBef>
+                <a:spcPct val="0"/>
+              </a:spcBef>
+              <a:spcAft>
+                <a:spcPct val="0"/>
+              </a:spcAft>
+            </a:pPr>
+            <a:r>
+              <a:rPr lang="en-US" altLang="en-US" sz="1600" b="0" i="0">
+                <a:solidFill>
+                  <a:srgbClr val="303141"/>
+                </a:solidFill>
+                <a:latin typeface="var(--font-stack-heading)"/>
+                <a:ea typeface="var(--font-stack-heading)"/>
+              </a:rPr>
+              <a:t>21. What is Applications, Services, Infrastructure, Storage and Software?</a:t>
+            </a:r>
+            <a:endParaRPr lang="en-US" altLang="en-US" sz="1600" b="0" i="0">
+              <a:solidFill>
+                <a:srgbClr val="303141"/>
+              </a:solidFill>
+              <a:latin typeface="var(--font-stack-heading)"/>
+              <a:ea typeface="var(--font-stack-heading)"/>
+            </a:endParaRPr>
+          </a:p>
+          <a:p>
+            <a:pPr marL="0" indent="0" algn="l" fontAlgn="base">
+              <a:spcBef>
+                <a:spcPct val="0"/>
+              </a:spcBef>
+              <a:spcAft>
+                <a:spcPct val="0"/>
+              </a:spcAft>
+            </a:pPr>
+            <a:r>
+              <a:rPr lang="en-US" altLang="en-US" sz="1600" b="0" i="0">
+                <a:solidFill>
+                  <a:srgbClr val="303141"/>
+                </a:solidFill>
+                <a:latin typeface="var(--font-stack-heading)"/>
+                <a:ea typeface="var(--font-stack-heading)"/>
+              </a:rPr>
+              <a:t>22. What is Runtime?</a:t>
+            </a:r>
+            <a:endParaRPr lang="en-US" altLang="en-US" sz="1600" b="0" i="0">
+              <a:solidFill>
+                <a:srgbClr val="303141"/>
+              </a:solidFill>
+              <a:latin typeface="var(--font-stack-heading)"/>
+              <a:ea typeface="var(--font-stack-heading)"/>
+            </a:endParaRPr>
+          </a:p>
+          <a:p>
+            <a:pPr marL="0" indent="0" algn="l" fontAlgn="base">
+              <a:spcBef>
+                <a:spcPct val="0"/>
+              </a:spcBef>
+              <a:spcAft>
+                <a:spcPct val="0"/>
+              </a:spcAft>
+            </a:pPr>
+            <a:r>
+              <a:rPr lang="en-US" altLang="en-US" sz="1600" b="0" i="0">
+                <a:solidFill>
+                  <a:srgbClr val="303141"/>
+                </a:solidFill>
+                <a:latin typeface="var(--font-stack-heading)"/>
+                <a:ea typeface="var(--font-stack-heading)"/>
+              </a:rPr>
+              <a:t>23. What is Container?</a:t>
+            </a:r>
+            <a:endParaRPr lang="en-US" altLang="en-US" sz="1600" b="0" i="0">
+              <a:solidFill>
+                <a:srgbClr val="303141"/>
+              </a:solidFill>
+              <a:latin typeface="var(--font-stack-heading)"/>
+              <a:ea typeface="var(--font-stack-heading)"/>
+            </a:endParaRPr>
+          </a:p>
+          <a:p>
+            <a:pPr marL="0" indent="0" algn="l" fontAlgn="base">
+              <a:spcBef>
+                <a:spcPct val="0"/>
+              </a:spcBef>
+              <a:spcAft>
+                <a:spcPct val="0"/>
+              </a:spcAft>
+            </a:pPr>
+            <a:r>
+              <a:rPr lang="en-US" altLang="en-US" sz="1600" b="0" i="0">
+                <a:solidFill>
+                  <a:srgbClr val="303141"/>
+                </a:solidFill>
+                <a:latin typeface="var(--font-stack-heading)"/>
+                <a:ea typeface="var(--font-stack-heading)"/>
+              </a:rPr>
+              <a:t>24. What is Application?</a:t>
+            </a:r>
+            <a:endParaRPr lang="en-US" altLang="en-US" sz="1600" b="0" i="0">
+              <a:solidFill>
+                <a:srgbClr val="303141"/>
+              </a:solidFill>
+              <a:latin typeface="var(--font-stack-heading)"/>
+              <a:ea typeface="var(--font-stack-heading)"/>
+            </a:endParaRPr>
+          </a:p>
+          <a:p>
+            <a:pPr marL="0" indent="0" algn="l" fontAlgn="base">
+              <a:spcBef>
+                <a:spcPct val="0"/>
+              </a:spcBef>
+              <a:spcAft>
+                <a:spcPct val="0"/>
+              </a:spcAft>
+            </a:pPr>
+            <a:r>
+              <a:rPr lang="en-US" altLang="en-US" sz="1600" b="0" i="0">
+                <a:solidFill>
+                  <a:srgbClr val="303141"/>
+                </a:solidFill>
+                <a:latin typeface="var(--font-stack-heading)"/>
+                <a:ea typeface="var(--font-stack-heading)"/>
+              </a:rPr>
+              <a:t>25. What is Containers Runtime?</a:t>
+            </a:r>
+            <a:endParaRPr lang="en-US" altLang="en-US" sz="1600" b="0" i="0">
+              <a:solidFill>
+                <a:srgbClr val="303141"/>
+              </a:solidFill>
+              <a:latin typeface="var(--font-stack-heading)"/>
+              <a:ea typeface="var(--font-stack-heading)"/>
+            </a:endParaRPr>
+          </a:p>
+          <a:p>
+            <a:pPr marL="0" indent="0" algn="l" fontAlgn="base">
+              <a:spcBef>
+                <a:spcPct val="0"/>
+              </a:spcBef>
+              <a:spcAft>
+                <a:spcPct val="0"/>
+              </a:spcAft>
+            </a:pPr>
+            <a:r>
+              <a:rPr lang="en-US" altLang="en-US" sz="1600" b="0" i="0">
+                <a:solidFill>
+                  <a:srgbClr val="303141"/>
+                </a:solidFill>
+                <a:latin typeface="var(--font-stack-heading)"/>
+                <a:ea typeface="var(--font-stack-heading)"/>
+              </a:rPr>
+              <a:t>26. What is Application Runtime?</a:t>
+            </a:r>
+            <a:endParaRPr lang="en-US" altLang="en-US" sz="1600" b="0" i="0">
+              <a:solidFill>
+                <a:srgbClr val="303141"/>
+              </a:solidFill>
+              <a:latin typeface="var(--font-stack-heading)"/>
+              <a:ea typeface="var(--font-stack-heading)"/>
+            </a:endParaRPr>
+          </a:p>
+          <a:p>
+            <a:pPr marL="0" indent="0" algn="l" fontAlgn="base">
+              <a:spcBef>
+                <a:spcPct val="0"/>
+              </a:spcBef>
+              <a:spcAft>
+                <a:spcPct val="0"/>
+              </a:spcAft>
+            </a:pPr>
+            <a:r>
+              <a:rPr lang="en-US" altLang="en-US" sz="1600" b="0" i="0">
+                <a:solidFill>
+                  <a:srgbClr val="303141"/>
+                </a:solidFill>
+                <a:latin typeface="var(--font-stack-heading)"/>
+                <a:ea typeface="var(--font-stack-heading)"/>
+              </a:rPr>
+              <a:t>27. What is Cloud Native Application Runtime?</a:t>
+            </a:r>
+            <a:endParaRPr lang="en-US" altLang="en-US" sz="1600" b="0" i="0">
+              <a:solidFill>
+                <a:srgbClr val="303141"/>
+              </a:solidFill>
+              <a:latin typeface="var(--font-stack-heading)"/>
+              <a:ea typeface="var(--font-stack-heading)"/>
+            </a:endParaRPr>
+          </a:p>
+          <a:p>
+            <a:pPr marL="0" indent="0" algn="l" fontAlgn="base">
+              <a:spcBef>
+                <a:spcPct val="0"/>
+              </a:spcBef>
+              <a:spcAft>
+                <a:spcPct val="0"/>
+              </a:spcAft>
+            </a:pPr>
+            <a:r>
+              <a:rPr lang="en-US" altLang="en-US" sz="1600" b="0" i="0">
+                <a:solidFill>
+                  <a:srgbClr val="303141"/>
+                </a:solidFill>
+                <a:latin typeface="var(--font-stack-heading)"/>
+                <a:ea typeface="var(--font-stack-heading)"/>
+              </a:rPr>
+              <a:t>28. What You Learned In This Section</a:t>
+            </a:r>
+            <a:endParaRPr sz="1600" b="0" i="0">
+              <a:solidFill>
+                <a:srgbClr val="595C73"/>
+              </a:solidFill>
+              <a:latin typeface="var(--font-stack-text)"/>
+              <a:ea typeface="var(--font-stack-text)"/>
+            </a:endParaRPr>
+          </a:p>
+        </p:txBody>
+      </p:sp>
+      <p:sp>
+        <p:nvSpPr>
+          <p:cNvPr id="6" name="Text Box 5"/>
+          <p:cNvSpPr txBox="1"/>
+          <p:nvPr/>
+        </p:nvSpPr>
+        <p:spPr>
+          <a:xfrm>
+            <a:off x="3556000" y="14185264"/>
+            <a:ext cx="5080000" cy="583565"/>
+          </a:xfrm>
+          <a:prstGeom prst="rect">
+            <a:avLst/>
+          </a:prstGeom>
+        </p:spPr>
+        <p:txBody>
+          <a:bodyPr>
+            <a:spAutoFit/>
+          </a:bodyPr>
+          <a:p>
+            <a:endParaRPr sz="1600"/>
+          </a:p>
+          <a:p>
+            <a:endParaRPr sz="1600"/>
+          </a:p>
+        </p:txBody>
+      </p:sp>
+      <p:sp>
+        <p:nvSpPr>
+          <p:cNvPr id="7" name="Text Box 6"/>
+          <p:cNvSpPr txBox="1"/>
+          <p:nvPr/>
+        </p:nvSpPr>
+        <p:spPr>
+          <a:xfrm>
+            <a:off x="7945755" y="461645"/>
+            <a:ext cx="5019040" cy="10678795"/>
+          </a:xfrm>
+          <a:prstGeom prst="rect">
+            <a:avLst/>
+          </a:prstGeom>
+          <a:noFill/>
+        </p:spPr>
+        <p:txBody>
+          <a:bodyPr wrap="square" rtlCol="0" anchor="t">
+            <a:spAutoFit/>
+          </a:bodyPr>
+          <a:p>
+            <a:pPr marL="0" indent="0" algn="l" fontAlgn="base">
+              <a:spcBef>
+                <a:spcPct val="0"/>
+              </a:spcBef>
+              <a:spcAft>
+                <a:spcPct val="0"/>
+              </a:spcAft>
+            </a:pPr>
+            <a:r>
+              <a:rPr sz="1600">
+                <a:solidFill>
+                  <a:srgbClr val="303141"/>
+                </a:solidFill>
+                <a:latin typeface="var(--font-stack-heading)"/>
+                <a:ea typeface="var(--font-stack-heading)"/>
+                <a:sym typeface="+mn-ea"/>
+              </a:rPr>
+              <a:t>Section 6: Business Challenges</a:t>
+            </a:r>
+            <a:endParaRPr sz="1600">
+              <a:solidFill>
+                <a:srgbClr val="303141"/>
+              </a:solidFill>
+              <a:latin typeface="var(--font-stack-heading)"/>
+              <a:ea typeface="var(--font-stack-heading)"/>
+              <a:sym typeface="+mn-ea"/>
+            </a:endParaRPr>
+          </a:p>
+          <a:p>
+            <a:pPr marL="0" indent="0" algn="l" fontAlgn="base">
+              <a:spcBef>
+                <a:spcPct val="0"/>
+              </a:spcBef>
+              <a:spcAft>
+                <a:spcPct val="0"/>
+              </a:spcAft>
+            </a:pPr>
+            <a:r>
+              <a:rPr lang="en-US" altLang="en-US" sz="1600" b="0" i="0">
+                <a:solidFill>
+                  <a:srgbClr val="303141"/>
+                </a:solidFill>
+                <a:latin typeface="var(--font-stack-heading)"/>
+                <a:ea typeface="var(--font-stack-heading)"/>
+                <a:sym typeface="+mn-ea"/>
+              </a:rPr>
+              <a:t>Play</a:t>
+            </a:r>
+            <a:endParaRPr lang="en-US" altLang="en-US" sz="1600" b="0" i="0">
+              <a:solidFill>
+                <a:srgbClr val="303141"/>
+              </a:solidFill>
+              <a:latin typeface="var(--font-stack-heading)"/>
+              <a:ea typeface="var(--font-stack-heading)"/>
+              <a:sym typeface="+mn-ea"/>
+            </a:endParaRPr>
+          </a:p>
+          <a:p>
+            <a:pPr marL="0" indent="0" algn="l" fontAlgn="base">
+              <a:spcBef>
+                <a:spcPct val="0"/>
+              </a:spcBef>
+              <a:spcAft>
+                <a:spcPct val="0"/>
+              </a:spcAft>
+            </a:pPr>
+            <a:r>
+              <a:rPr lang="en-US" altLang="en-US" sz="1600" b="0" i="0">
+                <a:solidFill>
+                  <a:srgbClr val="303141"/>
+                </a:solidFill>
+                <a:latin typeface="var(--font-stack-heading)"/>
+                <a:ea typeface="var(--font-stack-heading)"/>
+                <a:sym typeface="+mn-ea"/>
+              </a:rPr>
+              <a:t>43. 10 Business Expectations From IT - 1</a:t>
+            </a:r>
+            <a:endParaRPr lang="en-US" altLang="en-US" sz="1600" b="0" i="0">
+              <a:solidFill>
+                <a:srgbClr val="303141"/>
+              </a:solidFill>
+              <a:latin typeface="var(--font-stack-heading)"/>
+              <a:ea typeface="var(--font-stack-heading)"/>
+              <a:sym typeface="+mn-ea"/>
+            </a:endParaRPr>
+          </a:p>
+          <a:p>
+            <a:pPr marL="0" indent="0" algn="l" fontAlgn="base">
+              <a:spcBef>
+                <a:spcPct val="0"/>
+              </a:spcBef>
+              <a:spcAft>
+                <a:spcPct val="0"/>
+              </a:spcAft>
+            </a:pPr>
+            <a:r>
+              <a:rPr lang="en-US" altLang="en-US" sz="1600" b="0" i="0">
+                <a:solidFill>
+                  <a:srgbClr val="303141"/>
+                </a:solidFill>
+                <a:latin typeface="var(--font-stack-heading)"/>
+                <a:ea typeface="var(--font-stack-heading)"/>
+                <a:sym typeface="+mn-ea"/>
+              </a:rPr>
+              <a:t>7min</a:t>
+            </a:r>
+            <a:endParaRPr lang="en-US" altLang="en-US" sz="1600" b="0" i="0">
+              <a:solidFill>
+                <a:srgbClr val="303141"/>
+              </a:solidFill>
+              <a:latin typeface="var(--font-stack-heading)"/>
+              <a:ea typeface="var(--font-stack-heading)"/>
+              <a:sym typeface="+mn-ea"/>
+            </a:endParaRPr>
+          </a:p>
+          <a:p>
+            <a:pPr marL="0" indent="0" algn="l" fontAlgn="base">
+              <a:spcBef>
+                <a:spcPct val="0"/>
+              </a:spcBef>
+              <a:spcAft>
+                <a:spcPct val="0"/>
+              </a:spcAft>
+            </a:pPr>
+            <a:r>
+              <a:rPr lang="en-US" altLang="en-US" sz="1600" b="0" i="0">
+                <a:solidFill>
+                  <a:srgbClr val="303141"/>
+                </a:solidFill>
+                <a:latin typeface="var(--font-stack-heading)"/>
+                <a:ea typeface="var(--font-stack-heading)"/>
+                <a:sym typeface="+mn-ea"/>
+              </a:rPr>
+              <a:t>Play</a:t>
+            </a:r>
+            <a:endParaRPr lang="en-US" altLang="en-US" sz="1600" b="0" i="0">
+              <a:solidFill>
+                <a:srgbClr val="303141"/>
+              </a:solidFill>
+              <a:latin typeface="var(--font-stack-heading)"/>
+              <a:ea typeface="var(--font-stack-heading)"/>
+              <a:sym typeface="+mn-ea"/>
+            </a:endParaRPr>
+          </a:p>
+          <a:p>
+            <a:pPr marL="0" indent="0" algn="l" fontAlgn="base">
+              <a:spcBef>
+                <a:spcPct val="0"/>
+              </a:spcBef>
+              <a:spcAft>
+                <a:spcPct val="0"/>
+              </a:spcAft>
+            </a:pPr>
+            <a:r>
+              <a:rPr lang="en-US" altLang="en-US" sz="1600" b="0" i="0">
+                <a:solidFill>
+                  <a:srgbClr val="303141"/>
+                </a:solidFill>
+                <a:latin typeface="var(--font-stack-heading)"/>
+                <a:ea typeface="var(--font-stack-heading)"/>
+                <a:sym typeface="+mn-ea"/>
+              </a:rPr>
+              <a:t>44. 10 Business Expectations From IT - 2</a:t>
+            </a:r>
+            <a:endParaRPr lang="en-US" altLang="en-US" sz="1600" b="0" i="0">
+              <a:solidFill>
+                <a:srgbClr val="303141"/>
+              </a:solidFill>
+              <a:latin typeface="var(--font-stack-heading)"/>
+              <a:ea typeface="var(--font-stack-heading)"/>
+              <a:sym typeface="+mn-ea"/>
+            </a:endParaRPr>
+          </a:p>
+          <a:p>
+            <a:pPr marL="0" indent="0" algn="l" fontAlgn="base">
+              <a:spcBef>
+                <a:spcPct val="0"/>
+              </a:spcBef>
+              <a:spcAft>
+                <a:spcPct val="0"/>
+              </a:spcAft>
+            </a:pPr>
+            <a:r>
+              <a:rPr lang="en-US" altLang="en-US" sz="1600" b="0" i="0">
+                <a:solidFill>
+                  <a:srgbClr val="303141"/>
+                </a:solidFill>
+                <a:latin typeface="var(--font-stack-heading)"/>
+                <a:ea typeface="var(--font-stack-heading)"/>
+                <a:sym typeface="+mn-ea"/>
+              </a:rPr>
+              <a:t>9min</a:t>
+            </a:r>
+            <a:endParaRPr lang="en-US" altLang="en-US" sz="1600" b="0" i="0">
+              <a:solidFill>
+                <a:srgbClr val="303141"/>
+              </a:solidFill>
+              <a:latin typeface="var(--font-stack-heading)"/>
+              <a:ea typeface="var(--font-stack-heading)"/>
+              <a:sym typeface="+mn-ea"/>
+            </a:endParaRPr>
+          </a:p>
+          <a:p>
+            <a:pPr marL="0" indent="0" algn="l" fontAlgn="base">
+              <a:spcBef>
+                <a:spcPct val="0"/>
+              </a:spcBef>
+              <a:spcAft>
+                <a:spcPct val="0"/>
+              </a:spcAft>
+            </a:pPr>
+            <a:r>
+              <a:rPr lang="en-US" altLang="en-US" sz="1600" b="0" i="0">
+                <a:solidFill>
+                  <a:srgbClr val="303141"/>
+                </a:solidFill>
+                <a:latin typeface="var(--font-stack-heading)"/>
+                <a:ea typeface="var(--font-stack-heading)"/>
+                <a:sym typeface="+mn-ea"/>
+              </a:rPr>
+              <a:t>Play</a:t>
+            </a:r>
+            <a:endParaRPr lang="en-US" altLang="en-US" sz="1600" b="0" i="0">
+              <a:solidFill>
+                <a:srgbClr val="303141"/>
+              </a:solidFill>
+              <a:latin typeface="var(--font-stack-heading)"/>
+              <a:ea typeface="var(--font-stack-heading)"/>
+              <a:sym typeface="+mn-ea"/>
+            </a:endParaRPr>
+          </a:p>
+          <a:p>
+            <a:pPr marL="0" indent="0" algn="l" fontAlgn="base">
+              <a:spcBef>
+                <a:spcPct val="0"/>
+              </a:spcBef>
+              <a:spcAft>
+                <a:spcPct val="0"/>
+              </a:spcAft>
+            </a:pPr>
+            <a:r>
+              <a:rPr lang="en-US" altLang="en-US" sz="1600" b="0" i="0">
+                <a:solidFill>
+                  <a:srgbClr val="303141"/>
+                </a:solidFill>
+                <a:latin typeface="var(--font-stack-heading)"/>
+                <a:ea typeface="var(--font-stack-heading)"/>
+                <a:sym typeface="+mn-ea"/>
+              </a:rPr>
+              <a:t>45. 10 Business Expectations From IT - 3</a:t>
+            </a:r>
+            <a:endParaRPr lang="en-US" altLang="en-US" sz="1600" b="0" i="0">
+              <a:solidFill>
+                <a:srgbClr val="303141"/>
+              </a:solidFill>
+              <a:latin typeface="var(--font-stack-heading)"/>
+              <a:ea typeface="var(--font-stack-heading)"/>
+              <a:sym typeface="+mn-ea"/>
+            </a:endParaRPr>
+          </a:p>
+          <a:p>
+            <a:pPr marL="0" indent="0" algn="l" fontAlgn="base">
+              <a:spcBef>
+                <a:spcPct val="0"/>
+              </a:spcBef>
+              <a:spcAft>
+                <a:spcPct val="0"/>
+              </a:spcAft>
+            </a:pPr>
+            <a:r>
+              <a:rPr lang="en-US" altLang="en-US" sz="1600" b="0" i="0">
+                <a:solidFill>
+                  <a:srgbClr val="303141"/>
+                </a:solidFill>
+                <a:latin typeface="var(--font-stack-heading)"/>
+                <a:ea typeface="var(--font-stack-heading)"/>
+                <a:sym typeface="+mn-ea"/>
+              </a:rPr>
+              <a:t>9min</a:t>
+            </a:r>
+            <a:endParaRPr lang="en-US" altLang="en-US" sz="1600" b="0" i="0">
+              <a:solidFill>
+                <a:srgbClr val="303141"/>
+              </a:solidFill>
+              <a:latin typeface="var(--font-stack-heading)"/>
+              <a:ea typeface="var(--font-stack-heading)"/>
+              <a:sym typeface="+mn-ea"/>
+            </a:endParaRPr>
+          </a:p>
+          <a:p>
+            <a:pPr marL="0" indent="0" algn="l" fontAlgn="base">
+              <a:spcBef>
+                <a:spcPct val="0"/>
+              </a:spcBef>
+              <a:spcAft>
+                <a:spcPct val="0"/>
+              </a:spcAft>
+            </a:pPr>
+            <a:r>
+              <a:rPr lang="en-US" altLang="en-US" sz="1600" b="0" i="0">
+                <a:solidFill>
+                  <a:srgbClr val="303141"/>
+                </a:solidFill>
+                <a:latin typeface="var(--font-stack-heading)"/>
+                <a:ea typeface="var(--font-stack-heading)"/>
+                <a:sym typeface="+mn-ea"/>
+              </a:rPr>
+              <a:t>Play</a:t>
+            </a:r>
+            <a:endParaRPr lang="en-US" altLang="en-US" sz="1600" b="0" i="0">
+              <a:solidFill>
+                <a:srgbClr val="303141"/>
+              </a:solidFill>
+              <a:latin typeface="var(--font-stack-heading)"/>
+              <a:ea typeface="var(--font-stack-heading)"/>
+              <a:sym typeface="+mn-ea"/>
+            </a:endParaRPr>
+          </a:p>
+          <a:p>
+            <a:pPr marL="0" indent="0" algn="l" fontAlgn="base">
+              <a:spcBef>
+                <a:spcPct val="0"/>
+              </a:spcBef>
+              <a:spcAft>
+                <a:spcPct val="0"/>
+              </a:spcAft>
+            </a:pPr>
+            <a:r>
+              <a:rPr lang="en-US" altLang="en-US" sz="1600" b="0" i="0">
+                <a:solidFill>
+                  <a:srgbClr val="303141"/>
+                </a:solidFill>
+                <a:latin typeface="var(--font-stack-heading)"/>
+                <a:ea typeface="var(--font-stack-heading)"/>
+                <a:sym typeface="+mn-ea"/>
+              </a:rPr>
+              <a:t>46. How Traditional IT Landscape Operates Today</a:t>
+            </a:r>
+            <a:endParaRPr lang="en-US" altLang="en-US" sz="1600" b="0" i="0">
+              <a:solidFill>
+                <a:srgbClr val="303141"/>
+              </a:solidFill>
+              <a:latin typeface="var(--font-stack-heading)"/>
+              <a:ea typeface="var(--font-stack-heading)"/>
+              <a:sym typeface="+mn-ea"/>
+            </a:endParaRPr>
+          </a:p>
+          <a:p>
+            <a:pPr marL="0" indent="0" algn="l" fontAlgn="base">
+              <a:spcBef>
+                <a:spcPct val="0"/>
+              </a:spcBef>
+              <a:spcAft>
+                <a:spcPct val="0"/>
+              </a:spcAft>
+            </a:pPr>
+            <a:r>
+              <a:rPr lang="en-US" altLang="en-US" sz="1600" b="0" i="0">
+                <a:solidFill>
+                  <a:srgbClr val="303141"/>
+                </a:solidFill>
+                <a:latin typeface="var(--font-stack-heading)"/>
+                <a:ea typeface="var(--font-stack-heading)"/>
+                <a:sym typeface="+mn-ea"/>
+              </a:rPr>
+              <a:t>4min</a:t>
+            </a:r>
+            <a:endParaRPr lang="en-US" altLang="en-US" sz="1600" b="0" i="0">
+              <a:solidFill>
+                <a:srgbClr val="303141"/>
+              </a:solidFill>
+              <a:latin typeface="var(--font-stack-heading)"/>
+              <a:ea typeface="var(--font-stack-heading)"/>
+              <a:sym typeface="+mn-ea"/>
+            </a:endParaRPr>
+          </a:p>
+          <a:p>
+            <a:pPr marL="0" indent="0" algn="l" fontAlgn="base">
+              <a:spcBef>
+                <a:spcPct val="0"/>
+              </a:spcBef>
+              <a:spcAft>
+                <a:spcPct val="0"/>
+              </a:spcAft>
+            </a:pPr>
+            <a:r>
+              <a:rPr lang="en-US" altLang="en-US" sz="1600" b="0" i="0">
+                <a:solidFill>
+                  <a:srgbClr val="303141"/>
+                </a:solidFill>
+                <a:latin typeface="var(--font-stack-heading)"/>
+                <a:ea typeface="var(--font-stack-heading)"/>
+                <a:sym typeface="+mn-ea"/>
+              </a:rPr>
+              <a:t>Play</a:t>
+            </a:r>
+            <a:endParaRPr lang="en-US" altLang="en-US" sz="1600" b="0" i="0">
+              <a:solidFill>
+                <a:srgbClr val="303141"/>
+              </a:solidFill>
+              <a:latin typeface="var(--font-stack-heading)"/>
+              <a:ea typeface="var(--font-stack-heading)"/>
+              <a:sym typeface="+mn-ea"/>
+            </a:endParaRPr>
+          </a:p>
+          <a:p>
+            <a:pPr marL="0" indent="0" algn="l" fontAlgn="base">
+              <a:spcBef>
+                <a:spcPct val="0"/>
+              </a:spcBef>
+              <a:spcAft>
+                <a:spcPct val="0"/>
+              </a:spcAft>
+            </a:pPr>
+            <a:r>
+              <a:rPr lang="en-US" altLang="en-US" sz="1600" b="0" i="0">
+                <a:solidFill>
+                  <a:srgbClr val="303141"/>
+                </a:solidFill>
+                <a:latin typeface="var(--font-stack-heading)"/>
+                <a:ea typeface="var(--font-stack-heading)"/>
+                <a:sym typeface="+mn-ea"/>
+              </a:rPr>
+              <a:t>47. First Cloud Computing Footprint</a:t>
+            </a:r>
+            <a:endParaRPr lang="en-US" altLang="en-US" sz="1600" b="0" i="0">
+              <a:solidFill>
+                <a:srgbClr val="303141"/>
+              </a:solidFill>
+              <a:latin typeface="var(--font-stack-heading)"/>
+              <a:ea typeface="var(--font-stack-heading)"/>
+              <a:sym typeface="+mn-ea"/>
+            </a:endParaRPr>
+          </a:p>
+          <a:p>
+            <a:pPr marL="0" indent="0" algn="l" fontAlgn="base">
+              <a:spcBef>
+                <a:spcPct val="0"/>
+              </a:spcBef>
+              <a:spcAft>
+                <a:spcPct val="0"/>
+              </a:spcAft>
+            </a:pPr>
+            <a:r>
+              <a:rPr lang="en-US" altLang="en-US" sz="1600" b="0" i="0">
+                <a:solidFill>
+                  <a:srgbClr val="303141"/>
+                </a:solidFill>
+                <a:latin typeface="var(--font-stack-heading)"/>
+                <a:ea typeface="var(--font-stack-heading)"/>
+                <a:sym typeface="+mn-ea"/>
+              </a:rPr>
+              <a:t>2min</a:t>
+            </a:r>
+            <a:endParaRPr lang="en-US" altLang="en-US" sz="1600" b="0" i="0">
+              <a:solidFill>
+                <a:srgbClr val="303141"/>
+              </a:solidFill>
+              <a:latin typeface="var(--font-stack-heading)"/>
+              <a:ea typeface="var(--font-stack-heading)"/>
+              <a:sym typeface="+mn-ea"/>
+            </a:endParaRPr>
+          </a:p>
+          <a:p>
+            <a:pPr marL="0" indent="0" algn="l" fontAlgn="base">
+              <a:spcBef>
+                <a:spcPct val="0"/>
+              </a:spcBef>
+              <a:spcAft>
+                <a:spcPct val="0"/>
+              </a:spcAft>
+            </a:pPr>
+            <a:r>
+              <a:rPr lang="en-US" altLang="en-US" sz="1600" b="0" i="0">
+                <a:solidFill>
+                  <a:srgbClr val="303141"/>
+                </a:solidFill>
+                <a:latin typeface="var(--font-stack-heading)"/>
+                <a:ea typeface="var(--font-stack-heading)"/>
+                <a:sym typeface="+mn-ea"/>
+              </a:rPr>
+              <a:t>Play</a:t>
+            </a:r>
+            <a:endParaRPr lang="en-US" altLang="en-US" sz="1600" b="0" i="0">
+              <a:solidFill>
+                <a:srgbClr val="303141"/>
+              </a:solidFill>
+              <a:latin typeface="var(--font-stack-heading)"/>
+              <a:ea typeface="var(--font-stack-heading)"/>
+              <a:sym typeface="+mn-ea"/>
+            </a:endParaRPr>
+          </a:p>
+          <a:p>
+            <a:pPr marL="0" indent="0" algn="l" fontAlgn="base">
+              <a:spcBef>
+                <a:spcPct val="0"/>
+              </a:spcBef>
+              <a:spcAft>
+                <a:spcPct val="0"/>
+              </a:spcAft>
+            </a:pPr>
+            <a:r>
+              <a:rPr lang="en-US" altLang="en-US" sz="1600" b="0" i="0">
+                <a:solidFill>
+                  <a:srgbClr val="303141"/>
+                </a:solidFill>
+                <a:latin typeface="var(--font-stack-heading)"/>
+                <a:ea typeface="var(--font-stack-heading)"/>
+                <a:sym typeface="+mn-ea"/>
+              </a:rPr>
+              <a:t>48. How Cloud Computing Helps To Solve Business Challenges</a:t>
+            </a:r>
+            <a:endParaRPr lang="en-US" altLang="en-US" sz="1600" b="0" i="0">
+              <a:solidFill>
+                <a:srgbClr val="303141"/>
+              </a:solidFill>
+              <a:latin typeface="var(--font-stack-heading)"/>
+              <a:ea typeface="var(--font-stack-heading)"/>
+              <a:sym typeface="+mn-ea"/>
+            </a:endParaRPr>
+          </a:p>
+          <a:p>
+            <a:pPr marL="0" indent="0" algn="l" fontAlgn="base">
+              <a:spcBef>
+                <a:spcPct val="0"/>
+              </a:spcBef>
+              <a:spcAft>
+                <a:spcPct val="0"/>
+              </a:spcAft>
+            </a:pPr>
+            <a:r>
+              <a:rPr lang="en-US" altLang="en-US" sz="1600" b="0" i="0">
+                <a:solidFill>
+                  <a:srgbClr val="303141"/>
+                </a:solidFill>
+                <a:latin typeface="var(--font-stack-heading)"/>
+                <a:ea typeface="var(--font-stack-heading)"/>
+                <a:sym typeface="+mn-ea"/>
+              </a:rPr>
+              <a:t>3min</a:t>
+            </a:r>
+            <a:endParaRPr lang="en-US" altLang="en-US" sz="1600" b="0" i="0">
+              <a:solidFill>
+                <a:srgbClr val="303141"/>
+              </a:solidFill>
+              <a:latin typeface="var(--font-stack-heading)"/>
+              <a:ea typeface="var(--font-stack-heading)"/>
+              <a:sym typeface="+mn-ea"/>
+            </a:endParaRPr>
+          </a:p>
+          <a:p>
+            <a:pPr marL="0" indent="0" algn="l" fontAlgn="base">
+              <a:spcBef>
+                <a:spcPct val="0"/>
+              </a:spcBef>
+              <a:spcAft>
+                <a:spcPct val="0"/>
+              </a:spcAft>
+            </a:pPr>
+            <a:r>
+              <a:rPr lang="en-US" altLang="en-US" sz="1600" b="0" i="0">
+                <a:solidFill>
+                  <a:srgbClr val="303141"/>
+                </a:solidFill>
+                <a:latin typeface="var(--font-stack-heading)"/>
+                <a:ea typeface="var(--font-stack-heading)"/>
+                <a:sym typeface="+mn-ea"/>
+              </a:rPr>
+              <a:t>Play</a:t>
+            </a:r>
+            <a:endParaRPr lang="en-US" altLang="en-US" sz="1600" b="0" i="0">
+              <a:solidFill>
+                <a:srgbClr val="303141"/>
+              </a:solidFill>
+              <a:latin typeface="var(--font-stack-heading)"/>
+              <a:ea typeface="var(--font-stack-heading)"/>
+              <a:sym typeface="+mn-ea"/>
+            </a:endParaRPr>
+          </a:p>
+          <a:p>
+            <a:pPr marL="0" indent="0" algn="l" fontAlgn="base">
+              <a:spcBef>
+                <a:spcPct val="0"/>
+              </a:spcBef>
+              <a:spcAft>
+                <a:spcPct val="0"/>
+              </a:spcAft>
+            </a:pPr>
+            <a:r>
+              <a:rPr lang="en-US" altLang="en-US" sz="1600" b="0" i="0">
+                <a:solidFill>
+                  <a:srgbClr val="303141"/>
+                </a:solidFill>
+                <a:latin typeface="var(--font-stack-heading)"/>
+                <a:ea typeface="var(--font-stack-heading)"/>
+                <a:sym typeface="+mn-ea"/>
+              </a:rPr>
+              <a:t>49. Economics of Cloud Computing</a:t>
+            </a:r>
+            <a:endParaRPr lang="en-US" altLang="en-US" sz="1600" b="0" i="0">
+              <a:solidFill>
+                <a:srgbClr val="303141"/>
+              </a:solidFill>
+              <a:latin typeface="var(--font-stack-heading)"/>
+              <a:ea typeface="var(--font-stack-heading)"/>
+              <a:sym typeface="+mn-ea"/>
+            </a:endParaRPr>
+          </a:p>
+          <a:p>
+            <a:pPr marL="0" indent="0" algn="l" fontAlgn="base">
+              <a:spcBef>
+                <a:spcPct val="0"/>
+              </a:spcBef>
+              <a:spcAft>
+                <a:spcPct val="0"/>
+              </a:spcAft>
+            </a:pPr>
+            <a:endParaRPr sz="1600" b="0" i="0">
+              <a:solidFill>
+                <a:srgbClr val="303141"/>
+              </a:solidFill>
+              <a:latin typeface="var(--font-stack-heading)"/>
+              <a:ea typeface="var(--font-stack-heading)"/>
+            </a:endParaRPr>
+          </a:p>
+          <a:p>
+            <a:pPr marL="0" indent="0" algn="l" fontAlgn="base">
+              <a:spcBef>
+                <a:spcPct val="0"/>
+              </a:spcBef>
+              <a:spcAft>
+                <a:spcPct val="0"/>
+              </a:spcAft>
+            </a:pPr>
+            <a:r>
+              <a:rPr sz="1600">
+                <a:solidFill>
+                  <a:srgbClr val="303141"/>
+                </a:solidFill>
+                <a:latin typeface="var(--font-stack-heading)"/>
+                <a:ea typeface="var(--font-stack-heading)"/>
+                <a:sym typeface="+mn-ea"/>
+              </a:rPr>
+              <a:t>Section 7: Digital Transformation for Business</a:t>
+            </a:r>
+            <a:endParaRPr sz="1600" b="0" i="0">
+              <a:solidFill>
+                <a:srgbClr val="303141"/>
+              </a:solidFill>
+              <a:latin typeface="var(--font-stack-heading)"/>
+              <a:ea typeface="var(--font-stack-heading)"/>
+            </a:endParaRPr>
+          </a:p>
+          <a:p>
+            <a:pPr marL="0" indent="0" algn="l" fontAlgn="base">
+              <a:spcBef>
+                <a:spcPct val="0"/>
+              </a:spcBef>
+              <a:spcAft>
+                <a:spcPct val="0"/>
+              </a:spcAft>
+            </a:pPr>
+            <a:r>
+              <a:rPr sz="1600">
+                <a:solidFill>
+                  <a:srgbClr val="303141"/>
+                </a:solidFill>
+                <a:latin typeface="var(--font-stack-heading)"/>
+                <a:ea typeface="var(--font-stack-heading)"/>
+                <a:sym typeface="+mn-ea"/>
+              </a:rPr>
+              <a:t>Section 8: Characteristic of Cloud Computing</a:t>
+            </a:r>
+            <a:endParaRPr sz="1600" b="0" i="0">
+              <a:solidFill>
+                <a:srgbClr val="303141"/>
+              </a:solidFill>
+              <a:latin typeface="var(--font-stack-heading)"/>
+              <a:ea typeface="var(--font-stack-heading)"/>
+            </a:endParaRPr>
+          </a:p>
+          <a:p>
+            <a:pPr marL="0" indent="0" algn="l" fontAlgn="base">
+              <a:spcBef>
+                <a:spcPct val="0"/>
+              </a:spcBef>
+              <a:spcAft>
+                <a:spcPct val="0"/>
+              </a:spcAft>
+            </a:pPr>
+            <a:r>
+              <a:rPr sz="1600">
+                <a:solidFill>
+                  <a:srgbClr val="303141"/>
+                </a:solidFill>
+                <a:latin typeface="var(--font-stack-heading)"/>
+                <a:ea typeface="var(--font-stack-heading)"/>
+                <a:sym typeface="+mn-ea"/>
+              </a:rPr>
+              <a:t>Section 9: Cloud Service Models</a:t>
+            </a:r>
+            <a:endParaRPr sz="1600" b="0" i="0">
+              <a:solidFill>
+                <a:srgbClr val="303141"/>
+              </a:solidFill>
+              <a:latin typeface="var(--font-stack-heading)"/>
+              <a:ea typeface="var(--font-stack-heading)"/>
+            </a:endParaRPr>
+          </a:p>
+          <a:p>
+            <a:pPr marL="0" indent="0" algn="l" fontAlgn="base">
+              <a:spcBef>
+                <a:spcPct val="0"/>
+              </a:spcBef>
+              <a:spcAft>
+                <a:spcPct val="0"/>
+              </a:spcAft>
+            </a:pPr>
+            <a:r>
+              <a:rPr sz="1600">
+                <a:solidFill>
+                  <a:srgbClr val="303141"/>
+                </a:solidFill>
+                <a:latin typeface="var(--font-stack-heading)"/>
+                <a:ea typeface="var(--font-stack-heading)"/>
+                <a:sym typeface="+mn-ea"/>
+              </a:rPr>
+              <a:t>Section 10: Cloud Deployment Options</a:t>
+            </a:r>
+            <a:endParaRPr sz="1600" b="0" i="0">
+              <a:solidFill>
+                <a:srgbClr val="303141"/>
+              </a:solidFill>
+              <a:latin typeface="var(--font-stack-heading)"/>
+              <a:ea typeface="var(--font-stack-heading)"/>
+            </a:endParaRPr>
+          </a:p>
+          <a:p>
+            <a:pPr marL="0" indent="0" algn="l" fontAlgn="base">
+              <a:spcBef>
+                <a:spcPct val="0"/>
+              </a:spcBef>
+              <a:spcAft>
+                <a:spcPct val="0"/>
+              </a:spcAft>
+            </a:pPr>
+            <a:r>
+              <a:rPr sz="1600">
+                <a:solidFill>
+                  <a:srgbClr val="303141"/>
+                </a:solidFill>
+                <a:latin typeface="var(--font-stack-heading)"/>
+                <a:ea typeface="var(--font-stack-heading)"/>
+                <a:sym typeface="+mn-ea"/>
+              </a:rPr>
+              <a:t>Section 11: Virtualization and Containerization in Cloud Computing</a:t>
+            </a:r>
+            <a:endParaRPr sz="1600" b="0" i="0">
+              <a:solidFill>
+                <a:srgbClr val="303141"/>
+              </a:solidFill>
+              <a:latin typeface="var(--font-stack-heading)"/>
+              <a:ea typeface="var(--font-stack-heading)"/>
+            </a:endParaRPr>
+          </a:p>
+          <a:p>
+            <a:pPr marL="0" indent="0" algn="l" fontAlgn="base">
+              <a:spcBef>
+                <a:spcPct val="0"/>
+              </a:spcBef>
+              <a:spcAft>
+                <a:spcPct val="0"/>
+              </a:spcAft>
+            </a:pPr>
+            <a:r>
+              <a:rPr sz="1600">
+                <a:solidFill>
+                  <a:srgbClr val="303141"/>
+                </a:solidFill>
+                <a:latin typeface="var(--font-stack-heading)"/>
+                <a:ea typeface="var(--font-stack-heading)"/>
+                <a:sym typeface="+mn-ea"/>
+              </a:rPr>
+              <a:t>Section 12: IT Infrastructure Models</a:t>
+            </a:r>
+            <a:endParaRPr sz="1600" b="0" i="0">
+              <a:solidFill>
+                <a:srgbClr val="303141"/>
+              </a:solidFill>
+              <a:latin typeface="var(--font-stack-heading)"/>
+              <a:ea typeface="var(--font-stack-heading)"/>
+            </a:endParaRPr>
+          </a:p>
+          <a:p>
+            <a:pPr marL="0" indent="0" algn="l" fontAlgn="base">
+              <a:spcBef>
+                <a:spcPct val="0"/>
+              </a:spcBef>
+              <a:spcAft>
+                <a:spcPct val="0"/>
+              </a:spcAft>
+            </a:pPr>
+            <a:r>
+              <a:rPr sz="1600">
+                <a:solidFill>
+                  <a:srgbClr val="303141"/>
+                </a:solidFill>
+                <a:latin typeface="var(--font-stack-heading)"/>
+                <a:ea typeface="var(--font-stack-heading)"/>
+                <a:sym typeface="+mn-ea"/>
+              </a:rPr>
+              <a:t>Section 13: Cloud Infrastructure Walkthrough</a:t>
+            </a:r>
+            <a:endParaRPr sz="1600" b="0" i="0">
+              <a:solidFill>
+                <a:srgbClr val="303141"/>
+              </a:solidFill>
+              <a:latin typeface="var(--font-stack-heading)"/>
+              <a:ea typeface="var(--font-stack-heading)"/>
+            </a:endParaRPr>
+          </a:p>
+          <a:p>
+            <a:pPr marL="0" indent="0" algn="l" fontAlgn="base">
+              <a:spcBef>
+                <a:spcPct val="0"/>
+              </a:spcBef>
+              <a:spcAft>
+                <a:spcPct val="0"/>
+              </a:spcAft>
+            </a:pPr>
+            <a:r>
+              <a:rPr sz="1600">
+                <a:solidFill>
+                  <a:srgbClr val="303141"/>
+                </a:solidFill>
+                <a:latin typeface="var(--font-stack-heading)"/>
+                <a:ea typeface="var(--font-stack-heading)"/>
+                <a:sym typeface="+mn-ea"/>
+              </a:rPr>
+              <a:t>Section 14: Cloud Storage</a:t>
+            </a:r>
+            <a:endParaRPr sz="1600" b="0" i="0">
+              <a:solidFill>
+                <a:srgbClr val="303141"/>
+              </a:solidFill>
+              <a:latin typeface="var(--font-stack-heading)"/>
+              <a:ea typeface="var(--font-stack-heading)"/>
+            </a:endParaRPr>
+          </a:p>
+          <a:p>
+            <a:pPr marL="0" indent="0" algn="l" fontAlgn="base">
+              <a:spcBef>
+                <a:spcPct val="0"/>
+              </a:spcBef>
+              <a:spcAft>
+                <a:spcPct val="0"/>
+              </a:spcAft>
+            </a:pPr>
+            <a:r>
+              <a:rPr sz="1600">
+                <a:solidFill>
+                  <a:srgbClr val="303141"/>
+                </a:solidFill>
+                <a:latin typeface="var(--font-stack-heading)"/>
+                <a:ea typeface="var(--font-stack-heading)"/>
+                <a:sym typeface="+mn-ea"/>
+              </a:rPr>
+              <a:t>Section 15: Cloud Networking</a:t>
+            </a:r>
+            <a:endParaRPr sz="1600" b="0" i="0">
+              <a:solidFill>
+                <a:srgbClr val="303141"/>
+              </a:solidFill>
+              <a:latin typeface="var(--font-stack-heading)"/>
+              <a:ea typeface="var(--font-stack-heading)"/>
+            </a:endParaRPr>
+          </a:p>
+          <a:p>
+            <a:pPr marL="0" indent="0" algn="l" fontAlgn="base">
+              <a:spcBef>
+                <a:spcPct val="0"/>
+              </a:spcBef>
+              <a:spcAft>
+                <a:spcPct val="0"/>
+              </a:spcAft>
+            </a:pPr>
+            <a:r>
+              <a:rPr sz="1600">
+                <a:solidFill>
+                  <a:srgbClr val="303141"/>
+                </a:solidFill>
+                <a:latin typeface="var(--font-stack-heading)"/>
+                <a:ea typeface="var(--font-stack-heading)"/>
+                <a:sym typeface="+mn-ea"/>
+              </a:rPr>
+              <a:t>Section 16: Serverless Architecture</a:t>
+            </a:r>
+            <a:endParaRPr sz="1600" b="0" i="0">
+              <a:solidFill>
+                <a:srgbClr val="303141"/>
+              </a:solidFill>
+              <a:latin typeface="var(--font-stack-heading)"/>
+              <a:ea typeface="var(--font-stack-heading)"/>
+            </a:endParaRPr>
+          </a:p>
+          <a:p>
+            <a:pPr marL="0" indent="0" algn="l" fontAlgn="base">
+              <a:spcBef>
+                <a:spcPct val="0"/>
+              </a:spcBef>
+              <a:spcAft>
+                <a:spcPct val="0"/>
+              </a:spcAft>
+            </a:pPr>
+            <a:r>
+              <a:rPr sz="1600">
+                <a:solidFill>
+                  <a:srgbClr val="303141"/>
+                </a:solidFill>
+                <a:latin typeface="var(--font-stack-heading)"/>
+                <a:ea typeface="var(--font-stack-heading)"/>
+                <a:sym typeface="+mn-ea"/>
+              </a:rPr>
+              <a:t>Section 17: Cloud Management Tools</a:t>
+            </a:r>
+            <a:endParaRPr sz="1600" b="0" i="0">
+              <a:solidFill>
+                <a:srgbClr val="303141"/>
+              </a:solidFill>
+              <a:latin typeface="var(--font-stack-heading)"/>
+              <a:ea typeface="var(--font-stack-heading)"/>
+            </a:endParaRPr>
+          </a:p>
+          <a:p>
+            <a:pPr marL="0" indent="0" algn="l" fontAlgn="base">
+              <a:spcBef>
+                <a:spcPct val="0"/>
+              </a:spcBef>
+              <a:spcAft>
+                <a:spcPct val="0"/>
+              </a:spcAft>
+            </a:pPr>
+            <a:r>
+              <a:rPr sz="1600">
+                <a:solidFill>
+                  <a:srgbClr val="303141"/>
+                </a:solidFill>
+                <a:latin typeface="var(--font-stack-heading)"/>
+                <a:ea typeface="var(--font-stack-heading)"/>
+                <a:sym typeface="+mn-ea"/>
+              </a:rPr>
+              <a:t>Section 18: Cloud Security</a:t>
+            </a:r>
+            <a:endParaRPr sz="1600" b="0" i="0">
+              <a:solidFill>
+                <a:srgbClr val="303141"/>
+              </a:solidFill>
+              <a:latin typeface="var(--font-stack-heading)"/>
+              <a:ea typeface="var(--font-stack-heading)"/>
+            </a:endParaRPr>
+          </a:p>
+          <a:p>
+            <a:pPr marL="0" indent="0" algn="l" fontAlgn="base">
+              <a:spcBef>
+                <a:spcPct val="0"/>
+              </a:spcBef>
+              <a:spcAft>
+                <a:spcPct val="0"/>
+              </a:spcAft>
+            </a:pPr>
+            <a:r>
+              <a:rPr sz="1600">
+                <a:solidFill>
+                  <a:srgbClr val="303141"/>
+                </a:solidFill>
+                <a:latin typeface="var(--font-stack-heading)"/>
+                <a:ea typeface="var(--font-stack-heading)"/>
+                <a:sym typeface="+mn-ea"/>
+              </a:rPr>
+              <a:t>Section 19: Cloud Data Center &amp; Regions</a:t>
+            </a:r>
+            <a:endParaRPr sz="1600" b="0" i="0">
+              <a:solidFill>
+                <a:srgbClr val="303141"/>
+              </a:solidFill>
+              <a:latin typeface="var(--font-stack-heading)"/>
+              <a:ea typeface="var(--font-stack-heading)"/>
+            </a:endParaRPr>
+          </a:p>
+          <a:p>
+            <a:pPr marL="0" indent="0" algn="l" fontAlgn="base">
+              <a:spcBef>
+                <a:spcPct val="0"/>
+              </a:spcBef>
+              <a:spcAft>
+                <a:spcPct val="0"/>
+              </a:spcAft>
+            </a:pPr>
+            <a:r>
+              <a:rPr sz="1600">
+                <a:solidFill>
+                  <a:srgbClr val="303141"/>
+                </a:solidFill>
+                <a:latin typeface="var(--font-stack-heading)"/>
+                <a:ea typeface="var(--font-stack-heading)"/>
+                <a:sym typeface="+mn-ea"/>
+              </a:rPr>
+              <a:t>Section 20: Cloud Pricing Models</a:t>
+            </a:r>
+            <a:endParaRPr sz="1600" b="0" i="0">
+              <a:solidFill>
+                <a:srgbClr val="303141"/>
+              </a:solidFill>
+              <a:latin typeface="var(--font-stack-heading)"/>
+              <a:ea typeface="var(--font-stack-heading)"/>
+            </a:endParaRPr>
+          </a:p>
+          <a:p>
+            <a:pPr marL="0" indent="0" algn="l" fontAlgn="base">
+              <a:spcBef>
+                <a:spcPct val="0"/>
+              </a:spcBef>
+              <a:spcAft>
+                <a:spcPct val="0"/>
+              </a:spcAft>
+            </a:pPr>
+            <a:r>
+              <a:rPr sz="1600">
+                <a:solidFill>
+                  <a:srgbClr val="303141"/>
+                </a:solidFill>
+                <a:latin typeface="var(--font-stack-heading)"/>
+                <a:ea typeface="var(--font-stack-heading)"/>
+                <a:sym typeface="+mn-ea"/>
+              </a:rPr>
+              <a:t>Section 21: Practical Applications of Cloud Computing</a:t>
+            </a:r>
+            <a:endParaRPr sz="1600" b="0" i="0">
+              <a:solidFill>
+                <a:srgbClr val="303141"/>
+              </a:solidFill>
+              <a:latin typeface="var(--font-stack-heading)"/>
+              <a:ea typeface="var(--font-stack-heading)"/>
+            </a:endParaRPr>
+          </a:p>
+          <a:p>
+            <a:pPr marL="0" indent="0" algn="l" fontAlgn="base">
+              <a:spcBef>
+                <a:spcPct val="0"/>
+              </a:spcBef>
+              <a:spcAft>
+                <a:spcPct val="0"/>
+              </a:spcAft>
+            </a:pPr>
+            <a:r>
+              <a:rPr sz="1600">
+                <a:solidFill>
+                  <a:srgbClr val="303141"/>
+                </a:solidFill>
+                <a:latin typeface="var(--font-stack-heading)"/>
+                <a:ea typeface="var(--font-stack-heading)"/>
+                <a:sym typeface="+mn-ea"/>
+              </a:rPr>
+              <a:t>Section 22: Course Conclusion</a:t>
+            </a:r>
+            <a:endParaRPr sz="1600" b="0" i="0">
+              <a:solidFill>
+                <a:srgbClr val="303141"/>
+              </a:solidFill>
+              <a:latin typeface="var(--font-stack-heading)"/>
+              <a:ea typeface="var(--font-stack-heading)"/>
+            </a:endParaRPr>
+          </a:p>
+          <a:p>
+            <a:pPr marL="0" indent="0" algn="l" fontAlgn="base">
+              <a:spcBef>
+                <a:spcPct val="0"/>
+              </a:spcBef>
+              <a:spcAft>
+                <a:spcPct val="0"/>
+              </a:spcAft>
+            </a:pPr>
+            <a:r>
+              <a:rPr sz="1600">
+                <a:solidFill>
+                  <a:srgbClr val="303141"/>
+                </a:solidFill>
+                <a:latin typeface="var(--font-stack-heading)"/>
+                <a:ea typeface="var(--font-stack-heading)"/>
+                <a:sym typeface="+mn-ea"/>
+              </a:rPr>
+              <a:t>Section 23: Bonus Section</a:t>
+            </a:r>
+            <a:endParaRPr lang="en-US" sz="1600">
+              <a:solidFill>
+                <a:srgbClr val="595C73"/>
+              </a:solidFill>
+              <a:latin typeface="var(--font-stack-text)"/>
+              <a:ea typeface="var(--font-stack-text)"/>
+              <a:sym typeface="+mn-ea"/>
+            </a:endParaRPr>
+          </a:p>
+        </p:txBody>
+      </p:sp>
+      <p:sp>
+        <p:nvSpPr>
+          <p:cNvPr id="8" name="Text Box 7"/>
+          <p:cNvSpPr txBox="1"/>
+          <p:nvPr/>
+        </p:nvSpPr>
+        <p:spPr>
+          <a:xfrm>
+            <a:off x="4113530" y="189865"/>
+            <a:ext cx="3912235" cy="11663680"/>
+          </a:xfrm>
+          <a:prstGeom prst="rect">
+            <a:avLst/>
+          </a:prstGeom>
+          <a:noFill/>
+        </p:spPr>
+        <p:txBody>
+          <a:bodyPr wrap="square" rtlCol="0" anchor="t">
+            <a:spAutoFit/>
+          </a:bodyPr>
+          <a:p>
+            <a:pPr marL="0" indent="0" algn="l" fontAlgn="base">
+              <a:spcBef>
+                <a:spcPct val="0"/>
+              </a:spcBef>
+              <a:spcAft>
+                <a:spcPct val="0"/>
+              </a:spcAft>
+            </a:pPr>
+            <a:r>
+              <a:rPr sz="1600">
+                <a:solidFill>
+                  <a:srgbClr val="303141"/>
+                </a:solidFill>
+                <a:latin typeface="var(--font-stack-heading)"/>
+                <a:ea typeface="var(--font-stack-heading)"/>
+                <a:sym typeface="+mn-ea"/>
+              </a:rPr>
+              <a:t>Section 4: Your Company Scenario</a:t>
+            </a:r>
+            <a:endParaRPr sz="1600" b="0" i="0">
+              <a:solidFill>
+                <a:srgbClr val="303141"/>
+              </a:solidFill>
+              <a:latin typeface="var(--font-stack-heading)"/>
+              <a:ea typeface="var(--font-stack-heading)"/>
+            </a:endParaRPr>
+          </a:p>
+          <a:p>
+            <a:pPr marL="0" indent="0" algn="l" fontAlgn="base">
+              <a:spcBef>
+                <a:spcPct val="0"/>
+              </a:spcBef>
+              <a:spcAft>
+                <a:spcPct val="0"/>
+              </a:spcAft>
+            </a:pPr>
+            <a:r>
+              <a:rPr lang="en-US" altLang="en-US" sz="1600">
+                <a:solidFill>
+                  <a:srgbClr val="303141"/>
+                </a:solidFill>
+                <a:latin typeface="var(--font-stack-heading)"/>
+                <a:ea typeface="var(--font-stack-heading)"/>
+                <a:sym typeface="+mn-ea"/>
+              </a:rPr>
+              <a:t>29. What You'll Learn In This Section</a:t>
+            </a:r>
+            <a:endParaRPr lang="en-US" altLang="en-US" sz="1600" b="0" i="0">
+              <a:solidFill>
+                <a:srgbClr val="303141"/>
+              </a:solidFill>
+              <a:latin typeface="var(--font-stack-heading)"/>
+              <a:ea typeface="var(--font-stack-heading)"/>
+            </a:endParaRPr>
+          </a:p>
+          <a:p>
+            <a:pPr marL="0" indent="0" algn="l" fontAlgn="base">
+              <a:spcBef>
+                <a:spcPct val="0"/>
+              </a:spcBef>
+              <a:spcAft>
+                <a:spcPct val="0"/>
+              </a:spcAft>
+            </a:pPr>
+            <a:r>
+              <a:rPr lang="en-US" altLang="en-US" sz="1600">
+                <a:solidFill>
+                  <a:srgbClr val="303141"/>
+                </a:solidFill>
+                <a:latin typeface="var(--font-stack-heading)"/>
+                <a:ea typeface="var(--font-stack-heading)"/>
+                <a:sym typeface="+mn-ea"/>
+              </a:rPr>
+              <a:t>30. Your Company IT Landscape</a:t>
+            </a:r>
+            <a:endParaRPr lang="en-US" altLang="en-US" sz="1600" b="0" i="0">
+              <a:solidFill>
+                <a:srgbClr val="303141"/>
+              </a:solidFill>
+              <a:latin typeface="var(--font-stack-heading)"/>
+              <a:ea typeface="var(--font-stack-heading)"/>
+            </a:endParaRPr>
+          </a:p>
+          <a:p>
+            <a:pPr marL="0" indent="0" algn="l" fontAlgn="base">
+              <a:spcBef>
+                <a:spcPct val="0"/>
+              </a:spcBef>
+              <a:spcAft>
+                <a:spcPct val="0"/>
+              </a:spcAft>
+            </a:pPr>
+            <a:r>
+              <a:rPr lang="en-US" altLang="en-US" sz="1600">
+                <a:solidFill>
+                  <a:srgbClr val="303141"/>
+                </a:solidFill>
+                <a:latin typeface="var(--font-stack-heading)"/>
+                <a:ea typeface="var(--font-stack-heading)"/>
+                <a:sym typeface="+mn-ea"/>
+              </a:rPr>
+              <a:t>31. Problems of IT Landscape</a:t>
+            </a:r>
+            <a:endParaRPr lang="en-US" altLang="en-US" sz="1600" b="0" i="0">
+              <a:solidFill>
+                <a:srgbClr val="303141"/>
+              </a:solidFill>
+              <a:latin typeface="var(--font-stack-heading)"/>
+              <a:ea typeface="var(--font-stack-heading)"/>
+            </a:endParaRPr>
+          </a:p>
+          <a:p>
+            <a:pPr marL="0" indent="0" algn="l" fontAlgn="base">
+              <a:spcBef>
+                <a:spcPct val="0"/>
+              </a:spcBef>
+              <a:spcAft>
+                <a:spcPct val="0"/>
+              </a:spcAft>
+            </a:pPr>
+            <a:r>
+              <a:rPr lang="en-US" altLang="en-US" sz="1600">
+                <a:solidFill>
+                  <a:srgbClr val="303141"/>
+                </a:solidFill>
+                <a:latin typeface="var(--font-stack-heading)"/>
+                <a:ea typeface="var(--font-stack-heading)"/>
+                <a:sym typeface="+mn-ea"/>
+              </a:rPr>
+              <a:t>32. What You Learned In This Section</a:t>
+            </a:r>
+            <a:endParaRPr lang="en-US" altLang="en-US" sz="1600" b="0" i="0">
+              <a:solidFill>
+                <a:srgbClr val="303141"/>
+              </a:solidFill>
+              <a:latin typeface="var(--font-stack-heading)"/>
+              <a:ea typeface="var(--font-stack-heading)"/>
+            </a:endParaRPr>
+          </a:p>
+          <a:p>
+            <a:pPr marL="0" indent="0" algn="l" fontAlgn="base">
+              <a:spcBef>
+                <a:spcPct val="0"/>
+              </a:spcBef>
+              <a:spcAft>
+                <a:spcPct val="0"/>
+              </a:spcAft>
+            </a:pPr>
+            <a:endParaRPr sz="1600" b="0" i="0">
+              <a:solidFill>
+                <a:srgbClr val="303141"/>
+              </a:solidFill>
+              <a:latin typeface="var(--font-stack-heading)"/>
+              <a:ea typeface="var(--font-stack-heading)"/>
+            </a:endParaRPr>
+          </a:p>
+          <a:p>
+            <a:pPr marL="0" indent="0" algn="l" fontAlgn="base">
+              <a:spcBef>
+                <a:spcPct val="0"/>
+              </a:spcBef>
+              <a:spcAft>
+                <a:spcPct val="0"/>
+              </a:spcAft>
+            </a:pPr>
+            <a:r>
+              <a:rPr sz="1600">
+                <a:solidFill>
+                  <a:srgbClr val="303141"/>
+                </a:solidFill>
+                <a:latin typeface="var(--font-stack-heading)"/>
+                <a:ea typeface="var(--font-stack-heading)"/>
+                <a:sym typeface="+mn-ea"/>
+              </a:rPr>
+              <a:t>Section 5: Digital Transformation Journey</a:t>
+            </a:r>
+            <a:endParaRPr sz="1600">
+              <a:solidFill>
+                <a:srgbClr val="303141"/>
+              </a:solidFill>
+              <a:latin typeface="var(--font-stack-heading)"/>
+              <a:ea typeface="var(--font-stack-heading)"/>
+              <a:sym typeface="+mn-ea"/>
+            </a:endParaRPr>
+          </a:p>
+          <a:p>
+            <a:pPr marL="0" indent="0" algn="l" fontAlgn="base">
+              <a:spcBef>
+                <a:spcPct val="0"/>
+              </a:spcBef>
+              <a:spcAft>
+                <a:spcPct val="0"/>
+              </a:spcAft>
+            </a:pPr>
+            <a:endParaRPr lang="en-US" sz="1600">
+              <a:solidFill>
+                <a:srgbClr val="303141"/>
+              </a:solidFill>
+              <a:latin typeface="var(--font-stack-heading)"/>
+              <a:ea typeface="var(--font-stack-heading)"/>
+              <a:sym typeface="+mn-ea"/>
+            </a:endParaRPr>
+          </a:p>
+          <a:p>
+            <a:pPr marL="0" indent="0" algn="l" fontAlgn="base">
+              <a:spcBef>
+                <a:spcPct val="0"/>
+              </a:spcBef>
+              <a:spcAft>
+                <a:spcPct val="0"/>
+              </a:spcAft>
+            </a:pPr>
+            <a:r>
+              <a:rPr lang="en-US" altLang="en-US" sz="1600">
+                <a:solidFill>
+                  <a:srgbClr val="303141"/>
+                </a:solidFill>
+                <a:latin typeface="var(--font-stack-heading)"/>
+                <a:ea typeface="var(--font-stack-heading)"/>
+                <a:sym typeface="+mn-ea"/>
+              </a:rPr>
+              <a:t>Play</a:t>
+            </a:r>
+            <a:endParaRPr lang="en-US" altLang="en-US" sz="1600">
+              <a:solidFill>
+                <a:srgbClr val="303141"/>
+              </a:solidFill>
+              <a:latin typeface="var(--font-stack-heading)"/>
+              <a:ea typeface="var(--font-stack-heading)"/>
+              <a:sym typeface="+mn-ea"/>
+            </a:endParaRPr>
+          </a:p>
+          <a:p>
+            <a:pPr marL="0" indent="0" algn="l" fontAlgn="base">
+              <a:spcBef>
+                <a:spcPct val="0"/>
+              </a:spcBef>
+              <a:spcAft>
+                <a:spcPct val="0"/>
+              </a:spcAft>
+            </a:pPr>
+            <a:r>
+              <a:rPr lang="en-US" altLang="en-US" sz="1600">
+                <a:solidFill>
+                  <a:srgbClr val="303141"/>
+                </a:solidFill>
+                <a:latin typeface="var(--font-stack-heading)"/>
+                <a:ea typeface="var(--font-stack-heading)"/>
+                <a:sym typeface="+mn-ea"/>
+              </a:rPr>
+              <a:t>33. What is Digital Transformation</a:t>
+            </a:r>
+            <a:endParaRPr lang="en-US" altLang="en-US" sz="1600">
+              <a:solidFill>
+                <a:srgbClr val="303141"/>
+              </a:solidFill>
+              <a:latin typeface="var(--font-stack-heading)"/>
+              <a:ea typeface="var(--font-stack-heading)"/>
+              <a:sym typeface="+mn-ea"/>
+            </a:endParaRPr>
+          </a:p>
+          <a:p>
+            <a:pPr marL="0" indent="0" algn="l" fontAlgn="base">
+              <a:spcBef>
+                <a:spcPct val="0"/>
+              </a:spcBef>
+              <a:spcAft>
+                <a:spcPct val="0"/>
+              </a:spcAft>
+            </a:pPr>
+            <a:r>
+              <a:rPr lang="en-US" altLang="en-US" sz="1600">
+                <a:solidFill>
+                  <a:srgbClr val="303141"/>
+                </a:solidFill>
+                <a:latin typeface="var(--font-stack-heading)"/>
+                <a:ea typeface="var(--font-stack-heading)"/>
+                <a:sym typeface="+mn-ea"/>
+              </a:rPr>
+              <a:t>10min</a:t>
+            </a:r>
+            <a:endParaRPr lang="en-US" altLang="en-US" sz="1600">
+              <a:solidFill>
+                <a:srgbClr val="303141"/>
+              </a:solidFill>
+              <a:latin typeface="var(--font-stack-heading)"/>
+              <a:ea typeface="var(--font-stack-heading)"/>
+              <a:sym typeface="+mn-ea"/>
+            </a:endParaRPr>
+          </a:p>
+          <a:p>
+            <a:pPr marL="0" indent="0" algn="l" fontAlgn="base">
+              <a:spcBef>
+                <a:spcPct val="0"/>
+              </a:spcBef>
+              <a:spcAft>
+                <a:spcPct val="0"/>
+              </a:spcAft>
+            </a:pPr>
+            <a:r>
+              <a:rPr lang="en-US" altLang="en-US" sz="1600">
+                <a:solidFill>
+                  <a:srgbClr val="303141"/>
+                </a:solidFill>
+                <a:latin typeface="var(--font-stack-heading)"/>
+                <a:ea typeface="var(--font-stack-heading)"/>
+                <a:sym typeface="+mn-ea"/>
+              </a:rPr>
+              <a:t>Play</a:t>
+            </a:r>
+            <a:endParaRPr lang="en-US" altLang="en-US" sz="1600">
+              <a:solidFill>
+                <a:srgbClr val="303141"/>
+              </a:solidFill>
+              <a:latin typeface="var(--font-stack-heading)"/>
+              <a:ea typeface="var(--font-stack-heading)"/>
+              <a:sym typeface="+mn-ea"/>
+            </a:endParaRPr>
+          </a:p>
+          <a:p>
+            <a:pPr marL="0" indent="0" algn="l" fontAlgn="base">
+              <a:spcBef>
+                <a:spcPct val="0"/>
+              </a:spcBef>
+              <a:spcAft>
+                <a:spcPct val="0"/>
+              </a:spcAft>
+            </a:pPr>
+            <a:r>
+              <a:rPr lang="en-US" altLang="en-US" sz="1600">
+                <a:solidFill>
+                  <a:srgbClr val="303141"/>
+                </a:solidFill>
+                <a:latin typeface="var(--font-stack-heading)"/>
+                <a:ea typeface="var(--font-stack-heading)"/>
+                <a:sym typeface="+mn-ea"/>
+              </a:rPr>
+              <a:t>34. Benefits Of Digital Transformation</a:t>
+            </a:r>
+            <a:endParaRPr lang="en-US" altLang="en-US" sz="1600">
+              <a:solidFill>
+                <a:srgbClr val="303141"/>
+              </a:solidFill>
+              <a:latin typeface="var(--font-stack-heading)"/>
+              <a:ea typeface="var(--font-stack-heading)"/>
+              <a:sym typeface="+mn-ea"/>
+            </a:endParaRPr>
+          </a:p>
+          <a:p>
+            <a:pPr marL="0" indent="0" algn="l" fontAlgn="base">
+              <a:spcBef>
+                <a:spcPct val="0"/>
+              </a:spcBef>
+              <a:spcAft>
+                <a:spcPct val="0"/>
+              </a:spcAft>
+            </a:pPr>
+            <a:r>
+              <a:rPr lang="en-US" altLang="en-US" sz="1600">
+                <a:solidFill>
+                  <a:srgbClr val="303141"/>
+                </a:solidFill>
+                <a:latin typeface="var(--font-stack-heading)"/>
+                <a:ea typeface="var(--font-stack-heading)"/>
+                <a:sym typeface="+mn-ea"/>
+              </a:rPr>
+              <a:t>1min</a:t>
+            </a:r>
+            <a:endParaRPr lang="en-US" altLang="en-US" sz="1600">
+              <a:solidFill>
+                <a:srgbClr val="303141"/>
+              </a:solidFill>
+              <a:latin typeface="var(--font-stack-heading)"/>
+              <a:ea typeface="var(--font-stack-heading)"/>
+              <a:sym typeface="+mn-ea"/>
+            </a:endParaRPr>
+          </a:p>
+          <a:p>
+            <a:pPr marL="0" indent="0" algn="l" fontAlgn="base">
+              <a:spcBef>
+                <a:spcPct val="0"/>
+              </a:spcBef>
+              <a:spcAft>
+                <a:spcPct val="0"/>
+              </a:spcAft>
+            </a:pPr>
+            <a:r>
+              <a:rPr lang="en-US" altLang="en-US" sz="1600">
+                <a:solidFill>
+                  <a:srgbClr val="303141"/>
+                </a:solidFill>
+                <a:latin typeface="var(--font-stack-heading)"/>
+                <a:ea typeface="var(--font-stack-heading)"/>
+                <a:sym typeface="+mn-ea"/>
+              </a:rPr>
+              <a:t>Play</a:t>
+            </a:r>
+            <a:endParaRPr lang="en-US" altLang="en-US" sz="1600">
+              <a:solidFill>
+                <a:srgbClr val="303141"/>
+              </a:solidFill>
+              <a:latin typeface="var(--font-stack-heading)"/>
+              <a:ea typeface="var(--font-stack-heading)"/>
+              <a:sym typeface="+mn-ea"/>
+            </a:endParaRPr>
+          </a:p>
+          <a:p>
+            <a:pPr marL="0" indent="0" algn="l" fontAlgn="base">
+              <a:spcBef>
+                <a:spcPct val="0"/>
+              </a:spcBef>
+              <a:spcAft>
+                <a:spcPct val="0"/>
+              </a:spcAft>
+            </a:pPr>
+            <a:r>
+              <a:rPr lang="en-US" altLang="en-US" sz="1600">
+                <a:solidFill>
+                  <a:srgbClr val="303141"/>
+                </a:solidFill>
+                <a:latin typeface="var(--font-stack-heading)"/>
+                <a:ea typeface="var(--font-stack-heading)"/>
+                <a:sym typeface="+mn-ea"/>
+              </a:rPr>
+              <a:t>35. Examples Of Digital Transformation</a:t>
+            </a:r>
+            <a:endParaRPr lang="en-US" altLang="en-US" sz="1600">
+              <a:solidFill>
+                <a:srgbClr val="303141"/>
+              </a:solidFill>
+              <a:latin typeface="var(--font-stack-heading)"/>
+              <a:ea typeface="var(--font-stack-heading)"/>
+              <a:sym typeface="+mn-ea"/>
+            </a:endParaRPr>
+          </a:p>
+          <a:p>
+            <a:pPr marL="0" indent="0" algn="l" fontAlgn="base">
+              <a:spcBef>
+                <a:spcPct val="0"/>
+              </a:spcBef>
+              <a:spcAft>
+                <a:spcPct val="0"/>
+              </a:spcAft>
+            </a:pPr>
+            <a:r>
+              <a:rPr lang="en-US" altLang="en-US" sz="1600">
+                <a:solidFill>
+                  <a:srgbClr val="303141"/>
+                </a:solidFill>
+                <a:latin typeface="var(--font-stack-heading)"/>
+                <a:ea typeface="var(--font-stack-heading)"/>
+                <a:sym typeface="+mn-ea"/>
+              </a:rPr>
+              <a:t>2min</a:t>
+            </a:r>
+            <a:endParaRPr lang="en-US" altLang="en-US" sz="1600">
+              <a:solidFill>
+                <a:srgbClr val="303141"/>
+              </a:solidFill>
+              <a:latin typeface="var(--font-stack-heading)"/>
+              <a:ea typeface="var(--font-stack-heading)"/>
+              <a:sym typeface="+mn-ea"/>
+            </a:endParaRPr>
+          </a:p>
+          <a:p>
+            <a:pPr marL="0" indent="0" algn="l" fontAlgn="base">
+              <a:spcBef>
+                <a:spcPct val="0"/>
+              </a:spcBef>
+              <a:spcAft>
+                <a:spcPct val="0"/>
+              </a:spcAft>
+            </a:pPr>
+            <a:r>
+              <a:rPr lang="en-US" altLang="en-US" sz="1600">
+                <a:solidFill>
+                  <a:srgbClr val="303141"/>
+                </a:solidFill>
+                <a:latin typeface="var(--font-stack-heading)"/>
+                <a:ea typeface="var(--font-stack-heading)"/>
+                <a:sym typeface="+mn-ea"/>
+              </a:rPr>
+              <a:t>Play</a:t>
+            </a:r>
+            <a:endParaRPr lang="en-US" altLang="en-US" sz="1600">
+              <a:solidFill>
+                <a:srgbClr val="303141"/>
+              </a:solidFill>
+              <a:latin typeface="var(--font-stack-heading)"/>
+              <a:ea typeface="var(--font-stack-heading)"/>
+              <a:sym typeface="+mn-ea"/>
+            </a:endParaRPr>
+          </a:p>
+          <a:p>
+            <a:pPr marL="0" indent="0" algn="l" fontAlgn="base">
+              <a:spcBef>
+                <a:spcPct val="0"/>
+              </a:spcBef>
+              <a:spcAft>
+                <a:spcPct val="0"/>
+              </a:spcAft>
+            </a:pPr>
+            <a:r>
+              <a:rPr lang="en-US" altLang="en-US" sz="1600">
+                <a:solidFill>
+                  <a:srgbClr val="303141"/>
+                </a:solidFill>
+                <a:latin typeface="var(--font-stack-heading)"/>
+                <a:ea typeface="var(--font-stack-heading)"/>
+                <a:sym typeface="+mn-ea"/>
+              </a:rPr>
+              <a:t>36. Summary Of Digital Transformation</a:t>
+            </a:r>
+            <a:endParaRPr lang="en-US" altLang="en-US" sz="1600">
+              <a:solidFill>
+                <a:srgbClr val="303141"/>
+              </a:solidFill>
+              <a:latin typeface="var(--font-stack-heading)"/>
+              <a:ea typeface="var(--font-stack-heading)"/>
+              <a:sym typeface="+mn-ea"/>
+            </a:endParaRPr>
+          </a:p>
+          <a:p>
+            <a:pPr marL="0" indent="0" algn="l" fontAlgn="base">
+              <a:spcBef>
+                <a:spcPct val="0"/>
+              </a:spcBef>
+              <a:spcAft>
+                <a:spcPct val="0"/>
+              </a:spcAft>
+            </a:pPr>
+            <a:r>
+              <a:rPr lang="en-US" altLang="en-US" sz="1600">
+                <a:solidFill>
+                  <a:srgbClr val="303141"/>
+                </a:solidFill>
+                <a:latin typeface="var(--font-stack-heading)"/>
+                <a:ea typeface="var(--font-stack-heading)"/>
+                <a:sym typeface="+mn-ea"/>
+              </a:rPr>
+              <a:t>1min</a:t>
+            </a:r>
+            <a:endParaRPr lang="en-US" altLang="en-US" sz="1600">
+              <a:solidFill>
+                <a:srgbClr val="303141"/>
+              </a:solidFill>
+              <a:latin typeface="var(--font-stack-heading)"/>
+              <a:ea typeface="var(--font-stack-heading)"/>
+              <a:sym typeface="+mn-ea"/>
+            </a:endParaRPr>
+          </a:p>
+          <a:p>
+            <a:pPr marL="0" indent="0" algn="l" fontAlgn="base">
+              <a:spcBef>
+                <a:spcPct val="0"/>
+              </a:spcBef>
+              <a:spcAft>
+                <a:spcPct val="0"/>
+              </a:spcAft>
+            </a:pPr>
+            <a:r>
+              <a:rPr lang="en-US" altLang="en-US" sz="1600">
+                <a:solidFill>
+                  <a:srgbClr val="303141"/>
+                </a:solidFill>
+                <a:latin typeface="var(--font-stack-heading)"/>
+                <a:ea typeface="var(--font-stack-heading)"/>
+                <a:sym typeface="+mn-ea"/>
+              </a:rPr>
+              <a:t>Play</a:t>
+            </a:r>
+            <a:endParaRPr lang="en-US" altLang="en-US" sz="1600">
+              <a:solidFill>
+                <a:srgbClr val="303141"/>
+              </a:solidFill>
+              <a:latin typeface="var(--font-stack-heading)"/>
+              <a:ea typeface="var(--font-stack-heading)"/>
+              <a:sym typeface="+mn-ea"/>
+            </a:endParaRPr>
+          </a:p>
+          <a:p>
+            <a:pPr marL="0" indent="0" algn="l" fontAlgn="base">
+              <a:spcBef>
+                <a:spcPct val="0"/>
+              </a:spcBef>
+              <a:spcAft>
+                <a:spcPct val="0"/>
+              </a:spcAft>
+            </a:pPr>
+            <a:r>
+              <a:rPr lang="en-US" altLang="en-US" sz="1600">
+                <a:solidFill>
+                  <a:srgbClr val="303141"/>
+                </a:solidFill>
+                <a:latin typeface="var(--font-stack-heading)"/>
+                <a:ea typeface="var(--font-stack-heading)"/>
+                <a:sym typeface="+mn-ea"/>
+              </a:rPr>
+              <a:t>37. Understanding Internet of Things (IoT)</a:t>
+            </a:r>
+            <a:endParaRPr lang="en-US" altLang="en-US" sz="1600">
+              <a:solidFill>
+                <a:srgbClr val="303141"/>
+              </a:solidFill>
+              <a:latin typeface="var(--font-stack-heading)"/>
+              <a:ea typeface="var(--font-stack-heading)"/>
+              <a:sym typeface="+mn-ea"/>
+            </a:endParaRPr>
+          </a:p>
+          <a:p>
+            <a:pPr marL="0" indent="0" algn="l" fontAlgn="base">
+              <a:spcBef>
+                <a:spcPct val="0"/>
+              </a:spcBef>
+              <a:spcAft>
+                <a:spcPct val="0"/>
+              </a:spcAft>
+            </a:pPr>
+            <a:r>
+              <a:rPr lang="en-US" altLang="en-US" sz="1600">
+                <a:solidFill>
+                  <a:srgbClr val="303141"/>
+                </a:solidFill>
+                <a:latin typeface="var(--font-stack-heading)"/>
+                <a:ea typeface="var(--font-stack-heading)"/>
+                <a:sym typeface="+mn-ea"/>
+              </a:rPr>
+              <a:t>7min</a:t>
+            </a:r>
+            <a:endParaRPr lang="en-US" altLang="en-US" sz="1600">
+              <a:solidFill>
+                <a:srgbClr val="303141"/>
+              </a:solidFill>
+              <a:latin typeface="var(--font-stack-heading)"/>
+              <a:ea typeface="var(--font-stack-heading)"/>
+              <a:sym typeface="+mn-ea"/>
+            </a:endParaRPr>
+          </a:p>
+          <a:p>
+            <a:pPr marL="0" indent="0" algn="l" fontAlgn="base">
+              <a:spcBef>
+                <a:spcPct val="0"/>
+              </a:spcBef>
+              <a:spcAft>
+                <a:spcPct val="0"/>
+              </a:spcAft>
+            </a:pPr>
+            <a:r>
+              <a:rPr lang="en-US" altLang="en-US" sz="1600">
+                <a:solidFill>
+                  <a:srgbClr val="303141"/>
+                </a:solidFill>
+                <a:latin typeface="var(--font-stack-heading)"/>
+                <a:ea typeface="var(--font-stack-heading)"/>
+                <a:sym typeface="+mn-ea"/>
+              </a:rPr>
+              <a:t>Play</a:t>
+            </a:r>
+            <a:endParaRPr lang="en-US" altLang="en-US" sz="1600">
+              <a:solidFill>
+                <a:srgbClr val="303141"/>
+              </a:solidFill>
+              <a:latin typeface="var(--font-stack-heading)"/>
+              <a:ea typeface="var(--font-stack-heading)"/>
+              <a:sym typeface="+mn-ea"/>
+            </a:endParaRPr>
+          </a:p>
+          <a:p>
+            <a:pPr marL="0" indent="0" algn="l" fontAlgn="base">
+              <a:spcBef>
+                <a:spcPct val="0"/>
+              </a:spcBef>
+              <a:spcAft>
+                <a:spcPct val="0"/>
+              </a:spcAft>
+            </a:pPr>
+            <a:r>
+              <a:rPr lang="en-US" altLang="en-US" sz="1600">
+                <a:solidFill>
+                  <a:srgbClr val="303141"/>
+                </a:solidFill>
+                <a:latin typeface="var(--font-stack-heading)"/>
+                <a:ea typeface="var(--font-stack-heading)"/>
+                <a:sym typeface="+mn-ea"/>
+              </a:rPr>
+              <a:t>38. How IoT Devices Are Connected</a:t>
+            </a:r>
+            <a:endParaRPr lang="en-US" altLang="en-US" sz="1600">
+              <a:solidFill>
+                <a:srgbClr val="303141"/>
+              </a:solidFill>
+              <a:latin typeface="var(--font-stack-heading)"/>
+              <a:ea typeface="var(--font-stack-heading)"/>
+              <a:sym typeface="+mn-ea"/>
+            </a:endParaRPr>
+          </a:p>
+          <a:p>
+            <a:pPr marL="0" indent="0" algn="l" fontAlgn="base">
+              <a:spcBef>
+                <a:spcPct val="0"/>
+              </a:spcBef>
+              <a:spcAft>
+                <a:spcPct val="0"/>
+              </a:spcAft>
+            </a:pPr>
+            <a:r>
+              <a:rPr lang="en-US" altLang="en-US" sz="1600">
+                <a:solidFill>
+                  <a:srgbClr val="303141"/>
+                </a:solidFill>
+                <a:latin typeface="var(--font-stack-heading)"/>
+                <a:ea typeface="var(--font-stack-heading)"/>
+                <a:sym typeface="+mn-ea"/>
+              </a:rPr>
+              <a:t>4min</a:t>
+            </a:r>
+            <a:endParaRPr lang="en-US" altLang="en-US" sz="1600">
+              <a:solidFill>
+                <a:srgbClr val="303141"/>
+              </a:solidFill>
+              <a:latin typeface="var(--font-stack-heading)"/>
+              <a:ea typeface="var(--font-stack-heading)"/>
+              <a:sym typeface="+mn-ea"/>
+            </a:endParaRPr>
+          </a:p>
+          <a:p>
+            <a:pPr marL="0" indent="0" algn="l" fontAlgn="base">
+              <a:spcBef>
+                <a:spcPct val="0"/>
+              </a:spcBef>
+              <a:spcAft>
+                <a:spcPct val="0"/>
+              </a:spcAft>
+            </a:pPr>
+            <a:r>
+              <a:rPr lang="en-US" altLang="en-US" sz="1600">
+                <a:solidFill>
+                  <a:srgbClr val="303141"/>
+                </a:solidFill>
+                <a:latin typeface="var(--font-stack-heading)"/>
+                <a:ea typeface="var(--font-stack-heading)"/>
+                <a:sym typeface="+mn-ea"/>
+              </a:rPr>
+              <a:t>Play</a:t>
+            </a:r>
+            <a:endParaRPr lang="en-US" altLang="en-US" sz="1600">
+              <a:solidFill>
+                <a:srgbClr val="303141"/>
+              </a:solidFill>
+              <a:latin typeface="var(--font-stack-heading)"/>
+              <a:ea typeface="var(--font-stack-heading)"/>
+              <a:sym typeface="+mn-ea"/>
+            </a:endParaRPr>
+          </a:p>
+          <a:p>
+            <a:pPr marL="0" indent="0" algn="l" fontAlgn="base">
+              <a:spcBef>
+                <a:spcPct val="0"/>
+              </a:spcBef>
+              <a:spcAft>
+                <a:spcPct val="0"/>
+              </a:spcAft>
+            </a:pPr>
+            <a:r>
+              <a:rPr lang="en-US" altLang="en-US" sz="1600">
+                <a:solidFill>
+                  <a:srgbClr val="303141"/>
+                </a:solidFill>
+                <a:latin typeface="var(--font-stack-heading)"/>
+                <a:ea typeface="var(--font-stack-heading)"/>
+                <a:sym typeface="+mn-ea"/>
+              </a:rPr>
+              <a:t>39. What is Big Data?</a:t>
+            </a:r>
+            <a:endParaRPr lang="en-US" altLang="en-US" sz="1600">
+              <a:solidFill>
+                <a:srgbClr val="303141"/>
+              </a:solidFill>
+              <a:latin typeface="var(--font-stack-heading)"/>
+              <a:ea typeface="var(--font-stack-heading)"/>
+              <a:sym typeface="+mn-ea"/>
+            </a:endParaRPr>
+          </a:p>
+          <a:p>
+            <a:pPr marL="0" indent="0" algn="l" fontAlgn="base">
+              <a:spcBef>
+                <a:spcPct val="0"/>
+              </a:spcBef>
+              <a:spcAft>
+                <a:spcPct val="0"/>
+              </a:spcAft>
+            </a:pPr>
+            <a:r>
+              <a:rPr lang="en-US" altLang="en-US" sz="1600">
+                <a:solidFill>
+                  <a:srgbClr val="303141"/>
+                </a:solidFill>
+                <a:latin typeface="var(--font-stack-heading)"/>
+                <a:ea typeface="var(--font-stack-heading)"/>
+                <a:sym typeface="+mn-ea"/>
+              </a:rPr>
+              <a:t>3min</a:t>
+            </a:r>
+            <a:endParaRPr lang="en-US" altLang="en-US" sz="1600">
+              <a:solidFill>
+                <a:srgbClr val="303141"/>
+              </a:solidFill>
+              <a:latin typeface="var(--font-stack-heading)"/>
+              <a:ea typeface="var(--font-stack-heading)"/>
+              <a:sym typeface="+mn-ea"/>
+            </a:endParaRPr>
+          </a:p>
+          <a:p>
+            <a:pPr marL="0" indent="0" algn="l" fontAlgn="base">
+              <a:spcBef>
+                <a:spcPct val="0"/>
+              </a:spcBef>
+              <a:spcAft>
+                <a:spcPct val="0"/>
+              </a:spcAft>
+            </a:pPr>
+            <a:r>
+              <a:rPr lang="en-US" altLang="en-US" sz="1600">
+                <a:solidFill>
+                  <a:srgbClr val="303141"/>
+                </a:solidFill>
+                <a:latin typeface="var(--font-stack-heading)"/>
+                <a:ea typeface="var(--font-stack-heading)"/>
+                <a:sym typeface="+mn-ea"/>
+              </a:rPr>
+              <a:t>Play</a:t>
+            </a:r>
+            <a:endParaRPr lang="en-US" altLang="en-US" sz="1600">
+              <a:solidFill>
+                <a:srgbClr val="303141"/>
+              </a:solidFill>
+              <a:latin typeface="var(--font-stack-heading)"/>
+              <a:ea typeface="var(--font-stack-heading)"/>
+              <a:sym typeface="+mn-ea"/>
+            </a:endParaRPr>
+          </a:p>
+          <a:p>
+            <a:pPr marL="0" indent="0" algn="l" fontAlgn="base">
+              <a:spcBef>
+                <a:spcPct val="0"/>
+              </a:spcBef>
+              <a:spcAft>
+                <a:spcPct val="0"/>
+              </a:spcAft>
+            </a:pPr>
+            <a:r>
+              <a:rPr lang="en-US" altLang="en-US" sz="1600">
+                <a:solidFill>
+                  <a:srgbClr val="303141"/>
+                </a:solidFill>
+                <a:latin typeface="var(--font-stack-heading)"/>
+                <a:ea typeface="var(--font-stack-heading)"/>
+                <a:sym typeface="+mn-ea"/>
+              </a:rPr>
+              <a:t>40. Importance Of Real Time Analytics</a:t>
+            </a:r>
+            <a:endParaRPr lang="en-US" altLang="en-US" sz="1600">
+              <a:solidFill>
+                <a:srgbClr val="303141"/>
+              </a:solidFill>
+              <a:latin typeface="var(--font-stack-heading)"/>
+              <a:ea typeface="var(--font-stack-heading)"/>
+              <a:sym typeface="+mn-ea"/>
+            </a:endParaRPr>
+          </a:p>
+          <a:p>
+            <a:pPr marL="0" indent="0" algn="l" fontAlgn="base">
+              <a:spcBef>
+                <a:spcPct val="0"/>
+              </a:spcBef>
+              <a:spcAft>
+                <a:spcPct val="0"/>
+              </a:spcAft>
+            </a:pPr>
+            <a:r>
+              <a:rPr lang="en-US" altLang="en-US" sz="1600">
+                <a:solidFill>
+                  <a:srgbClr val="303141"/>
+                </a:solidFill>
+                <a:latin typeface="var(--font-stack-heading)"/>
+                <a:ea typeface="var(--font-stack-heading)"/>
+                <a:sym typeface="+mn-ea"/>
+              </a:rPr>
+              <a:t>6min</a:t>
+            </a:r>
+            <a:endParaRPr lang="en-US" altLang="en-US" sz="1600">
+              <a:solidFill>
+                <a:srgbClr val="303141"/>
+              </a:solidFill>
+              <a:latin typeface="var(--font-stack-heading)"/>
+              <a:ea typeface="var(--font-stack-heading)"/>
+              <a:sym typeface="+mn-ea"/>
+            </a:endParaRPr>
+          </a:p>
+          <a:p>
+            <a:pPr marL="0" indent="0" algn="l" fontAlgn="base">
+              <a:spcBef>
+                <a:spcPct val="0"/>
+              </a:spcBef>
+              <a:spcAft>
+                <a:spcPct val="0"/>
+              </a:spcAft>
+            </a:pPr>
+            <a:r>
+              <a:rPr lang="en-US" altLang="en-US" sz="1600">
+                <a:solidFill>
+                  <a:srgbClr val="303141"/>
+                </a:solidFill>
+                <a:latin typeface="var(--font-stack-heading)"/>
+                <a:ea typeface="var(--font-stack-heading)"/>
+                <a:sym typeface="+mn-ea"/>
+              </a:rPr>
+              <a:t>Play</a:t>
+            </a:r>
+            <a:endParaRPr lang="en-US" altLang="en-US" sz="1600">
+              <a:solidFill>
+                <a:srgbClr val="303141"/>
+              </a:solidFill>
+              <a:latin typeface="var(--font-stack-heading)"/>
+              <a:ea typeface="var(--font-stack-heading)"/>
+              <a:sym typeface="+mn-ea"/>
+            </a:endParaRPr>
+          </a:p>
+          <a:p>
+            <a:pPr marL="0" indent="0" algn="l" fontAlgn="base">
+              <a:spcBef>
+                <a:spcPct val="0"/>
+              </a:spcBef>
+              <a:spcAft>
+                <a:spcPct val="0"/>
+              </a:spcAft>
+            </a:pPr>
+            <a:r>
+              <a:rPr lang="en-US" altLang="en-US" sz="1600">
+                <a:solidFill>
+                  <a:srgbClr val="303141"/>
+                </a:solidFill>
+                <a:latin typeface="var(--font-stack-heading)"/>
+                <a:ea typeface="var(--font-stack-heading)"/>
+                <a:sym typeface="+mn-ea"/>
+              </a:rPr>
+              <a:t>41. What is This Machine Learning Means?</a:t>
+            </a:r>
+            <a:endParaRPr lang="en-US" altLang="en-US" sz="1600">
+              <a:solidFill>
+                <a:srgbClr val="303141"/>
+              </a:solidFill>
+              <a:latin typeface="var(--font-stack-heading)"/>
+              <a:ea typeface="var(--font-stack-heading)"/>
+              <a:sym typeface="+mn-ea"/>
+            </a:endParaRPr>
+          </a:p>
+          <a:p>
+            <a:pPr marL="0" indent="0" algn="l" fontAlgn="base">
+              <a:spcBef>
+                <a:spcPct val="0"/>
+              </a:spcBef>
+              <a:spcAft>
+                <a:spcPct val="0"/>
+              </a:spcAft>
+            </a:pPr>
+            <a:r>
+              <a:rPr lang="en-US" altLang="en-US" sz="1600">
+                <a:solidFill>
+                  <a:srgbClr val="303141"/>
+                </a:solidFill>
+                <a:latin typeface="var(--font-stack-heading)"/>
+                <a:ea typeface="var(--font-stack-heading)"/>
+                <a:sym typeface="+mn-ea"/>
+              </a:rPr>
+              <a:t>5min</a:t>
+            </a:r>
+            <a:endParaRPr lang="en-US" altLang="en-US" sz="1600">
+              <a:solidFill>
+                <a:srgbClr val="303141"/>
+              </a:solidFill>
+              <a:latin typeface="var(--font-stack-heading)"/>
+              <a:ea typeface="var(--font-stack-heading)"/>
+              <a:sym typeface="+mn-ea"/>
+            </a:endParaRPr>
+          </a:p>
+          <a:p>
+            <a:pPr marL="0" indent="0" algn="l" fontAlgn="base">
+              <a:spcBef>
+                <a:spcPct val="0"/>
+              </a:spcBef>
+              <a:spcAft>
+                <a:spcPct val="0"/>
+              </a:spcAft>
+            </a:pPr>
+            <a:r>
+              <a:rPr lang="en-US" altLang="en-US" sz="1600">
+                <a:solidFill>
+                  <a:srgbClr val="303141"/>
+                </a:solidFill>
+                <a:latin typeface="var(--font-stack-heading)"/>
+                <a:ea typeface="var(--font-stack-heading)"/>
+                <a:sym typeface="+mn-ea"/>
+              </a:rPr>
+              <a:t>Play</a:t>
+            </a:r>
+            <a:endParaRPr lang="en-US" altLang="en-US" sz="1600">
+              <a:solidFill>
+                <a:srgbClr val="303141"/>
+              </a:solidFill>
+              <a:latin typeface="var(--font-stack-heading)"/>
+              <a:ea typeface="var(--font-stack-heading)"/>
+              <a:sym typeface="+mn-ea"/>
+            </a:endParaRPr>
+          </a:p>
+          <a:p>
+            <a:pPr marL="0" indent="0" algn="l" fontAlgn="base">
+              <a:spcBef>
+                <a:spcPct val="0"/>
+              </a:spcBef>
+              <a:spcAft>
+                <a:spcPct val="0"/>
+              </a:spcAft>
+            </a:pPr>
+            <a:r>
+              <a:rPr lang="en-US" altLang="en-US" sz="1600">
+                <a:solidFill>
+                  <a:srgbClr val="303141"/>
+                </a:solidFill>
+                <a:latin typeface="var(--font-stack-heading)"/>
+                <a:ea typeface="var(--font-stack-heading)"/>
+                <a:sym typeface="+mn-ea"/>
+              </a:rPr>
+              <a:t>42. What is Unstructured Data?</a:t>
+            </a:r>
+            <a:endParaRPr lang="en-US" altLang="en-US" sz="1600">
+              <a:solidFill>
+                <a:srgbClr val="303141"/>
+              </a:solidFill>
+              <a:latin typeface="var(--font-stack-heading)"/>
+              <a:ea typeface="var(--font-stack-heading)"/>
+              <a:sym typeface="+mn-ea"/>
+            </a:endParaRPr>
+          </a:p>
+          <a:p>
+            <a:pPr marL="0" indent="0" algn="l" fontAlgn="base">
+              <a:spcBef>
+                <a:spcPct val="0"/>
+              </a:spcBef>
+              <a:spcAft>
+                <a:spcPct val="0"/>
+              </a:spcAft>
+            </a:pPr>
+            <a:endParaRPr lang="en-US" altLang="en-US" sz="1600">
+              <a:solidFill>
+                <a:srgbClr val="303141"/>
+              </a:solidFill>
+              <a:latin typeface="var(--font-stack-heading)"/>
+              <a:ea typeface="var(--font-stack-heading)"/>
+              <a:sym typeface="+mn-ea"/>
+            </a:endParaRPr>
+          </a:p>
+        </p:txBody>
+      </p:sp>
+    </p:spTree>
+  </p:cSld>
+  <p:clrMapOvr>
+    <a:masterClrMapping/>
+  </p:clrMapOvr>
+</p:sld>
+</file>
+
+<file path=ppt/slides/slide4.xml><?xml version="1.0" encoding="utf-8"?>
 <p:sld xmlns:a="http://schemas.openxmlformats.org/drawingml/2006/main" xmlns:r="http://schemas.openxmlformats.org/officeDocument/2006/relationships" xmlns:p="http://schemas.openxmlformats.org/presentationml/2006/main">
   <p:cSld>
     <p:spTree>
@@ -3876,7 +9611,7 @@
 </p:sld>
 </file>
 
-<file path=ppt/slides/slide3.xml><?xml version="1.0" encoding="utf-8"?>
+<file path=ppt/slides/slide5.xml><?xml version="1.0" encoding="utf-8"?>
 <p:sld xmlns:a="http://schemas.openxmlformats.org/drawingml/2006/main" xmlns:r="http://schemas.openxmlformats.org/officeDocument/2006/relationships" xmlns:p="http://schemas.openxmlformats.org/presentationml/2006/main">
   <p:cSld>
     <p:spTree>
@@ -4176,26 +9911,6 @@
 </file>
 
 <file path=customXml/item1.xml><?xml version="1.0" encoding="utf-8"?>
-<p:properties xmlns:p="http://schemas.microsoft.com/office/2006/metadata/properties" xmlns:xsi="http://www.w3.org/2001/XMLSchema-instance" xmlns:pc="http://schemas.microsoft.com/office/infopath/2007/PartnerControls">
-  <documentManagement>
-    <_ip_UnifiedCompliancePolicyUIAction xmlns="http://schemas.microsoft.com/sharepoint/v3" xsi:nil="true"/>
-    <Image xmlns="71af3243-3dd4-4a8d-8c0d-dd76da1f02a5">
-      <Url xsi:nil="true"/>
-      <Description xsi:nil="true"/>
-    </Image>
-    <Status xmlns="71af3243-3dd4-4a8d-8c0d-dd76da1f02a5">Not started</Status>
-    <Background xmlns="71af3243-3dd4-4a8d-8c0d-dd76da1f02a5">false</Background>
-    <_ip_UnifiedCompliancePolicyProperties xmlns="http://schemas.microsoft.com/sharepoint/v3" xsi:nil="true"/>
-    <ImageTagsTaxHTField xmlns="71af3243-3dd4-4a8d-8c0d-dd76da1f02a5">
-      <Terms xmlns="http://schemas.microsoft.com/office/infopath/2007/PartnerControls"/>
-    </ImageTagsTaxHTField>
-    <TaxCatchAll xmlns="230e9df3-be65-4c73-a93b-d1236ebd677e" xsi:nil="true"/>
-    <MediaServiceKeyPoints xmlns="71af3243-3dd4-4a8d-8c0d-dd76da1f02a5" xsi:nil="true"/>
-  </documentManagement>
-</p:properties>
-</file>
-
-<file path=customXml/item2.xml><?xml version="1.0" encoding="utf-8"?>
 <?mso-contentType ?>
 <FormTemplates xmlns="http://schemas.microsoft.com/sharepoint/v3/contenttype/forms">
   <Display>DocumentLibraryForm</Display>
@@ -4204,7 +9919,7 @@
 </FormTemplates>
 </file>
 
-<file path=customXml/item3.xml><?xml version="1.0" encoding="utf-8"?>
+<file path=customXml/item2.xml><?xml version="1.0" encoding="utf-8"?>
 <ct:contentTypeSchema xmlns:ct="http://schemas.microsoft.com/office/2006/metadata/contentType" xmlns:ma="http://schemas.microsoft.com/office/2006/metadata/properties/metaAttributes" ct:_="" ma:_="" ma:contentTypeName="Document" ma:contentTypeID="0x01010079F111ED35F8CC479449609E8A0923A6" ma:contentTypeVersion="27" ma:contentTypeDescription="Create a new document." ma:contentTypeScope="" ma:versionID="c6f9a84f66a9c8b9a21755b9ffafb945">
   <xsd:schema xmlns:xsd="http://www.w3.org/2001/XMLSchema" xmlns:xs="http://www.w3.org/2001/XMLSchema" xmlns:p="http://schemas.microsoft.com/office/2006/metadata/properties" xmlns:ns1="http://schemas.microsoft.com/sharepoint/v3" xmlns:ns2="71af3243-3dd4-4a8d-8c0d-dd76da1f02a5" xmlns:ns3="16c05727-aa75-4e4a-9b5f-8a80a1165891" xmlns:ns4="230e9df3-be65-4c73-a93b-d1236ebd677e" targetNamespace="http://schemas.microsoft.com/office/2006/metadata/properties" ma:root="true" ma:fieldsID="27df39e3e7036dff54f89ddd5805ce72" ns1:_="" ns2:_="" ns3:_="" ns4:_="">
     <xsd:import namespace="http://schemas.microsoft.com/sharepoint/v3"/>
@@ -4510,20 +10225,40 @@
 </ct:contentTypeSchema>
 </file>
 
+<file path=customXml/item3.xml><?xml version="1.0" encoding="utf-8"?>
+<p:properties xmlns:p="http://schemas.microsoft.com/office/2006/metadata/properties" xmlns:xsi="http://www.w3.org/2001/XMLSchema-instance" xmlns:pc="http://schemas.microsoft.com/office/infopath/2007/PartnerControls">
+  <documentManagement>
+    <_ip_UnifiedCompliancePolicyUIAction xmlns="http://schemas.microsoft.com/sharepoint/v3" xsi:nil="true"/>
+    <Image xmlns="71af3243-3dd4-4a8d-8c0d-dd76da1f02a5">
+      <Url xsi:nil="true"/>
+      <Description xsi:nil="true"/>
+    </Image>
+    <Status xmlns="71af3243-3dd4-4a8d-8c0d-dd76da1f02a5">Not started</Status>
+    <Background xmlns="71af3243-3dd4-4a8d-8c0d-dd76da1f02a5">false</Background>
+    <_ip_UnifiedCompliancePolicyProperties xmlns="http://schemas.microsoft.com/sharepoint/v3" xsi:nil="true"/>
+    <ImageTagsTaxHTField xmlns="71af3243-3dd4-4a8d-8c0d-dd76da1f02a5">
+      <Terms xmlns="http://schemas.microsoft.com/office/infopath/2007/PartnerControls"/>
+    </ImageTagsTaxHTField>
+    <TaxCatchAll xmlns="230e9df3-be65-4c73-a93b-d1236ebd677e" xsi:nil="true"/>
+    <MediaServiceKeyPoints xmlns="71af3243-3dd4-4a8d-8c0d-dd76da1f02a5" xsi:nil="true"/>
+  </documentManagement>
+</p:properties>
+</file>
+
 <file path=customXml/itemProps1.xml><?xml version="1.0" encoding="utf-8"?>
-<ds:datastoreItem xmlns:ds="http://schemas.openxmlformats.org/officeDocument/2006/customXml" ds:itemID="{6F4F4D41-822D-40F2-A7AC-E4E6CB36CA7A}">
+<ds:datastoreItem xmlns:ds="http://schemas.openxmlformats.org/officeDocument/2006/customXml" ds:itemID="{19DAD249-BF80-48EF-9AFB-36A11BCDC2CE}">
   <ds:schemaRefs/>
 </ds:datastoreItem>
 </file>
 
 <file path=customXml/itemProps2.xml><?xml version="1.0" encoding="utf-8"?>
-<ds:datastoreItem xmlns:ds="http://schemas.openxmlformats.org/officeDocument/2006/customXml" ds:itemID="{19DAD249-BF80-48EF-9AFB-36A11BCDC2CE}">
+<ds:datastoreItem xmlns:ds="http://schemas.openxmlformats.org/officeDocument/2006/customXml" ds:itemID="{C5A59D56-2157-4202-9D02-F44E447A241D}">
   <ds:schemaRefs/>
 </ds:datastoreItem>
 </file>
 
 <file path=customXml/itemProps3.xml><?xml version="1.0" encoding="utf-8"?>
-<ds:datastoreItem xmlns:ds="http://schemas.openxmlformats.org/officeDocument/2006/customXml" ds:itemID="{C5A59D56-2157-4202-9D02-F44E447A241D}">
+<ds:datastoreItem xmlns:ds="http://schemas.openxmlformats.org/officeDocument/2006/customXml" ds:itemID="{6F4F4D41-822D-40F2-A7AC-E4E6CB36CA7A}">
   <ds:schemaRefs/>
 </ds:datastoreItem>
 </file>
--- a/10.cloud/cloud.pptx
+++ b/10.cloud/cloud.pptx
@@ -9,7 +9,12 @@
     <p:sldId id="294" r:id="rId4"/>
     <p:sldId id="293" r:id="rId5"/>
     <p:sldId id="292" r:id="rId6"/>
-    <p:sldId id="291" r:id="rId7"/>
+    <p:sldId id="295" r:id="rId7"/>
+    <p:sldId id="291" r:id="rId8"/>
+    <p:sldId id="296" r:id="rId9"/>
+    <p:sldId id="297" r:id="rId10"/>
+    <p:sldId id="298" r:id="rId11"/>
+    <p:sldId id="299" r:id="rId12"/>
   </p:sldIdLst>
   <p:sldSz cx="12192000" cy="6858000"/>
   <p:notesSz cx="6858000" cy="9144000"/>
@@ -3802,6 +3807,46 @@
 </p:sld>
 </file>
 
+<file path=ppt/slides/slide10.xml><?xml version="1.0" encoding="utf-8"?>
+<p:sld xmlns:a="http://schemas.openxmlformats.org/drawingml/2006/main" xmlns:r="http://schemas.openxmlformats.org/officeDocument/2006/relationships" xmlns:p="http://schemas.openxmlformats.org/presentationml/2006/main">
+  <p:cSld>
+    <p:spTree>
+      <p:nvGrpSpPr>
+        <p:cNvPr id="1" name=""/>
+        <p:cNvGrpSpPr/>
+        <p:nvPr/>
+      </p:nvGrpSpPr>
+      <p:grpSpPr/>
+      <p:pic>
+        <p:nvPicPr>
+          <p:cNvPr id="2" name="Picture 1"/>
+          <p:cNvPicPr/>
+          <p:nvPr/>
+        </p:nvPicPr>
+        <p:blipFill>
+          <a:blip r:embed="rId1"/>
+          <a:stretch>
+            <a:fillRect/>
+          </a:stretch>
+        </p:blipFill>
+        <p:spPr>
+          <a:xfrm>
+            <a:off x="1143000" y="-190500"/>
+            <a:ext cx="9525000" cy="6858000"/>
+          </a:xfrm>
+          <a:prstGeom prst="rect">
+            <a:avLst/>
+          </a:prstGeom>
+        </p:spPr>
+      </p:pic>
+    </p:spTree>
+  </p:cSld>
+  <p:clrMapOvr>
+    <a:masterClrMapping/>
+  </p:clrMapOvr>
+</p:sld>
+</file>
+
 <file path=ppt/slides/slide2.xml><?xml version="1.0" encoding="utf-8"?>
 <p:sld xmlns:a="http://schemas.openxmlformats.org/drawingml/2006/main" xmlns:r="http://schemas.openxmlformats.org/officeDocument/2006/relationships" xmlns:p="http://schemas.openxmlformats.org/presentationml/2006/main">
   <p:cSld>
@@ -9621,6 +9666,217 @@
         <p:nvPr/>
       </p:nvGrpSpPr>
       <p:grpSpPr/>
+      <p:pic>
+        <p:nvPicPr>
+          <p:cNvPr id="2" name="Picture 1"/>
+          <p:cNvPicPr/>
+          <p:nvPr/>
+        </p:nvPicPr>
+        <p:blipFill>
+          <a:blip r:embed="rId1"/>
+          <a:stretch>
+            <a:fillRect/>
+          </a:stretch>
+        </p:blipFill>
+        <p:spPr>
+          <a:xfrm>
+            <a:off x="22412" y="-190500"/>
+            <a:ext cx="11766176" cy="6858000"/>
+          </a:xfrm>
+          <a:prstGeom prst="rect">
+            <a:avLst/>
+          </a:prstGeom>
+        </p:spPr>
+      </p:pic>
+    </p:spTree>
+  </p:cSld>
+  <p:clrMapOvr>
+    <a:masterClrMapping/>
+  </p:clrMapOvr>
+</p:sld>
+</file>
+
+<file path=ppt/slides/slide6.xml><?xml version="1.0" encoding="utf-8"?>
+<p:sld xmlns:a="http://schemas.openxmlformats.org/drawingml/2006/main" xmlns:r="http://schemas.openxmlformats.org/officeDocument/2006/relationships" xmlns:p="http://schemas.openxmlformats.org/presentationml/2006/main">
+  <p:cSld>
+    <p:spTree>
+      <p:nvGrpSpPr>
+        <p:cNvPr id="1" name=""/>
+        <p:cNvGrpSpPr/>
+        <p:nvPr/>
+      </p:nvGrpSpPr>
+      <p:grpSpPr/>
+      <p:sp>
+        <p:nvSpPr>
+          <p:cNvPr id="2" name="Text Box 1"/>
+          <p:cNvSpPr txBox="1"/>
+          <p:nvPr/>
+        </p:nvSpPr>
+        <p:spPr>
+          <a:xfrm>
+            <a:off x="214630" y="0"/>
+            <a:ext cx="6096000" cy="645160"/>
+          </a:xfrm>
+          <a:prstGeom prst="rect">
+            <a:avLst/>
+          </a:prstGeom>
+          <a:noFill/>
+        </p:spPr>
+        <p:txBody>
+          <a:bodyPr wrap="square" rtlCol="0" anchor="t">
+            <a:spAutoFit/>
+          </a:bodyPr>
+          <a:p>
+            <a:r>
+              <a:rPr lang="en-US" altLang="en-US"/>
+              <a:t>https://www.orangemantra.com/blog/aws-vs-azure-vs-google-cloud-platform/</a:t>
+            </a:r>
+            <a:endParaRPr lang="en-US"/>
+          </a:p>
+        </p:txBody>
+      </p:sp>
+      <p:pic>
+        <p:nvPicPr>
+          <p:cNvPr id="3" name="Picture 2"/>
+          <p:cNvPicPr/>
+          <p:nvPr/>
+        </p:nvPicPr>
+        <p:blipFill>
+          <a:blip r:embed="rId1"/>
+          <a:stretch>
+            <a:fillRect/>
+          </a:stretch>
+        </p:blipFill>
+        <p:spPr>
+          <a:xfrm>
+            <a:off x="403860" y="866140"/>
+            <a:ext cx="11597640" cy="4996180"/>
+          </a:xfrm>
+          <a:prstGeom prst="rect">
+            <a:avLst/>
+          </a:prstGeom>
+        </p:spPr>
+      </p:pic>
+    </p:spTree>
+  </p:cSld>
+  <p:clrMapOvr>
+    <a:masterClrMapping/>
+  </p:clrMapOvr>
+</p:sld>
+</file>
+
+<file path=ppt/slides/slide7.xml><?xml version="1.0" encoding="utf-8"?>
+<p:sld xmlns:a="http://schemas.openxmlformats.org/drawingml/2006/main" xmlns:r="http://schemas.openxmlformats.org/officeDocument/2006/relationships" xmlns:p="http://schemas.openxmlformats.org/presentationml/2006/main">
+  <p:cSld>
+    <p:spTree>
+      <p:nvGrpSpPr>
+        <p:cNvPr id="1" name=""/>
+        <p:cNvGrpSpPr/>
+        <p:nvPr/>
+      </p:nvGrpSpPr>
+      <p:grpSpPr/>
+      <p:pic>
+        <p:nvPicPr>
+          <p:cNvPr id="2" name="Picture 1"/>
+          <p:cNvPicPr/>
+          <p:nvPr/>
+        </p:nvPicPr>
+        <p:blipFill>
+          <a:blip r:embed="rId1"/>
+          <a:stretch>
+            <a:fillRect/>
+          </a:stretch>
+        </p:blipFill>
+        <p:spPr>
+          <a:xfrm>
+            <a:off x="2264410" y="0"/>
+            <a:ext cx="6830695" cy="6263005"/>
+          </a:xfrm>
+          <a:prstGeom prst="rect">
+            <a:avLst/>
+          </a:prstGeom>
+        </p:spPr>
+      </p:pic>
+    </p:spTree>
+  </p:cSld>
+  <p:clrMapOvr>
+    <a:masterClrMapping/>
+  </p:clrMapOvr>
+</p:sld>
+</file>
+
+<file path=ppt/slides/slide8.xml><?xml version="1.0" encoding="utf-8"?>
+<p:sld xmlns:a="http://schemas.openxmlformats.org/drawingml/2006/main" xmlns:r="http://schemas.openxmlformats.org/officeDocument/2006/relationships" xmlns:p="http://schemas.openxmlformats.org/presentationml/2006/main">
+  <p:cSld>
+    <p:spTree>
+      <p:nvGrpSpPr>
+        <p:cNvPr id="1" name=""/>
+        <p:cNvGrpSpPr/>
+        <p:nvPr/>
+      </p:nvGrpSpPr>
+      <p:grpSpPr/>
+      <p:pic>
+        <p:nvPicPr>
+          <p:cNvPr id="2" name="Picture 1"/>
+          <p:cNvPicPr/>
+          <p:nvPr/>
+        </p:nvPicPr>
+        <p:blipFill>
+          <a:blip r:embed="rId1"/>
+          <a:stretch>
+            <a:fillRect/>
+          </a:stretch>
+        </p:blipFill>
+        <p:spPr>
+          <a:xfrm>
+            <a:off x="1028700" y="1252538"/>
+            <a:ext cx="9753600" cy="3971925"/>
+          </a:xfrm>
+          <a:prstGeom prst="rect">
+            <a:avLst/>
+          </a:prstGeom>
+        </p:spPr>
+      </p:pic>
+    </p:spTree>
+  </p:cSld>
+  <p:clrMapOvr>
+    <a:masterClrMapping/>
+  </p:clrMapOvr>
+</p:sld>
+</file>
+
+<file path=ppt/slides/slide9.xml><?xml version="1.0" encoding="utf-8"?>
+<p:sld xmlns:a="http://schemas.openxmlformats.org/drawingml/2006/main" xmlns:r="http://schemas.openxmlformats.org/officeDocument/2006/relationships" xmlns:p="http://schemas.openxmlformats.org/presentationml/2006/main">
+  <p:cSld>
+    <p:spTree>
+      <p:nvGrpSpPr>
+        <p:cNvPr id="1" name=""/>
+        <p:cNvGrpSpPr/>
+        <p:nvPr/>
+      </p:nvGrpSpPr>
+      <p:grpSpPr/>
+      <p:pic>
+        <p:nvPicPr>
+          <p:cNvPr id="2" name="Picture 1"/>
+          <p:cNvPicPr/>
+          <p:nvPr/>
+        </p:nvPicPr>
+        <p:blipFill>
+          <a:blip r:embed="rId1"/>
+          <a:stretch>
+            <a:fillRect/>
+          </a:stretch>
+        </p:blipFill>
+        <p:spPr>
+          <a:xfrm>
+            <a:off x="-190500" y="-190500"/>
+            <a:ext cx="12192000" cy="6858000"/>
+          </a:xfrm>
+          <a:prstGeom prst="rect">
+            <a:avLst/>
+          </a:prstGeom>
+        </p:spPr>
+      </p:pic>
     </p:spTree>
   </p:cSld>
   <p:clrMapOvr>
